--- a/slides-aulas/analise-semantica.pptx
+++ b/slides-aulas/analise-semantica.pptx
@@ -228,7 +228,7 @@
           <a:p>
             <a:fld id="{4524B1C1-5B40-400B-A2EB-A68B8AE74649}" type="datetimeFigureOut">
               <a:rPr lang="en-US" smtClean="0"/>
-              <a:t>15-Sep-16</a:t>
+              <a:t>10-Apr-17</a:t>
             </a:fld>
             <a:endParaRPr lang="en-US"/>
           </a:p>
@@ -394,7 +394,7 @@
             <a:fld id="{F42525A5-B25A-49AC-8F63-94028D46B0E3}" type="datetimeFigureOut">
               <a:rPr lang="pt-BR" smtClean="0"/>
               <a:pPr/>
-              <a:t>15/09/2016</a:t>
+              <a:t>10/04/2017</a:t>
             </a:fld>
             <a:endParaRPr lang="pt-BR"/>
           </a:p>
@@ -847,7 +847,7 @@
             <a:fld id="{2E700DB3-DBF0-4086-B675-117E7A9610B8}" type="datetimeFigureOut">
               <a:rPr lang="pt-BR" smtClean="0"/>
               <a:pPr/>
-              <a:t>15/09/2016</a:t>
+              <a:t>10/04/2017</a:t>
             </a:fld>
             <a:endParaRPr lang="pt-BR"/>
           </a:p>
@@ -1014,7 +1014,7 @@
             <a:fld id="{2E700DB3-DBF0-4086-B675-117E7A9610B8}" type="datetimeFigureOut">
               <a:rPr lang="pt-BR" smtClean="0"/>
               <a:pPr/>
-              <a:t>15/09/2016</a:t>
+              <a:t>10/04/2017</a:t>
             </a:fld>
             <a:endParaRPr lang="pt-BR"/>
           </a:p>
@@ -1191,7 +1191,7 @@
             <a:fld id="{2E700DB3-DBF0-4086-B675-117E7A9610B8}" type="datetimeFigureOut">
               <a:rPr lang="pt-BR" smtClean="0"/>
               <a:pPr/>
-              <a:t>15/09/2016</a:t>
+              <a:t>10/04/2017</a:t>
             </a:fld>
             <a:endParaRPr lang="pt-BR"/>
           </a:p>
@@ -1358,7 +1358,7 @@
             <a:fld id="{2E700DB3-DBF0-4086-B675-117E7A9610B8}" type="datetimeFigureOut">
               <a:rPr lang="pt-BR" smtClean="0"/>
               <a:pPr/>
-              <a:t>15/09/2016</a:t>
+              <a:t>10/04/2017</a:t>
             </a:fld>
             <a:endParaRPr lang="pt-BR"/>
           </a:p>
@@ -1601,7 +1601,7 @@
             <a:fld id="{2E700DB3-DBF0-4086-B675-117E7A9610B8}" type="datetimeFigureOut">
               <a:rPr lang="pt-BR" smtClean="0"/>
               <a:pPr/>
-              <a:t>15/09/2016</a:t>
+              <a:t>10/04/2017</a:t>
             </a:fld>
             <a:endParaRPr lang="pt-BR"/>
           </a:p>
@@ -1886,7 +1886,7 @@
             <a:fld id="{2E700DB3-DBF0-4086-B675-117E7A9610B8}" type="datetimeFigureOut">
               <a:rPr lang="pt-BR" smtClean="0"/>
               <a:pPr/>
-              <a:t>15/09/2016</a:t>
+              <a:t>10/04/2017</a:t>
             </a:fld>
             <a:endParaRPr lang="pt-BR"/>
           </a:p>
@@ -2305,7 +2305,7 @@
             <a:fld id="{2E700DB3-DBF0-4086-B675-117E7A9610B8}" type="datetimeFigureOut">
               <a:rPr lang="pt-BR" smtClean="0"/>
               <a:pPr/>
-              <a:t>15/09/2016</a:t>
+              <a:t>10/04/2017</a:t>
             </a:fld>
             <a:endParaRPr lang="pt-BR"/>
           </a:p>
@@ -2420,7 +2420,7 @@
             <a:fld id="{2E700DB3-DBF0-4086-B675-117E7A9610B8}" type="datetimeFigureOut">
               <a:rPr lang="pt-BR" smtClean="0"/>
               <a:pPr/>
-              <a:t>15/09/2016</a:t>
+              <a:t>10/04/2017</a:t>
             </a:fld>
             <a:endParaRPr lang="pt-BR"/>
           </a:p>
@@ -2512,7 +2512,7 @@
             <a:fld id="{2E700DB3-DBF0-4086-B675-117E7A9610B8}" type="datetimeFigureOut">
               <a:rPr lang="pt-BR" smtClean="0"/>
               <a:pPr/>
-              <a:t>15/09/2016</a:t>
+              <a:t>10/04/2017</a:t>
             </a:fld>
             <a:endParaRPr lang="pt-BR"/>
           </a:p>
@@ -2786,7 +2786,7 @@
             <a:fld id="{2E700DB3-DBF0-4086-B675-117E7A9610B8}" type="datetimeFigureOut">
               <a:rPr lang="pt-BR" smtClean="0"/>
               <a:pPr/>
-              <a:t>15/09/2016</a:t>
+              <a:t>10/04/2017</a:t>
             </a:fld>
             <a:endParaRPr lang="pt-BR"/>
           </a:p>
@@ -3036,7 +3036,7 @@
             <a:fld id="{2E700DB3-DBF0-4086-B675-117E7A9610B8}" type="datetimeFigureOut">
               <a:rPr lang="pt-BR" smtClean="0"/>
               <a:pPr/>
-              <a:t>15/09/2016</a:t>
+              <a:t>10/04/2017</a:t>
             </a:fld>
             <a:endParaRPr lang="pt-BR"/>
           </a:p>
@@ -3246,7 +3246,7 @@
             <a:fld id="{2E700DB3-DBF0-4086-B675-117E7A9610B8}" type="datetimeFigureOut">
               <a:rPr lang="pt-BR" smtClean="0"/>
               <a:pPr/>
-              <a:t>15/09/2016</a:t>
+              <a:t>10/04/2017</a:t>
             </a:fld>
             <a:endParaRPr lang="pt-BR"/>
           </a:p>
@@ -6633,15 +6633,27 @@
             </a:r>
             <a:r>
               <a:rPr lang="en-US" dirty="0" err="1" smtClean="0">
+                <a:solidFill>
+                  <a:srgbClr val="FF0000"/>
+                </a:solidFill>
                 <a:sym typeface="Wingdings" pitchFamily="2" charset="2"/>
               </a:rPr>
               <a:t>type_error</a:t>
             </a:r>
             <a:r>
               <a:rPr lang="en-US" dirty="0" smtClean="0">
-                <a:sym typeface="Wingdings" pitchFamily="2" charset="2"/>
-              </a:rPr>
-              <a:t> }</a:t>
+                <a:solidFill>
+                  <a:srgbClr val="FF0000"/>
+                </a:solidFill>
+                <a:sym typeface="Wingdings" pitchFamily="2" charset="2"/>
+              </a:rPr>
+              <a:t>() </a:t>
+            </a:r>
+            <a:r>
+              <a:rPr lang="en-US" dirty="0" smtClean="0">
+                <a:sym typeface="Wingdings" pitchFamily="2" charset="2"/>
+              </a:rPr>
+              <a:t>}</a:t>
             </a:r>
             <a:endParaRPr lang="en-US" b="1" dirty="0" smtClean="0">
               <a:sym typeface="Wingdings" pitchFamily="2" charset="2"/>
@@ -6909,15 +6921,21 @@
             </a:r>
             <a:r>
               <a:rPr lang="en-US" dirty="0" err="1" smtClean="0">
+                <a:solidFill>
+                  <a:srgbClr val="FF0000"/>
+                </a:solidFill>
                 <a:sym typeface="Wingdings" pitchFamily="2" charset="2"/>
               </a:rPr>
               <a:t>type_error</a:t>
             </a:r>
             <a:r>
               <a:rPr lang="en-US" dirty="0" smtClean="0">
-                <a:sym typeface="Wingdings" pitchFamily="2" charset="2"/>
-              </a:rPr>
-              <a:t> </a:t>
+                <a:solidFill>
+                  <a:srgbClr val="FF0000"/>
+                </a:solidFill>
+                <a:sym typeface="Wingdings" pitchFamily="2" charset="2"/>
+              </a:rPr>
+              <a:t>() </a:t>
             </a:r>
             <a:r>
               <a:rPr lang="en-US" dirty="0">
@@ -7030,17 +7048,32 @@
               <a:t>else </a:t>
             </a:r>
             <a:r>
-              <a:rPr lang="en-US" dirty="0" err="1">
+              <a:rPr lang="en-US" dirty="0" err="1" smtClean="0">
+                <a:solidFill>
+                  <a:srgbClr val="FF0000"/>
+                </a:solidFill>
                 <a:sym typeface="Wingdings" pitchFamily="2" charset="2"/>
               </a:rPr>
               <a:t>type_error</a:t>
             </a:r>
             <a:r>
-              <a:rPr lang="en-US" dirty="0">
-                <a:sym typeface="Wingdings" pitchFamily="2" charset="2"/>
-              </a:rPr>
-              <a:t> }</a:t>
-            </a:r>
+              <a:rPr lang="en-US" dirty="0" smtClean="0">
+                <a:solidFill>
+                  <a:srgbClr val="FF0000"/>
+                </a:solidFill>
+                <a:sym typeface="Wingdings" pitchFamily="2" charset="2"/>
+              </a:rPr>
+              <a:t>()</a:t>
+            </a:r>
+            <a:r>
+              <a:rPr lang="en-US" dirty="0" smtClean="0">
+                <a:sym typeface="Wingdings" pitchFamily="2" charset="2"/>
+              </a:rPr>
+              <a:t>}</a:t>
+            </a:r>
+            <a:endParaRPr lang="en-US" dirty="0">
+              <a:sym typeface="Wingdings" pitchFamily="2" charset="2"/>
+            </a:endParaRPr>
           </a:p>
         </p:txBody>
       </p:sp>
@@ -8613,7 +8646,12 @@
             <p:ph idx="1"/>
           </p:nvPr>
         </p:nvSpPr>
-        <p:spPr/>
+        <p:spPr>
+          <a:xfrm>
+            <a:off x="457200" y="1600200"/>
+            <a:ext cx="8507288" cy="4525963"/>
+          </a:xfrm>
+        </p:spPr>
         <p:txBody>
           <a:bodyPr>
             <a:normAutofit/>
@@ -8622,7 +8660,27 @@
           <a:p>
             <a:r>
               <a:rPr lang="pt-BR" dirty="0" smtClean="0"/>
-              <a:t>Adicione regras semânticas às novas produções da gramática, considerando chamada de métodos (com apenas um arg.)</a:t>
+              <a:t>Elabore regras semânticas para as definições abaixo c</a:t>
+            </a:r>
+            <a:r>
+              <a:rPr lang="pt-BR" dirty="0" smtClean="0"/>
+              <a:t>onsiderando chamadas </a:t>
+            </a:r>
+            <a:r>
+              <a:rPr lang="pt-BR" dirty="0" smtClean="0"/>
+              <a:t>de </a:t>
+            </a:r>
+            <a:r>
+              <a:rPr lang="pt-BR" dirty="0" smtClean="0"/>
+              <a:t>função com </a:t>
+            </a:r>
+            <a:r>
+              <a:rPr lang="pt-BR" dirty="0" smtClean="0"/>
+              <a:t>apenas um </a:t>
+            </a:r>
+            <a:r>
+              <a:rPr lang="pt-BR" dirty="0" smtClean="0"/>
+              <a:t>argumento</a:t>
             </a:r>
             <a:endParaRPr lang="pt-BR" dirty="0"/>
           </a:p>
@@ -8808,7 +8866,25 @@
                 <a:cs typeface="+mn-cs"/>
                 <a:sym typeface="Wingdings" pitchFamily="2" charset="2"/>
               </a:rPr>
-              <a:t>E  E </a:t>
+              <a:t>E </a:t>
+            </a:r>
+            <a:r>
+              <a:rPr kumimoji="0" lang="en-US" sz="3200" b="0" i="0" u="none" strike="noStrike" kern="1200" cap="none" spc="0" normalizeH="0" baseline="0" noProof="0" dirty="0" smtClean="0">
+                <a:ln>
+                  <a:noFill/>
+                </a:ln>
+                <a:solidFill>
+                  <a:schemeClr val="tx1"/>
+                </a:solidFill>
+                <a:effectLst/>
+                <a:uLnTx/>
+                <a:uFillTx/>
+                <a:latin typeface="+mn-lt"/>
+                <a:ea typeface="+mn-ea"/>
+                <a:cs typeface="+mn-cs"/>
+                <a:sym typeface="Wingdings" pitchFamily="2" charset="2"/>
+              </a:rPr>
+              <a:t> E </a:t>
             </a:r>
             <a:r>
               <a:rPr kumimoji="0" lang="en-US" sz="3200" b="1" i="0" u="none" strike="noStrike" kern="1200" cap="none" spc="0" normalizeH="0" baseline="0" noProof="0" dirty="0" smtClean="0">

--- a/slides-aulas/analise-semantica.pptx
+++ b/slides-aulas/analise-semantica.pptx
@@ -5,10 +5,10 @@
     <p:sldMasterId id="2147483648" r:id="rId1"/>
   </p:sldMasterIdLst>
   <p:notesMasterIdLst>
-    <p:notesMasterId r:id="rId36"/>
+    <p:notesMasterId r:id="rId37"/>
   </p:notesMasterIdLst>
   <p:handoutMasterIdLst>
-    <p:handoutMasterId r:id="rId37"/>
+    <p:handoutMasterId r:id="rId38"/>
   </p:handoutMasterIdLst>
   <p:sldIdLst>
     <p:sldId id="342" r:id="rId2"/>
@@ -30,21 +30,22 @@
     <p:sldId id="294" r:id="rId18"/>
     <p:sldId id="297" r:id="rId19"/>
     <p:sldId id="298" r:id="rId20"/>
-    <p:sldId id="302" r:id="rId21"/>
+    <p:sldId id="344" r:id="rId21"/>
     <p:sldId id="303" r:id="rId22"/>
     <p:sldId id="323" r:id="rId23"/>
     <p:sldId id="319" r:id="rId24"/>
     <p:sldId id="324" r:id="rId25"/>
     <p:sldId id="310" r:id="rId26"/>
     <p:sldId id="311" r:id="rId27"/>
-    <p:sldId id="313" r:id="rId28"/>
-    <p:sldId id="315" r:id="rId29"/>
-    <p:sldId id="328" r:id="rId30"/>
-    <p:sldId id="316" r:id="rId31"/>
-    <p:sldId id="318" r:id="rId32"/>
-    <p:sldId id="317" r:id="rId33"/>
-    <p:sldId id="330" r:id="rId34"/>
-    <p:sldId id="320" r:id="rId35"/>
+    <p:sldId id="343" r:id="rId28"/>
+    <p:sldId id="313" r:id="rId29"/>
+    <p:sldId id="315" r:id="rId30"/>
+    <p:sldId id="328" r:id="rId31"/>
+    <p:sldId id="316" r:id="rId32"/>
+    <p:sldId id="318" r:id="rId33"/>
+    <p:sldId id="317" r:id="rId34"/>
+    <p:sldId id="330" r:id="rId35"/>
+    <p:sldId id="320" r:id="rId36"/>
   </p:sldIdLst>
   <p:sldSz cx="9144000" cy="6858000" type="screen4x3"/>
   <p:notesSz cx="6934200" cy="9220200"/>
@@ -228,7 +229,7 @@
           <a:p>
             <a:fld id="{4524B1C1-5B40-400B-A2EB-A68B8AE74649}" type="datetimeFigureOut">
               <a:rPr lang="en-US" smtClean="0"/>
-              <a:t>10-Apr-17</a:t>
+              <a:t>4/2/2018</a:t>
             </a:fld>
             <a:endParaRPr lang="en-US"/>
           </a:p>
@@ -394,7 +395,7 @@
             <a:fld id="{F42525A5-B25A-49AC-8F63-94028D46B0E3}" type="datetimeFigureOut">
               <a:rPr lang="pt-BR" smtClean="0"/>
               <a:pPr/>
-              <a:t>10/04/2017</a:t>
+              <a:t>02/04/2018</a:t>
             </a:fld>
             <a:endParaRPr lang="pt-BR"/>
           </a:p>
@@ -847,7 +848,7 @@
             <a:fld id="{2E700DB3-DBF0-4086-B675-117E7A9610B8}" type="datetimeFigureOut">
               <a:rPr lang="pt-BR" smtClean="0"/>
               <a:pPr/>
-              <a:t>10/04/2017</a:t>
+              <a:t>02/04/2018</a:t>
             </a:fld>
             <a:endParaRPr lang="pt-BR"/>
           </a:p>
@@ -1014,7 +1015,7 @@
             <a:fld id="{2E700DB3-DBF0-4086-B675-117E7A9610B8}" type="datetimeFigureOut">
               <a:rPr lang="pt-BR" smtClean="0"/>
               <a:pPr/>
-              <a:t>10/04/2017</a:t>
+              <a:t>02/04/2018</a:t>
             </a:fld>
             <a:endParaRPr lang="pt-BR"/>
           </a:p>
@@ -1191,7 +1192,7 @@
             <a:fld id="{2E700DB3-DBF0-4086-B675-117E7A9610B8}" type="datetimeFigureOut">
               <a:rPr lang="pt-BR" smtClean="0"/>
               <a:pPr/>
-              <a:t>10/04/2017</a:t>
+              <a:t>02/04/2018</a:t>
             </a:fld>
             <a:endParaRPr lang="pt-BR"/>
           </a:p>
@@ -1358,7 +1359,7 @@
             <a:fld id="{2E700DB3-DBF0-4086-B675-117E7A9610B8}" type="datetimeFigureOut">
               <a:rPr lang="pt-BR" smtClean="0"/>
               <a:pPr/>
-              <a:t>10/04/2017</a:t>
+              <a:t>02/04/2018</a:t>
             </a:fld>
             <a:endParaRPr lang="pt-BR"/>
           </a:p>
@@ -1601,7 +1602,7 @@
             <a:fld id="{2E700DB3-DBF0-4086-B675-117E7A9610B8}" type="datetimeFigureOut">
               <a:rPr lang="pt-BR" smtClean="0"/>
               <a:pPr/>
-              <a:t>10/04/2017</a:t>
+              <a:t>02/04/2018</a:t>
             </a:fld>
             <a:endParaRPr lang="pt-BR"/>
           </a:p>
@@ -1886,7 +1887,7 @@
             <a:fld id="{2E700DB3-DBF0-4086-B675-117E7A9610B8}" type="datetimeFigureOut">
               <a:rPr lang="pt-BR" smtClean="0"/>
               <a:pPr/>
-              <a:t>10/04/2017</a:t>
+              <a:t>02/04/2018</a:t>
             </a:fld>
             <a:endParaRPr lang="pt-BR"/>
           </a:p>
@@ -2305,7 +2306,7 @@
             <a:fld id="{2E700DB3-DBF0-4086-B675-117E7A9610B8}" type="datetimeFigureOut">
               <a:rPr lang="pt-BR" smtClean="0"/>
               <a:pPr/>
-              <a:t>10/04/2017</a:t>
+              <a:t>02/04/2018</a:t>
             </a:fld>
             <a:endParaRPr lang="pt-BR"/>
           </a:p>
@@ -2420,7 +2421,7 @@
             <a:fld id="{2E700DB3-DBF0-4086-B675-117E7A9610B8}" type="datetimeFigureOut">
               <a:rPr lang="pt-BR" smtClean="0"/>
               <a:pPr/>
-              <a:t>10/04/2017</a:t>
+              <a:t>02/04/2018</a:t>
             </a:fld>
             <a:endParaRPr lang="pt-BR"/>
           </a:p>
@@ -2512,7 +2513,7 @@
             <a:fld id="{2E700DB3-DBF0-4086-B675-117E7A9610B8}" type="datetimeFigureOut">
               <a:rPr lang="pt-BR" smtClean="0"/>
               <a:pPr/>
-              <a:t>10/04/2017</a:t>
+              <a:t>02/04/2018</a:t>
             </a:fld>
             <a:endParaRPr lang="pt-BR"/>
           </a:p>
@@ -2786,7 +2787,7 @@
             <a:fld id="{2E700DB3-DBF0-4086-B675-117E7A9610B8}" type="datetimeFigureOut">
               <a:rPr lang="pt-BR" smtClean="0"/>
               <a:pPr/>
-              <a:t>10/04/2017</a:t>
+              <a:t>02/04/2018</a:t>
             </a:fld>
             <a:endParaRPr lang="pt-BR"/>
           </a:p>
@@ -3036,7 +3037,7 @@
             <a:fld id="{2E700DB3-DBF0-4086-B675-117E7A9610B8}" type="datetimeFigureOut">
               <a:rPr lang="pt-BR" smtClean="0"/>
               <a:pPr/>
-              <a:t>10/04/2017</a:t>
+              <a:t>02/04/2018</a:t>
             </a:fld>
             <a:endParaRPr lang="pt-BR"/>
           </a:p>
@@ -3246,7 +3247,7 @@
             <a:fld id="{2E700DB3-DBF0-4086-B675-117E7A9610B8}" type="datetimeFigureOut">
               <a:rPr lang="pt-BR" smtClean="0"/>
               <a:pPr/>
-              <a:t>10/04/2017</a:t>
+              <a:t>02/04/2018</a:t>
             </a:fld>
             <a:endParaRPr lang="pt-BR"/>
           </a:p>
@@ -3741,24 +3742,688 @@
           </a:bodyPr>
           <a:lstStyle/>
           <a:p>
+            <a:pPr marL="0" indent="0">
+              <a:buNone/>
+            </a:pPr>
             <a:r>
               <a:rPr lang="pt-BR" dirty="0" smtClean="0"/>
-              <a:t>Um tipo é uma categoria de elementos </a:t>
-            </a:r>
-            <a:r>
-              <a:rPr lang="pt-BR" dirty="0"/>
-              <a:t>de programação </a:t>
+              <a:t>Um tipo é uma categoria de </a:t>
             </a:r>
             <a:r>
               <a:rPr lang="pt-BR" dirty="0" smtClean="0"/>
-              <a:t>visando seu uso disciplinado</a:t>
-            </a:r>
-          </a:p>
-        </p:txBody>
-      </p:sp>
-      <p:sp>
-        <p:nvSpPr>
-          <p:cNvPr id="7" name="Rectangle 3"/>
+              <a:t>valores de variáveis. </a:t>
+            </a:r>
+            <a:r>
+              <a:rPr lang="pt-BR" dirty="0" smtClean="0"/>
+              <a:t>Objeto </a:t>
+            </a:r>
+            <a:r>
+              <a:rPr lang="pt-BR" dirty="0" smtClean="0"/>
+              <a:t>é disciplinar uso de variáveis.</a:t>
+            </a:r>
+            <a:endParaRPr lang="pt-BR" dirty="0" smtClean="0"/>
+          </a:p>
+        </p:txBody>
+      </p:sp>
+      <p:sp>
+        <p:nvSpPr>
+          <p:cNvPr id="8" name="CaixaDeTexto 7"/>
+          <p:cNvSpPr txBox="1"/>
+          <p:nvPr/>
+        </p:nvSpPr>
+        <p:spPr>
+          <a:xfrm>
+            <a:off x="1346593" y="3650569"/>
+            <a:ext cx="4968552" cy="369332"/>
+          </a:xfrm>
+          <a:prstGeom prst="rect">
+            <a:avLst/>
+          </a:prstGeom>
+        </p:spPr>
+        <p:style>
+          <a:lnRef idx="2">
+            <a:schemeClr val="dk1"/>
+          </a:lnRef>
+          <a:fillRef idx="1">
+            <a:schemeClr val="lt1"/>
+          </a:fillRef>
+          <a:effectRef idx="0">
+            <a:schemeClr val="dk1"/>
+          </a:effectRef>
+          <a:fontRef idx="minor">
+            <a:schemeClr val="dk1"/>
+          </a:fontRef>
+        </p:style>
+        <p:txBody>
+          <a:bodyPr wrap="square" rtlCol="0">
+            <a:spAutoFit/>
+          </a:bodyPr>
+          <a:lstStyle/>
+          <a:p>
+            <a:pPr algn="ctr"/>
+            <a:r>
+              <a:rPr lang="en-US" dirty="0" smtClean="0">
+                <a:latin typeface="Book Antiqua" panose="02040602050305030304" pitchFamily="18" charset="0"/>
+              </a:rPr>
+              <a:t>void </a:t>
+            </a:r>
+            <a:r>
+              <a:rPr lang="en-US" b="1" dirty="0" smtClean="0">
+                <a:latin typeface="Book Antiqua" panose="02040602050305030304" pitchFamily="18" charset="0"/>
+              </a:rPr>
+              <a:t>turn</a:t>
+            </a:r>
+            <a:r>
+              <a:rPr lang="en-US" dirty="0" smtClean="0">
+                <a:latin typeface="Book Antiqua" panose="02040602050305030304" pitchFamily="18" charset="0"/>
+              </a:rPr>
+              <a:t> (float degrees) throws Exception {…}</a:t>
+            </a:r>
+          </a:p>
+        </p:txBody>
+      </p:sp>
+      <p:sp>
+        <p:nvSpPr>
+          <p:cNvPr id="9" name="CaixaDeTexto 8"/>
+          <p:cNvSpPr txBox="1"/>
+          <p:nvPr/>
+        </p:nvSpPr>
+        <p:spPr>
+          <a:xfrm>
+            <a:off x="1346593" y="4211796"/>
+            <a:ext cx="3434607" cy="369332"/>
+          </a:xfrm>
+          <a:prstGeom prst="rect">
+            <a:avLst/>
+          </a:prstGeom>
+        </p:spPr>
+        <p:style>
+          <a:lnRef idx="2">
+            <a:schemeClr val="dk1"/>
+          </a:lnRef>
+          <a:fillRef idx="1">
+            <a:schemeClr val="lt1"/>
+          </a:fillRef>
+          <a:effectRef idx="0">
+            <a:schemeClr val="dk1"/>
+          </a:effectRef>
+          <a:fontRef idx="minor">
+            <a:schemeClr val="dk1"/>
+          </a:fontRef>
+        </p:style>
+        <p:txBody>
+          <a:bodyPr wrap="square" rtlCol="0">
+            <a:spAutoFit/>
+          </a:bodyPr>
+          <a:lstStyle/>
+          <a:p>
+            <a:pPr algn="ctr"/>
+            <a:r>
+              <a:rPr lang="en-US" dirty="0" smtClean="0">
+                <a:latin typeface="Book Antiqua" panose="02040602050305030304" pitchFamily="18" charset="0"/>
+              </a:rPr>
+              <a:t>Figure </a:t>
+            </a:r>
+            <a:r>
+              <a:rPr lang="en-US" b="1" dirty="0" smtClean="0">
+                <a:latin typeface="Book Antiqua" panose="02040602050305030304" pitchFamily="18" charset="0"/>
+              </a:rPr>
+              <a:t>fig</a:t>
+            </a:r>
+            <a:r>
+              <a:rPr lang="en-US" dirty="0" smtClean="0">
+                <a:latin typeface="Book Antiqua" panose="02040602050305030304" pitchFamily="18" charset="0"/>
+              </a:rPr>
+              <a:t> </a:t>
+            </a:r>
+            <a:r>
+              <a:rPr lang="en-US" dirty="0">
+                <a:latin typeface="Book Antiqua" panose="02040602050305030304" pitchFamily="18" charset="0"/>
+              </a:rPr>
+              <a:t>= new Circle(x, y, r</a:t>
+            </a:r>
+            <a:r>
+              <a:rPr lang="en-US" dirty="0" smtClean="0">
+                <a:latin typeface="Book Antiqua" panose="02040602050305030304" pitchFamily="18" charset="0"/>
+              </a:rPr>
+              <a:t>);</a:t>
+            </a:r>
+            <a:endParaRPr lang="en-US" dirty="0">
+              <a:latin typeface="Book Antiqua" panose="02040602050305030304" pitchFamily="18" charset="0"/>
+            </a:endParaRPr>
+          </a:p>
+        </p:txBody>
+      </p:sp>
+      <p:sp>
+        <p:nvSpPr>
+          <p:cNvPr id="10" name="CaixaDeTexto 9"/>
+          <p:cNvSpPr txBox="1"/>
+          <p:nvPr/>
+        </p:nvSpPr>
+        <p:spPr>
+          <a:xfrm>
+            <a:off x="1331640" y="3074505"/>
+            <a:ext cx="1383105" cy="369332"/>
+          </a:xfrm>
+          <a:prstGeom prst="rect">
+            <a:avLst/>
+          </a:prstGeom>
+        </p:spPr>
+        <p:style>
+          <a:lnRef idx="2">
+            <a:schemeClr val="dk1"/>
+          </a:lnRef>
+          <a:fillRef idx="1">
+            <a:schemeClr val="lt1"/>
+          </a:fillRef>
+          <a:effectRef idx="0">
+            <a:schemeClr val="dk1"/>
+          </a:effectRef>
+          <a:fontRef idx="minor">
+            <a:schemeClr val="dk1"/>
+          </a:fontRef>
+        </p:style>
+        <p:txBody>
+          <a:bodyPr wrap="square" rtlCol="0">
+            <a:spAutoFit/>
+          </a:bodyPr>
+          <a:lstStyle/>
+          <a:p>
+            <a:r>
+              <a:rPr lang="en-US" dirty="0" smtClean="0">
+                <a:latin typeface="Book Antiqua" panose="02040602050305030304" pitchFamily="18" charset="0"/>
+              </a:rPr>
+              <a:t>float </a:t>
+            </a:r>
+            <a:r>
+              <a:rPr lang="en-US" b="1" dirty="0" smtClean="0">
+                <a:latin typeface="Book Antiqua" panose="02040602050305030304" pitchFamily="18" charset="0"/>
+              </a:rPr>
+              <a:t>salary</a:t>
+            </a:r>
+            <a:r>
+              <a:rPr lang="en-US" dirty="0" smtClean="0">
+                <a:latin typeface="Book Antiqua" panose="02040602050305030304" pitchFamily="18" charset="0"/>
+              </a:rPr>
+              <a:t>;</a:t>
+            </a:r>
+            <a:endParaRPr lang="en-US" dirty="0">
+              <a:latin typeface="Book Antiqua" panose="02040602050305030304" pitchFamily="18" charset="0"/>
+            </a:endParaRPr>
+          </a:p>
+        </p:txBody>
+      </p:sp>
+      <p:sp>
+        <p:nvSpPr>
+          <p:cNvPr id="3" name="Texto explicativo retangular 2"/>
+          <p:cNvSpPr/>
+          <p:nvPr/>
+        </p:nvSpPr>
+        <p:spPr>
+          <a:xfrm>
+            <a:off x="1835696" y="5157192"/>
+            <a:ext cx="5350295" cy="1296144"/>
+          </a:xfrm>
+          <a:prstGeom prst="wedgeRectCallout">
+            <a:avLst>
+              <a:gd name="adj1" fmla="val -37859"/>
+              <a:gd name="adj2" fmla="val -90353"/>
+            </a:avLst>
+          </a:prstGeom>
+          <a:ln>
+            <a:solidFill>
+              <a:schemeClr val="tx1"/>
+            </a:solidFill>
+          </a:ln>
+        </p:spPr>
+        <p:style>
+          <a:lnRef idx="2">
+            <a:schemeClr val="accent6"/>
+          </a:lnRef>
+          <a:fillRef idx="1">
+            <a:schemeClr val="lt1"/>
+          </a:fillRef>
+          <a:effectRef idx="0">
+            <a:schemeClr val="accent6"/>
+          </a:effectRef>
+          <a:fontRef idx="minor">
+            <a:schemeClr val="dk1"/>
+          </a:fontRef>
+        </p:style>
+        <p:txBody>
+          <a:bodyPr rtlCol="0" anchor="ctr"/>
+          <a:lstStyle/>
+          <a:p>
+            <a:pPr algn="ctr"/>
+            <a:r>
+              <a:rPr lang="pt-BR" sz="3200" dirty="0" smtClean="0">
+                <a:latin typeface="+mj-lt"/>
+              </a:rPr>
+              <a:t>Variável </a:t>
+            </a:r>
+            <a:r>
+              <a:rPr lang="pt-BR" sz="3200" b="1" dirty="0" err="1" smtClean="0">
+                <a:latin typeface="Book Antiqua" panose="02040602050305030304" pitchFamily="18" charset="0"/>
+              </a:rPr>
+              <a:t>fig</a:t>
+            </a:r>
+            <a:r>
+              <a:rPr lang="pt-BR" sz="3200" dirty="0" smtClean="0">
+                <a:latin typeface="+mj-lt"/>
+              </a:rPr>
+              <a:t> faz parte do grupo de elementos do tipo Figure.  </a:t>
+            </a:r>
+            <a:endParaRPr lang="en-US" sz="3200" dirty="0">
+              <a:latin typeface="+mj-lt"/>
+            </a:endParaRPr>
+          </a:p>
+        </p:txBody>
+      </p:sp>
+    </p:spTree>
+    <p:extLst>
+      <p:ext uri="{BB962C8B-B14F-4D97-AF65-F5344CB8AC3E}">
+        <p14:creationId xmlns:p14="http://schemas.microsoft.com/office/powerpoint/2010/main" val="1528511436"/>
+      </p:ext>
+    </p:extLst>
+  </p:cSld>
+  <p:clrMapOvr>
+    <a:masterClrMapping/>
+  </p:clrMapOvr>
+  <p:timing>
+    <p:tnLst>
+      <p:par>
+        <p:cTn id="1" dur="indefinite" restart="never" nodeType="tmRoot"/>
+      </p:par>
+    </p:tnLst>
+  </p:timing>
+</p:sld>
+</file>
+
+<file path=ppt/slides/slide11.xml><?xml version="1.0" encoding="utf-8"?>
+<p:sld xmlns:a="http://schemas.openxmlformats.org/drawingml/2006/main" xmlns:r="http://schemas.openxmlformats.org/officeDocument/2006/relationships" xmlns:p="http://schemas.openxmlformats.org/presentationml/2006/main">
+  <p:cSld>
+    <p:spTree>
+      <p:nvGrpSpPr>
+        <p:cNvPr id="1" name=""/>
+        <p:cNvGrpSpPr/>
+        <p:nvPr/>
+      </p:nvGrpSpPr>
+      <p:grpSpPr>
+        <a:xfrm>
+          <a:off x="0" y="0"/>
+          <a:ext cx="0" cy="0"/>
+          <a:chOff x="0" y="0"/>
+          <a:chExt cx="0" cy="0"/>
+        </a:xfrm>
+      </p:grpSpPr>
+      <p:sp>
+        <p:nvSpPr>
+          <p:cNvPr id="94210" name="Rectangle 2"/>
+          <p:cNvSpPr>
+            <a:spLocks noGrp="1" noChangeArrowheads="1"/>
+          </p:cNvSpPr>
+          <p:nvPr>
+            <p:ph type="title"/>
+          </p:nvPr>
+        </p:nvSpPr>
+        <p:spPr/>
+        <p:txBody>
+          <a:bodyPr/>
+          <a:lstStyle/>
+          <a:p>
+            <a:r>
+              <a:rPr lang="pt-BR" dirty="0" smtClean="0"/>
+              <a:t>Sistema de Tipos</a:t>
+            </a:r>
+            <a:endParaRPr lang="pt-BR" dirty="0"/>
+          </a:p>
+        </p:txBody>
+      </p:sp>
+      <p:sp>
+        <p:nvSpPr>
+          <p:cNvPr id="94211" name="Rectangle 3"/>
+          <p:cNvSpPr>
+            <a:spLocks noGrp="1" noChangeArrowheads="1"/>
+          </p:cNvSpPr>
+          <p:nvPr>
+            <p:ph type="body" idx="1"/>
+          </p:nvPr>
+        </p:nvSpPr>
+        <p:spPr>
+          <a:xfrm>
+            <a:off x="457200" y="1600200"/>
+            <a:ext cx="8229600" cy="5257800"/>
+          </a:xfrm>
+        </p:spPr>
+        <p:txBody>
+          <a:bodyPr>
+            <a:normAutofit/>
+          </a:bodyPr>
+          <a:lstStyle/>
+          <a:p>
+            <a:pPr marL="0" indent="0">
+              <a:buNone/>
+            </a:pPr>
+            <a:r>
+              <a:rPr lang="pt-BR" dirty="0" smtClean="0"/>
+              <a:t>Coleção de regras que que limitam como programas </a:t>
+            </a:r>
+            <a:r>
+              <a:rPr lang="pt-BR" dirty="0" smtClean="0"/>
+              <a:t>devem ser </a:t>
+            </a:r>
+            <a:r>
+              <a:rPr lang="pt-BR" dirty="0" smtClean="0"/>
+              <a:t>escritos</a:t>
+            </a:r>
+            <a:endParaRPr lang="pt-BR" dirty="0"/>
+          </a:p>
+          <a:p>
+            <a:pPr marL="457200" lvl="1" indent="0">
+              <a:buNone/>
+            </a:pPr>
+            <a:r>
+              <a:rPr lang="pt-BR" dirty="0" smtClean="0"/>
+              <a:t>Violação de regra =&gt; erro de tipo</a:t>
+            </a:r>
+          </a:p>
+        </p:txBody>
+      </p:sp>
+      <p:sp>
+        <p:nvSpPr>
+          <p:cNvPr id="7" name="CaixaDeTexto 6"/>
+          <p:cNvSpPr txBox="1"/>
+          <p:nvPr/>
+        </p:nvSpPr>
+        <p:spPr>
+          <a:xfrm>
+            <a:off x="1346593" y="3717032"/>
+            <a:ext cx="3434607" cy="369332"/>
+          </a:xfrm>
+          <a:prstGeom prst="rect">
+            <a:avLst/>
+          </a:prstGeom>
+        </p:spPr>
+        <p:style>
+          <a:lnRef idx="2">
+            <a:schemeClr val="dk1"/>
+          </a:lnRef>
+          <a:fillRef idx="1">
+            <a:schemeClr val="lt1"/>
+          </a:fillRef>
+          <a:effectRef idx="0">
+            <a:schemeClr val="dk1"/>
+          </a:effectRef>
+          <a:fontRef idx="minor">
+            <a:schemeClr val="dk1"/>
+          </a:fontRef>
+        </p:style>
+        <p:txBody>
+          <a:bodyPr wrap="square" rtlCol="0">
+            <a:spAutoFit/>
+          </a:bodyPr>
+          <a:lstStyle/>
+          <a:p>
+            <a:pPr algn="ctr"/>
+            <a:r>
+              <a:rPr lang="en-US" dirty="0" smtClean="0">
+                <a:latin typeface="Book Antiqua" panose="02040602050305030304" pitchFamily="18" charset="0"/>
+              </a:rPr>
+              <a:t>Figure </a:t>
+            </a:r>
+            <a:r>
+              <a:rPr lang="en-US" b="1" dirty="0" smtClean="0">
+                <a:latin typeface="Book Antiqua" panose="02040602050305030304" pitchFamily="18" charset="0"/>
+              </a:rPr>
+              <a:t>fig</a:t>
+            </a:r>
+            <a:r>
+              <a:rPr lang="en-US" dirty="0" smtClean="0">
+                <a:latin typeface="Book Antiqua" panose="02040602050305030304" pitchFamily="18" charset="0"/>
+              </a:rPr>
+              <a:t> </a:t>
+            </a:r>
+            <a:r>
+              <a:rPr lang="en-US" dirty="0">
+                <a:latin typeface="Book Antiqua" panose="02040602050305030304" pitchFamily="18" charset="0"/>
+              </a:rPr>
+              <a:t>= new Circle(x, y, r</a:t>
+            </a:r>
+            <a:r>
+              <a:rPr lang="en-US" dirty="0" smtClean="0">
+                <a:latin typeface="Book Antiqua" panose="02040602050305030304" pitchFamily="18" charset="0"/>
+              </a:rPr>
+              <a:t>);</a:t>
+            </a:r>
+            <a:endParaRPr lang="en-US" dirty="0">
+              <a:latin typeface="Book Antiqua" panose="02040602050305030304" pitchFamily="18" charset="0"/>
+            </a:endParaRPr>
+          </a:p>
+        </p:txBody>
+      </p:sp>
+      <p:sp>
+        <p:nvSpPr>
+          <p:cNvPr id="8" name="Texto explicativo retangular 7"/>
+          <p:cNvSpPr/>
+          <p:nvPr/>
+        </p:nvSpPr>
+        <p:spPr>
+          <a:xfrm>
+            <a:off x="1835696" y="4662428"/>
+            <a:ext cx="5350295" cy="1296144"/>
+          </a:xfrm>
+          <a:prstGeom prst="wedgeRectCallout">
+            <a:avLst>
+              <a:gd name="adj1" fmla="val -37859"/>
+              <a:gd name="adj2" fmla="val -90353"/>
+            </a:avLst>
+          </a:prstGeom>
+          <a:ln>
+            <a:solidFill>
+              <a:schemeClr val="tx1"/>
+            </a:solidFill>
+          </a:ln>
+        </p:spPr>
+        <p:style>
+          <a:lnRef idx="2">
+            <a:schemeClr val="accent6"/>
+          </a:lnRef>
+          <a:fillRef idx="1">
+            <a:schemeClr val="lt1"/>
+          </a:fillRef>
+          <a:effectRef idx="0">
+            <a:schemeClr val="accent6"/>
+          </a:effectRef>
+          <a:fontRef idx="minor">
+            <a:schemeClr val="dk1"/>
+          </a:fontRef>
+        </p:style>
+        <p:txBody>
+          <a:bodyPr rtlCol="0" anchor="ctr"/>
+          <a:lstStyle/>
+          <a:p>
+            <a:pPr algn="ctr"/>
+            <a:r>
+              <a:rPr lang="pt-BR" sz="3200" b="1" dirty="0" err="1" smtClean="0">
+                <a:latin typeface="Book Antiqua" panose="02040602050305030304" pitchFamily="18" charset="0"/>
+              </a:rPr>
+              <a:t>fig</a:t>
+            </a:r>
+            <a:r>
+              <a:rPr lang="pt-BR" sz="3200" dirty="0" smtClean="0"/>
+              <a:t> precisa respeitar todas as regras associadas a uma figura.</a:t>
+            </a:r>
+            <a:endParaRPr lang="en-US" sz="3200" dirty="0"/>
+          </a:p>
+        </p:txBody>
+      </p:sp>
+    </p:spTree>
+    <p:extLst>
+      <p:ext uri="{BB962C8B-B14F-4D97-AF65-F5344CB8AC3E}">
+        <p14:creationId xmlns:p14="http://schemas.microsoft.com/office/powerpoint/2010/main" val="3386301322"/>
+      </p:ext>
+    </p:extLst>
+  </p:cSld>
+  <p:clrMapOvr>
+    <a:masterClrMapping/>
+  </p:clrMapOvr>
+  <p:timing>
+    <p:tnLst>
+      <p:par>
+        <p:cTn id="1" dur="indefinite" restart="never" nodeType="tmRoot"/>
+      </p:par>
+    </p:tnLst>
+  </p:timing>
+</p:sld>
+</file>
+
+<file path=ppt/slides/slide12.xml><?xml version="1.0" encoding="utf-8"?>
+<p:sld xmlns:a="http://schemas.openxmlformats.org/drawingml/2006/main" xmlns:r="http://schemas.openxmlformats.org/officeDocument/2006/relationships" xmlns:p="http://schemas.openxmlformats.org/presentationml/2006/main">
+  <p:cSld>
+    <p:spTree>
+      <p:nvGrpSpPr>
+        <p:cNvPr id="1" name=""/>
+        <p:cNvGrpSpPr/>
+        <p:nvPr/>
+      </p:nvGrpSpPr>
+      <p:grpSpPr>
+        <a:xfrm>
+          <a:off x="0" y="0"/>
+          <a:ext cx="0" cy="0"/>
+          <a:chOff x="0" y="0"/>
+          <a:chExt cx="0" cy="0"/>
+        </a:xfrm>
+      </p:grpSpPr>
+      <p:sp>
+        <p:nvSpPr>
+          <p:cNvPr id="2" name="Title 1"/>
+          <p:cNvSpPr>
+            <a:spLocks noGrp="1"/>
+          </p:cNvSpPr>
+          <p:nvPr>
+            <p:ph type="title"/>
+          </p:nvPr>
+        </p:nvSpPr>
+        <p:spPr/>
+        <p:txBody>
+          <a:bodyPr/>
+          <a:lstStyle/>
+          <a:p>
+            <a:r>
+              <a:rPr lang="pt-BR" dirty="0" smtClean="0"/>
+              <a:t>Tipos </a:t>
+            </a:r>
+            <a:r>
+              <a:rPr lang="pt-BR" dirty="0" smtClean="0"/>
+              <a:t>Escalares </a:t>
+            </a:r>
+            <a:r>
+              <a:rPr lang="pt-BR" dirty="0" smtClean="0"/>
+              <a:t>e </a:t>
+            </a:r>
+            <a:r>
+              <a:rPr lang="pt-BR" dirty="0" smtClean="0"/>
+              <a:t>Derivados</a:t>
+            </a:r>
+            <a:endParaRPr lang="pt-BR" dirty="0"/>
+          </a:p>
+        </p:txBody>
+      </p:sp>
+      <p:sp>
+        <p:nvSpPr>
+          <p:cNvPr id="3" name="Content Placeholder 2"/>
+          <p:cNvSpPr>
+            <a:spLocks noGrp="1"/>
+          </p:cNvSpPr>
+          <p:nvPr>
+            <p:ph idx="1"/>
+          </p:nvPr>
+        </p:nvSpPr>
+        <p:spPr>
+          <a:xfrm>
+            <a:off x="457200" y="1600200"/>
+            <a:ext cx="8363272" cy="4525963"/>
+          </a:xfrm>
+        </p:spPr>
+        <p:txBody>
+          <a:bodyPr>
+            <a:normAutofit/>
+          </a:bodyPr>
+          <a:lstStyle/>
+          <a:p>
+            <a:r>
+              <a:rPr lang="pt-BR" dirty="0" smtClean="0"/>
+              <a:t>Os valores associados a um tipo escalar admite apenas </a:t>
+            </a:r>
+            <a:r>
+              <a:rPr lang="pt-BR" dirty="0" smtClean="0"/>
+              <a:t>um elemento (</a:t>
+            </a:r>
+            <a:r>
+              <a:rPr lang="pt-BR" dirty="0" smtClean="0"/>
+              <a:t>ex., </a:t>
+            </a:r>
+            <a:r>
+              <a:rPr lang="pt-BR" dirty="0" err="1" smtClean="0"/>
+              <a:t>integer</a:t>
+            </a:r>
+            <a:r>
+              <a:rPr lang="pt-BR" dirty="0" smtClean="0"/>
+              <a:t>)</a:t>
+            </a:r>
+            <a:endParaRPr lang="pt-BR" dirty="0" smtClean="0"/>
+          </a:p>
+          <a:p>
+            <a:r>
+              <a:rPr lang="en-US" dirty="0" err="1" smtClean="0"/>
+              <a:t>Exemplos</a:t>
+            </a:r>
+            <a:r>
+              <a:rPr lang="en-US" dirty="0" smtClean="0"/>
+              <a:t> de </a:t>
+            </a:r>
+            <a:r>
+              <a:rPr lang="en-US" dirty="0" err="1" smtClean="0"/>
+              <a:t>expressões</a:t>
+            </a:r>
+            <a:r>
+              <a:rPr lang="en-US" dirty="0" smtClean="0"/>
+              <a:t> </a:t>
+            </a:r>
+            <a:r>
+              <a:rPr lang="en-US" dirty="0"/>
+              <a:t>de </a:t>
+            </a:r>
+            <a:r>
+              <a:rPr lang="en-US" dirty="0" err="1" smtClean="0"/>
+              <a:t>tipos</a:t>
+            </a:r>
+            <a:r>
+              <a:rPr lang="en-US" dirty="0" smtClean="0"/>
+              <a:t> </a:t>
+            </a:r>
+            <a:r>
+              <a:rPr lang="en-US" dirty="0" err="1" smtClean="0"/>
+              <a:t>não</a:t>
+            </a:r>
+            <a:r>
+              <a:rPr lang="en-US" dirty="0" smtClean="0"/>
+              <a:t> </a:t>
+            </a:r>
+            <a:r>
+              <a:rPr lang="en-US" dirty="0" err="1" smtClean="0"/>
+              <a:t>escalares</a:t>
+            </a:r>
+            <a:endParaRPr lang="pt-BR" dirty="0" smtClean="0"/>
+          </a:p>
+          <a:p>
+            <a:endParaRPr lang="pt-BR" dirty="0"/>
+          </a:p>
+        </p:txBody>
+      </p:sp>
+      <p:sp>
+        <p:nvSpPr>
+          <p:cNvPr id="4" name="Rectangle 3"/>
           <p:cNvSpPr txBox="1">
             <a:spLocks noChangeArrowheads="1"/>
           </p:cNvSpPr>
@@ -3766,8 +4431,8 @@
         </p:nvSpPr>
         <p:spPr>
           <a:xfrm>
-            <a:off x="457200" y="1600200"/>
-            <a:ext cx="8229600" cy="5257800"/>
+            <a:off x="539552" y="3583557"/>
+            <a:ext cx="4248472" cy="4525963"/>
           </a:xfrm>
           <a:prstGeom prst="rect">
             <a:avLst/>
@@ -3915,634 +4580,126 @@
             </a:lvl9pPr>
           </a:lstStyle>
           <a:p>
-            <a:r>
-              <a:rPr lang="pt-BR" dirty="0" smtClean="0"/>
-              <a:t>Um tipo é uma categoria de elementos de programação visando seu uso disciplinado</a:t>
-            </a:r>
-          </a:p>
-        </p:txBody>
-      </p:sp>
-      <p:sp>
-        <p:nvSpPr>
-          <p:cNvPr id="8" name="CaixaDeTexto 7"/>
-          <p:cNvSpPr txBox="1"/>
-          <p:nvPr/>
-        </p:nvSpPr>
-        <p:spPr>
-          <a:xfrm>
-            <a:off x="1346593" y="3650569"/>
-            <a:ext cx="4968552" cy="369332"/>
-          </a:xfrm>
-          <a:prstGeom prst="rect">
-            <a:avLst/>
-          </a:prstGeom>
-        </p:spPr>
-        <p:style>
-          <a:lnRef idx="2">
-            <a:schemeClr val="dk1"/>
-          </a:lnRef>
-          <a:fillRef idx="1">
-            <a:schemeClr val="lt1"/>
-          </a:fillRef>
-          <a:effectRef idx="0">
-            <a:schemeClr val="dk1"/>
-          </a:effectRef>
-          <a:fontRef idx="minor">
-            <a:schemeClr val="dk1"/>
-          </a:fontRef>
-        </p:style>
-        <p:txBody>
-          <a:bodyPr wrap="square" rtlCol="0">
-            <a:spAutoFit/>
-          </a:bodyPr>
-          <a:lstStyle/>
-          <a:p>
-            <a:pPr algn="ctr"/>
-            <a:r>
-              <a:rPr lang="en-US" dirty="0" smtClean="0">
+            <a:pPr marL="0" indent="0">
+              <a:lnSpc>
+                <a:spcPct val="90000"/>
+              </a:lnSpc>
+              <a:buNone/>
+            </a:pPr>
+            <a:r>
+              <a:rPr lang="en-US" sz="2400" dirty="0" smtClean="0"/>
+              <a:t>Array </a:t>
+            </a:r>
+          </a:p>
+          <a:p>
+            <a:pPr marL="457200" lvl="1" indent="0">
+              <a:lnSpc>
+                <a:spcPct val="90000"/>
+              </a:lnSpc>
+              <a:buNone/>
+            </a:pPr>
+            <a:r>
+              <a:rPr lang="en-US" sz="2400" dirty="0" smtClean="0">
                 <a:latin typeface="Book Antiqua" panose="02040602050305030304" pitchFamily="18" charset="0"/>
               </a:rPr>
-              <a:t>void </a:t>
-            </a:r>
-            <a:r>
-              <a:rPr lang="en-US" b="1" dirty="0" smtClean="0">
+              <a:t>array[1..10] of integer</a:t>
+            </a:r>
+          </a:p>
+          <a:p>
+            <a:pPr marL="0" indent="0">
+              <a:buNone/>
+            </a:pPr>
+            <a:r>
+              <a:rPr lang="en-US" sz="2400" dirty="0" err="1" smtClean="0">
+                <a:sym typeface="Wingdings" pitchFamily="2" charset="2"/>
+              </a:rPr>
+              <a:t>Ponteiro</a:t>
+            </a:r>
+            <a:endParaRPr lang="en-US" sz="2400" dirty="0" smtClean="0">
+              <a:sym typeface="Wingdings" pitchFamily="2" charset="2"/>
+            </a:endParaRPr>
+          </a:p>
+          <a:p>
+            <a:pPr marL="457200" lvl="1" indent="0">
+              <a:buNone/>
+            </a:pPr>
+            <a:r>
+              <a:rPr lang="en-US" sz="2400" dirty="0" smtClean="0">
                 <a:latin typeface="Book Antiqua" panose="02040602050305030304" pitchFamily="18" charset="0"/>
-              </a:rPr>
-              <a:t>turn</a:t>
-            </a:r>
-            <a:r>
-              <a:rPr lang="en-US" dirty="0" smtClean="0">
+                <a:sym typeface="Wingdings" pitchFamily="2" charset="2"/>
+              </a:rPr>
+              <a:t>^row</a:t>
+            </a:r>
+          </a:p>
+          <a:p>
+            <a:pPr marL="0" indent="0">
+              <a:buNone/>
+            </a:pPr>
+            <a:r>
+              <a:rPr lang="en-US" sz="2400" dirty="0" err="1" smtClean="0"/>
+              <a:t>Produto</a:t>
+            </a:r>
+            <a:r>
+              <a:rPr lang="en-US" sz="2400" dirty="0" smtClean="0"/>
+              <a:t> </a:t>
+            </a:r>
+            <a:r>
+              <a:rPr lang="en-US" sz="2400" dirty="0" err="1" smtClean="0"/>
+              <a:t>cartesiano</a:t>
+            </a:r>
+            <a:endParaRPr lang="en-US" sz="2400" dirty="0" smtClean="0"/>
+          </a:p>
+          <a:p>
+            <a:pPr marL="457200" lvl="1" indent="0">
+              <a:buNone/>
+            </a:pPr>
+            <a:r>
+              <a:rPr lang="en-US" sz="2400" dirty="0" smtClean="0">
                 <a:latin typeface="Book Antiqua" panose="02040602050305030304" pitchFamily="18" charset="0"/>
               </a:rPr>
-              <a:t> (float degrees) throws Exception {…}</a:t>
-            </a:r>
-          </a:p>
-        </p:txBody>
-      </p:sp>
-      <p:sp>
-        <p:nvSpPr>
-          <p:cNvPr id="9" name="CaixaDeTexto 8"/>
-          <p:cNvSpPr txBox="1"/>
-          <p:nvPr/>
-        </p:nvSpPr>
-        <p:spPr>
-          <a:xfrm>
-            <a:off x="1346593" y="4211796"/>
-            <a:ext cx="3434607" cy="369332"/>
-          </a:xfrm>
-          <a:prstGeom prst="rect">
-            <a:avLst/>
-          </a:prstGeom>
-        </p:spPr>
-        <p:style>
-          <a:lnRef idx="2">
-            <a:schemeClr val="dk1"/>
-          </a:lnRef>
-          <a:fillRef idx="1">
-            <a:schemeClr val="lt1"/>
-          </a:fillRef>
-          <a:effectRef idx="0">
-            <a:schemeClr val="dk1"/>
-          </a:effectRef>
-          <a:fontRef idx="minor">
-            <a:schemeClr val="dk1"/>
-          </a:fontRef>
-        </p:style>
-        <p:txBody>
-          <a:bodyPr wrap="square" rtlCol="0">
-            <a:spAutoFit/>
-          </a:bodyPr>
-          <a:lstStyle/>
-          <a:p>
-            <a:pPr algn="ctr"/>
-            <a:r>
-              <a:rPr lang="en-US" dirty="0" smtClean="0">
+              <a:t>T</a:t>
+            </a:r>
+            <a:r>
+              <a:rPr lang="en-US" sz="2400" baseline="-25000" dirty="0" smtClean="0">
                 <a:latin typeface="Book Antiqua" panose="02040602050305030304" pitchFamily="18" charset="0"/>
               </a:rPr>
-              <a:t>Figure </a:t>
-            </a:r>
-            <a:r>
-              <a:rPr lang="en-US" b="1" dirty="0" smtClean="0">
+              <a:t>1 </a:t>
+            </a:r>
+            <a:r>
+              <a:rPr lang="en-US" sz="2400" dirty="0" smtClean="0">
                 <a:latin typeface="Book Antiqua" panose="02040602050305030304" pitchFamily="18" charset="0"/>
-              </a:rPr>
-              <a:t>fig</a:t>
-            </a:r>
-            <a:r>
-              <a:rPr lang="en-US" dirty="0" smtClean="0">
+                <a:sym typeface="Symbol" pitchFamily="18" charset="2"/>
+              </a:rPr>
+              <a:t></a:t>
+            </a:r>
+            <a:r>
+              <a:rPr lang="en-US" sz="2400" dirty="0" smtClean="0">
                 <a:latin typeface="Book Antiqua" panose="02040602050305030304" pitchFamily="18" charset="0"/>
               </a:rPr>
-              <a:t> </a:t>
-            </a:r>
-            <a:r>
-              <a:rPr lang="en-US" dirty="0">
+              <a:t> T</a:t>
+            </a:r>
+            <a:r>
+              <a:rPr lang="en-US" sz="2400" baseline="-25000" dirty="0" smtClean="0">
                 <a:latin typeface="Book Antiqua" panose="02040602050305030304" pitchFamily="18" charset="0"/>
               </a:rPr>
-              <a:t>= new Circle(x, y, r</a:t>
-            </a:r>
-            <a:r>
-              <a:rPr lang="en-US" dirty="0" smtClean="0">
-                <a:latin typeface="Book Antiqua" panose="02040602050305030304" pitchFamily="18" charset="0"/>
-              </a:rPr>
-              <a:t>);</a:t>
-            </a:r>
-            <a:endParaRPr lang="en-US" dirty="0">
+              <a:t>2</a:t>
+            </a:r>
+            <a:endParaRPr lang="en-US" sz="2400" dirty="0" smtClean="0">
               <a:latin typeface="Book Antiqua" panose="02040602050305030304" pitchFamily="18" charset="0"/>
+              <a:sym typeface="Wingdings" pitchFamily="2" charset="2"/>
             </a:endParaRPr>
           </a:p>
-        </p:txBody>
-      </p:sp>
-      <p:sp>
-        <p:nvSpPr>
-          <p:cNvPr id="10" name="CaixaDeTexto 9"/>
-          <p:cNvSpPr txBox="1"/>
-          <p:nvPr/>
-        </p:nvSpPr>
-        <p:spPr>
-          <a:xfrm>
-            <a:off x="1331640" y="3074505"/>
-            <a:ext cx="1383105" cy="369332"/>
-          </a:xfrm>
-          <a:prstGeom prst="rect">
-            <a:avLst/>
-          </a:prstGeom>
-        </p:spPr>
-        <p:style>
-          <a:lnRef idx="2">
-            <a:schemeClr val="dk1"/>
-          </a:lnRef>
-          <a:fillRef idx="1">
-            <a:schemeClr val="lt1"/>
-          </a:fillRef>
-          <a:effectRef idx="0">
-            <a:schemeClr val="dk1"/>
-          </a:effectRef>
-          <a:fontRef idx="minor">
-            <a:schemeClr val="dk1"/>
-          </a:fontRef>
-        </p:style>
-        <p:txBody>
-          <a:bodyPr wrap="square" rtlCol="0">
-            <a:spAutoFit/>
-          </a:bodyPr>
-          <a:lstStyle/>
-          <a:p>
-            <a:r>
-              <a:rPr lang="en-US" dirty="0" smtClean="0">
-                <a:latin typeface="Book Antiqua" panose="02040602050305030304" pitchFamily="18" charset="0"/>
-              </a:rPr>
-              <a:t>float </a:t>
-            </a:r>
-            <a:r>
-              <a:rPr lang="en-US" b="1" dirty="0" smtClean="0">
-                <a:latin typeface="Book Antiqua" panose="02040602050305030304" pitchFamily="18" charset="0"/>
-              </a:rPr>
-              <a:t>salary</a:t>
-            </a:r>
-            <a:r>
-              <a:rPr lang="en-US" dirty="0" smtClean="0">
-                <a:latin typeface="Book Antiqua" panose="02040602050305030304" pitchFamily="18" charset="0"/>
-              </a:rPr>
-              <a:t>;</a:t>
-            </a:r>
-            <a:endParaRPr lang="en-US" dirty="0">
-              <a:latin typeface="Book Antiqua" panose="02040602050305030304" pitchFamily="18" charset="0"/>
-            </a:endParaRPr>
-          </a:p>
-        </p:txBody>
-      </p:sp>
-      <p:sp>
-        <p:nvSpPr>
-          <p:cNvPr id="3" name="Texto explicativo retangular 2"/>
-          <p:cNvSpPr/>
-          <p:nvPr/>
-        </p:nvSpPr>
-        <p:spPr>
-          <a:xfrm>
-            <a:off x="1835696" y="5157192"/>
-            <a:ext cx="5350295" cy="1296144"/>
-          </a:xfrm>
-          <a:prstGeom prst="wedgeRectCallout">
-            <a:avLst>
-              <a:gd name="adj1" fmla="val -37859"/>
-              <a:gd name="adj2" fmla="val -90353"/>
-            </a:avLst>
-          </a:prstGeom>
-          <a:ln>
-            <a:solidFill>
-              <a:schemeClr val="tx1"/>
-            </a:solidFill>
-          </a:ln>
-        </p:spPr>
-        <p:style>
-          <a:lnRef idx="2">
-            <a:schemeClr val="accent6"/>
-          </a:lnRef>
-          <a:fillRef idx="1">
-            <a:schemeClr val="lt1"/>
-          </a:fillRef>
-          <a:effectRef idx="0">
-            <a:schemeClr val="accent6"/>
-          </a:effectRef>
-          <a:fontRef idx="minor">
-            <a:schemeClr val="dk1"/>
-          </a:fontRef>
-        </p:style>
-        <p:txBody>
-          <a:bodyPr rtlCol="0" anchor="ctr"/>
-          <a:lstStyle/>
-          <a:p>
-            <a:pPr algn="ctr"/>
-            <a:r>
-              <a:rPr lang="pt-BR" sz="3200" dirty="0" smtClean="0">
-                <a:latin typeface="+mj-lt"/>
-              </a:rPr>
-              <a:t>Variável </a:t>
-            </a:r>
-            <a:r>
-              <a:rPr lang="pt-BR" sz="3200" b="1" dirty="0" err="1" smtClean="0">
-                <a:latin typeface="Book Antiqua" panose="02040602050305030304" pitchFamily="18" charset="0"/>
-              </a:rPr>
-              <a:t>fig</a:t>
-            </a:r>
-            <a:r>
-              <a:rPr lang="pt-BR" sz="3200" dirty="0" smtClean="0">
-                <a:latin typeface="+mj-lt"/>
-              </a:rPr>
-              <a:t> faz parte do grupo de elementos do tipo Figure.  </a:t>
-            </a:r>
-            <a:endParaRPr lang="en-US" sz="3200" dirty="0">
-              <a:latin typeface="+mj-lt"/>
-            </a:endParaRPr>
-          </a:p>
-        </p:txBody>
-      </p:sp>
-    </p:spTree>
-    <p:extLst>
-      <p:ext uri="{BB962C8B-B14F-4D97-AF65-F5344CB8AC3E}">
-        <p14:creationId xmlns:p14="http://schemas.microsoft.com/office/powerpoint/2010/main" val="1528511436"/>
-      </p:ext>
-    </p:extLst>
-  </p:cSld>
-  <p:clrMapOvr>
-    <a:masterClrMapping/>
-  </p:clrMapOvr>
-  <p:timing>
-    <p:tnLst>
-      <p:par>
-        <p:cTn id="1" dur="indefinite" restart="never" nodeType="tmRoot"/>
-      </p:par>
-    </p:tnLst>
-  </p:timing>
-</p:sld>
-</file>
-
-<file path=ppt/slides/slide11.xml><?xml version="1.0" encoding="utf-8"?>
-<p:sld xmlns:a="http://schemas.openxmlformats.org/drawingml/2006/main" xmlns:r="http://schemas.openxmlformats.org/officeDocument/2006/relationships" xmlns:p="http://schemas.openxmlformats.org/presentationml/2006/main">
-  <p:cSld>
-    <p:spTree>
-      <p:nvGrpSpPr>
-        <p:cNvPr id="1" name=""/>
-        <p:cNvGrpSpPr/>
-        <p:nvPr/>
-      </p:nvGrpSpPr>
-      <p:grpSpPr>
-        <a:xfrm>
-          <a:off x="0" y="0"/>
-          <a:ext cx="0" cy="0"/>
-          <a:chOff x="0" y="0"/>
-          <a:chExt cx="0" cy="0"/>
-        </a:xfrm>
-      </p:grpSpPr>
-      <p:sp>
-        <p:nvSpPr>
-          <p:cNvPr id="94210" name="Rectangle 2"/>
-          <p:cNvSpPr>
-            <a:spLocks noGrp="1" noChangeArrowheads="1"/>
-          </p:cNvSpPr>
-          <p:nvPr>
-            <p:ph type="title"/>
-          </p:nvPr>
-        </p:nvSpPr>
-        <p:spPr/>
-        <p:txBody>
-          <a:bodyPr/>
-          <a:lstStyle/>
-          <a:p>
-            <a:r>
-              <a:rPr lang="pt-BR" dirty="0" smtClean="0"/>
-              <a:t>Sistema de Tipos</a:t>
-            </a:r>
-            <a:endParaRPr lang="pt-BR" dirty="0"/>
-          </a:p>
-        </p:txBody>
-      </p:sp>
-      <p:sp>
-        <p:nvSpPr>
-          <p:cNvPr id="94211" name="Rectangle 3"/>
-          <p:cNvSpPr>
-            <a:spLocks noGrp="1" noChangeArrowheads="1"/>
-          </p:cNvSpPr>
-          <p:nvPr>
-            <p:ph type="body" idx="1"/>
-          </p:nvPr>
-        </p:nvSpPr>
-        <p:spPr>
-          <a:xfrm>
-            <a:off x="457200" y="1600200"/>
-            <a:ext cx="8229600" cy="5257800"/>
-          </a:xfrm>
-        </p:spPr>
-        <p:txBody>
-          <a:bodyPr>
-            <a:normAutofit/>
-          </a:bodyPr>
-          <a:lstStyle/>
-          <a:p>
-            <a:r>
-              <a:rPr lang="pt-BR" dirty="0" smtClean="0"/>
-              <a:t>Coleção de regras que que limitam como programas pode ser escritos</a:t>
-            </a:r>
-            <a:endParaRPr lang="pt-BR" dirty="0"/>
-          </a:p>
-          <a:p>
-            <a:pPr lvl="1"/>
-            <a:r>
-              <a:rPr lang="pt-BR" dirty="0" smtClean="0"/>
-              <a:t>Violação de regra =&gt; erro de tipo</a:t>
-            </a:r>
-          </a:p>
-        </p:txBody>
-      </p:sp>
-      <p:sp>
-        <p:nvSpPr>
-          <p:cNvPr id="7" name="CaixaDeTexto 6"/>
-          <p:cNvSpPr txBox="1"/>
-          <p:nvPr/>
-        </p:nvSpPr>
-        <p:spPr>
-          <a:xfrm>
-            <a:off x="1346593" y="3717032"/>
-            <a:ext cx="3434607" cy="369332"/>
-          </a:xfrm>
-          <a:prstGeom prst="rect">
-            <a:avLst/>
-          </a:prstGeom>
-        </p:spPr>
-        <p:style>
-          <a:lnRef idx="2">
-            <a:schemeClr val="dk1"/>
-          </a:lnRef>
-          <a:fillRef idx="1">
-            <a:schemeClr val="lt1"/>
-          </a:fillRef>
-          <a:effectRef idx="0">
-            <a:schemeClr val="dk1"/>
-          </a:effectRef>
-          <a:fontRef idx="minor">
-            <a:schemeClr val="dk1"/>
-          </a:fontRef>
-        </p:style>
-        <p:txBody>
-          <a:bodyPr wrap="square" rtlCol="0">
-            <a:spAutoFit/>
-          </a:bodyPr>
-          <a:lstStyle/>
-          <a:p>
-            <a:pPr algn="ctr"/>
-            <a:r>
-              <a:rPr lang="en-US" dirty="0" smtClean="0">
-                <a:latin typeface="Book Antiqua" panose="02040602050305030304" pitchFamily="18" charset="0"/>
-              </a:rPr>
-              <a:t>Figure </a:t>
-            </a:r>
-            <a:r>
-              <a:rPr lang="en-US" b="1" dirty="0" smtClean="0">
-                <a:latin typeface="Book Antiqua" panose="02040602050305030304" pitchFamily="18" charset="0"/>
-              </a:rPr>
-              <a:t>fig</a:t>
-            </a:r>
-            <a:r>
-              <a:rPr lang="en-US" dirty="0" smtClean="0">
-                <a:latin typeface="Book Antiqua" panose="02040602050305030304" pitchFamily="18" charset="0"/>
-              </a:rPr>
-              <a:t> </a:t>
-            </a:r>
-            <a:r>
-              <a:rPr lang="en-US" dirty="0">
-                <a:latin typeface="Book Antiqua" panose="02040602050305030304" pitchFamily="18" charset="0"/>
-              </a:rPr>
-              <a:t>= new Circle(x, y, r</a:t>
-            </a:r>
-            <a:r>
-              <a:rPr lang="en-US" dirty="0" smtClean="0">
-                <a:latin typeface="Book Antiqua" panose="02040602050305030304" pitchFamily="18" charset="0"/>
-              </a:rPr>
-              <a:t>);</a:t>
-            </a:r>
-            <a:endParaRPr lang="en-US" dirty="0">
-              <a:latin typeface="Book Antiqua" panose="02040602050305030304" pitchFamily="18" charset="0"/>
-            </a:endParaRPr>
-          </a:p>
-        </p:txBody>
-      </p:sp>
-      <p:sp>
-        <p:nvSpPr>
-          <p:cNvPr id="8" name="Texto explicativo retangular 7"/>
-          <p:cNvSpPr/>
-          <p:nvPr/>
-        </p:nvSpPr>
-        <p:spPr>
-          <a:xfrm>
-            <a:off x="1835696" y="4662428"/>
-            <a:ext cx="5350295" cy="1296144"/>
-          </a:xfrm>
-          <a:prstGeom prst="wedgeRectCallout">
-            <a:avLst>
-              <a:gd name="adj1" fmla="val -37859"/>
-              <a:gd name="adj2" fmla="val -90353"/>
-            </a:avLst>
-          </a:prstGeom>
-          <a:ln>
-            <a:solidFill>
-              <a:schemeClr val="tx1"/>
-            </a:solidFill>
-          </a:ln>
-        </p:spPr>
-        <p:style>
-          <a:lnRef idx="2">
-            <a:schemeClr val="accent6"/>
-          </a:lnRef>
-          <a:fillRef idx="1">
-            <a:schemeClr val="lt1"/>
-          </a:fillRef>
-          <a:effectRef idx="0">
-            <a:schemeClr val="accent6"/>
-          </a:effectRef>
-          <a:fontRef idx="minor">
-            <a:schemeClr val="dk1"/>
-          </a:fontRef>
-        </p:style>
-        <p:txBody>
-          <a:bodyPr rtlCol="0" anchor="ctr"/>
-          <a:lstStyle/>
-          <a:p>
-            <a:pPr algn="ctr"/>
-            <a:r>
-              <a:rPr lang="pt-BR" sz="3200" b="1" dirty="0" err="1" smtClean="0">
-                <a:latin typeface="Book Antiqua" panose="02040602050305030304" pitchFamily="18" charset="0"/>
-              </a:rPr>
-              <a:t>fig</a:t>
-            </a:r>
-            <a:r>
-              <a:rPr lang="pt-BR" sz="3200" dirty="0" smtClean="0"/>
-              <a:t> precisa respeitar todas as regras associadas a uma figura.</a:t>
-            </a:r>
-            <a:endParaRPr lang="en-US" sz="3200" dirty="0"/>
-          </a:p>
-        </p:txBody>
-      </p:sp>
-    </p:spTree>
-    <p:extLst>
-      <p:ext uri="{BB962C8B-B14F-4D97-AF65-F5344CB8AC3E}">
-        <p14:creationId xmlns:p14="http://schemas.microsoft.com/office/powerpoint/2010/main" val="3386301322"/>
-      </p:ext>
-    </p:extLst>
-  </p:cSld>
-  <p:clrMapOvr>
-    <a:masterClrMapping/>
-  </p:clrMapOvr>
-  <p:timing>
-    <p:tnLst>
-      <p:par>
-        <p:cTn id="1" dur="indefinite" restart="never" nodeType="tmRoot"/>
-      </p:par>
-    </p:tnLst>
-  </p:timing>
-</p:sld>
-</file>
-
-<file path=ppt/slides/slide12.xml><?xml version="1.0" encoding="utf-8"?>
-<p:sld xmlns:a="http://schemas.openxmlformats.org/drawingml/2006/main" xmlns:r="http://schemas.openxmlformats.org/officeDocument/2006/relationships" xmlns:p="http://schemas.openxmlformats.org/presentationml/2006/main">
-  <p:cSld>
-    <p:spTree>
-      <p:nvGrpSpPr>
-        <p:cNvPr id="1" name=""/>
-        <p:cNvGrpSpPr/>
-        <p:nvPr/>
-      </p:nvGrpSpPr>
-      <p:grpSpPr>
-        <a:xfrm>
-          <a:off x="0" y="0"/>
-          <a:ext cx="0" cy="0"/>
-          <a:chOff x="0" y="0"/>
-          <a:chExt cx="0" cy="0"/>
-        </a:xfrm>
-      </p:grpSpPr>
-      <p:sp>
-        <p:nvSpPr>
-          <p:cNvPr id="2" name="Title 1"/>
-          <p:cNvSpPr>
-            <a:spLocks noGrp="1"/>
-          </p:cNvSpPr>
-          <p:nvPr>
-            <p:ph type="title"/>
-          </p:nvPr>
-        </p:nvSpPr>
-        <p:spPr/>
-        <p:txBody>
-          <a:bodyPr/>
-          <a:lstStyle/>
-          <a:p>
-            <a:r>
-              <a:rPr lang="pt-BR" dirty="0" smtClean="0"/>
-              <a:t>Tipos escalares e derivados</a:t>
-            </a:r>
-            <a:endParaRPr lang="pt-BR" dirty="0"/>
-          </a:p>
-        </p:txBody>
-      </p:sp>
-      <p:sp>
-        <p:nvSpPr>
-          <p:cNvPr id="3" name="Content Placeholder 2"/>
-          <p:cNvSpPr>
-            <a:spLocks noGrp="1"/>
-          </p:cNvSpPr>
-          <p:nvPr>
-            <p:ph idx="1"/>
-          </p:nvPr>
-        </p:nvSpPr>
-        <p:spPr>
-          <a:xfrm>
-            <a:off x="457200" y="1600200"/>
-            <a:ext cx="7901014" cy="4525963"/>
-          </a:xfrm>
-        </p:spPr>
-        <p:txBody>
-          <a:bodyPr>
-            <a:normAutofit/>
-          </a:bodyPr>
-          <a:lstStyle/>
-          <a:p>
-            <a:r>
-              <a:rPr lang="pt-BR" dirty="0" smtClean="0"/>
-              <a:t>Escalares representa um elemento (e.g., </a:t>
-            </a:r>
-            <a:r>
-              <a:rPr lang="pt-BR" dirty="0" err="1" smtClean="0"/>
-              <a:t>integer</a:t>
-            </a:r>
-            <a:r>
-              <a:rPr lang="pt-BR" dirty="0" smtClean="0"/>
-              <a:t>), tipos derivados representam vários</a:t>
-            </a:r>
-          </a:p>
-          <a:p>
-            <a:r>
-              <a:rPr lang="en-US" dirty="0" err="1" smtClean="0"/>
-              <a:t>Exemplos</a:t>
-            </a:r>
-            <a:r>
-              <a:rPr lang="en-US" dirty="0" smtClean="0"/>
-              <a:t> de </a:t>
-            </a:r>
-            <a:r>
-              <a:rPr lang="en-US" dirty="0" err="1" smtClean="0"/>
-              <a:t>expressões</a:t>
-            </a:r>
-            <a:r>
-              <a:rPr lang="en-US" dirty="0" smtClean="0"/>
-              <a:t> </a:t>
-            </a:r>
-            <a:r>
-              <a:rPr lang="en-US" dirty="0"/>
-              <a:t>de </a:t>
-            </a:r>
-            <a:r>
-              <a:rPr lang="en-US" dirty="0" err="1" smtClean="0"/>
-              <a:t>tipos</a:t>
-            </a:r>
-            <a:r>
-              <a:rPr lang="en-US" dirty="0" smtClean="0"/>
-              <a:t> (</a:t>
-            </a:r>
-            <a:r>
-              <a:rPr lang="en-US" dirty="0" err="1" smtClean="0"/>
-              <a:t>derivados</a:t>
-            </a:r>
-            <a:r>
-              <a:rPr lang="en-US" dirty="0" smtClean="0"/>
-              <a:t>)</a:t>
-            </a:r>
-            <a:endParaRPr lang="pt-BR" dirty="0" smtClean="0"/>
-          </a:p>
-          <a:p>
-            <a:endParaRPr lang="pt-BR" dirty="0"/>
-          </a:p>
-        </p:txBody>
-      </p:sp>
-      <p:sp>
-        <p:nvSpPr>
-          <p:cNvPr id="4" name="Rectangle 3"/>
+          <a:p>
+            <a:pPr marL="0" indent="0">
+              <a:buNone/>
+            </a:pPr>
+            <a:endParaRPr lang="en-US" sz="2800" dirty="0"/>
+          </a:p>
+        </p:txBody>
+      </p:sp>
+      <p:sp>
+        <p:nvSpPr>
+          <p:cNvPr id="5" name="Rectangle 3"/>
           <p:cNvSpPr txBox="1">
             <a:spLocks noChangeArrowheads="1"/>
           </p:cNvSpPr>
@@ -4550,8 +4707,8 @@
         </p:nvSpPr>
         <p:spPr>
           <a:xfrm>
-            <a:off x="539552" y="3583557"/>
-            <a:ext cx="4248472" cy="4525963"/>
+            <a:off x="4407296" y="3545537"/>
+            <a:ext cx="8229600" cy="4525963"/>
           </a:xfrm>
           <a:prstGeom prst="rect">
             <a:avLst/>
@@ -4700,282 +4857,6 @@
           </a:lstStyle>
           <a:p>
             <a:pPr marL="0" indent="0">
-              <a:lnSpc>
-                <a:spcPct val="90000"/>
-              </a:lnSpc>
-              <a:buNone/>
-            </a:pPr>
-            <a:r>
-              <a:rPr lang="en-US" sz="2400" dirty="0" smtClean="0"/>
-              <a:t>Array </a:t>
-            </a:r>
-          </a:p>
-          <a:p>
-            <a:pPr marL="457200" lvl="1" indent="0">
-              <a:lnSpc>
-                <a:spcPct val="90000"/>
-              </a:lnSpc>
-              <a:buNone/>
-            </a:pPr>
-            <a:r>
-              <a:rPr lang="en-US" sz="2400" dirty="0" smtClean="0">
-                <a:latin typeface="Book Antiqua" panose="02040602050305030304" pitchFamily="18" charset="0"/>
-              </a:rPr>
-              <a:t>array[1..10] of integer</a:t>
-            </a:r>
-          </a:p>
-          <a:p>
-            <a:pPr marL="0" indent="0">
-              <a:buNone/>
-            </a:pPr>
-            <a:r>
-              <a:rPr lang="en-US" sz="2400" dirty="0" err="1" smtClean="0">
-                <a:sym typeface="Wingdings" pitchFamily="2" charset="2"/>
-              </a:rPr>
-              <a:t>Ponteiro</a:t>
-            </a:r>
-            <a:endParaRPr lang="en-US" sz="2400" dirty="0" smtClean="0">
-              <a:sym typeface="Wingdings" pitchFamily="2" charset="2"/>
-            </a:endParaRPr>
-          </a:p>
-          <a:p>
-            <a:pPr marL="457200" lvl="1" indent="0">
-              <a:buNone/>
-            </a:pPr>
-            <a:r>
-              <a:rPr lang="en-US" sz="2400" dirty="0" smtClean="0">
-                <a:latin typeface="Book Antiqua" panose="02040602050305030304" pitchFamily="18" charset="0"/>
-                <a:sym typeface="Wingdings" pitchFamily="2" charset="2"/>
-              </a:rPr>
-              <a:t>^row</a:t>
-            </a:r>
-          </a:p>
-          <a:p>
-            <a:pPr marL="0" indent="0">
-              <a:buNone/>
-            </a:pPr>
-            <a:r>
-              <a:rPr lang="en-US" sz="2400" dirty="0" err="1" smtClean="0"/>
-              <a:t>Produto</a:t>
-            </a:r>
-            <a:r>
-              <a:rPr lang="en-US" sz="2400" dirty="0" smtClean="0"/>
-              <a:t> </a:t>
-            </a:r>
-            <a:r>
-              <a:rPr lang="en-US" sz="2400" dirty="0" err="1" smtClean="0"/>
-              <a:t>cartesiano</a:t>
-            </a:r>
-            <a:endParaRPr lang="en-US" sz="2400" dirty="0" smtClean="0"/>
-          </a:p>
-          <a:p>
-            <a:pPr marL="457200" lvl="1" indent="0">
-              <a:buNone/>
-            </a:pPr>
-            <a:r>
-              <a:rPr lang="en-US" sz="2400" dirty="0" smtClean="0">
-                <a:latin typeface="Book Antiqua" panose="02040602050305030304" pitchFamily="18" charset="0"/>
-              </a:rPr>
-              <a:t>T</a:t>
-            </a:r>
-            <a:r>
-              <a:rPr lang="en-US" sz="2400" baseline="-25000" dirty="0" smtClean="0">
-                <a:latin typeface="Book Antiqua" panose="02040602050305030304" pitchFamily="18" charset="0"/>
-              </a:rPr>
-              <a:t>1 </a:t>
-            </a:r>
-            <a:r>
-              <a:rPr lang="en-US" sz="2400" dirty="0" smtClean="0">
-                <a:latin typeface="Book Antiqua" panose="02040602050305030304" pitchFamily="18" charset="0"/>
-                <a:sym typeface="Symbol" pitchFamily="18" charset="2"/>
-              </a:rPr>
-              <a:t></a:t>
-            </a:r>
-            <a:r>
-              <a:rPr lang="en-US" sz="2400" dirty="0" smtClean="0">
-                <a:latin typeface="Book Antiqua" panose="02040602050305030304" pitchFamily="18" charset="0"/>
-              </a:rPr>
-              <a:t> T</a:t>
-            </a:r>
-            <a:r>
-              <a:rPr lang="en-US" sz="2400" baseline="-25000" dirty="0" smtClean="0">
-                <a:latin typeface="Book Antiqua" panose="02040602050305030304" pitchFamily="18" charset="0"/>
-              </a:rPr>
-              <a:t>2</a:t>
-            </a:r>
-            <a:endParaRPr lang="en-US" sz="2400" dirty="0" smtClean="0">
-              <a:latin typeface="Book Antiqua" panose="02040602050305030304" pitchFamily="18" charset="0"/>
-              <a:sym typeface="Wingdings" pitchFamily="2" charset="2"/>
-            </a:endParaRPr>
-          </a:p>
-          <a:p>
-            <a:pPr marL="0" indent="0">
-              <a:buNone/>
-            </a:pPr>
-            <a:endParaRPr lang="en-US" sz="2800" dirty="0"/>
-          </a:p>
-        </p:txBody>
-      </p:sp>
-      <p:sp>
-        <p:nvSpPr>
-          <p:cNvPr id="5" name="Rectangle 3"/>
-          <p:cNvSpPr txBox="1">
-            <a:spLocks noChangeArrowheads="1"/>
-          </p:cNvSpPr>
-          <p:nvPr/>
-        </p:nvSpPr>
-        <p:spPr>
-          <a:xfrm>
-            <a:off x="4407296" y="3545537"/>
-            <a:ext cx="8229600" cy="4525963"/>
-          </a:xfrm>
-          <a:prstGeom prst="rect">
-            <a:avLst/>
-          </a:prstGeom>
-        </p:spPr>
-        <p:txBody>
-          <a:bodyPr vert="horz" lIns="91440" tIns="45720" rIns="91440" bIns="45720" rtlCol="0">
-            <a:normAutofit/>
-          </a:bodyPr>
-          <a:lstStyle>
-            <a:lvl1pPr marL="342900" indent="-342900" algn="l" defTabSz="914400" rtl="0" eaLnBrk="1" latinLnBrk="0" hangingPunct="1">
-              <a:spcBef>
-                <a:spcPct val="20000"/>
-              </a:spcBef>
-              <a:buFont typeface="Arial" pitchFamily="34" charset="0"/>
-              <a:buChar char="•"/>
-              <a:defRPr sz="3200" kern="1200">
-                <a:solidFill>
-                  <a:schemeClr val="tx1"/>
-                </a:solidFill>
-                <a:latin typeface="+mn-lt"/>
-                <a:ea typeface="+mn-ea"/>
-                <a:cs typeface="+mn-cs"/>
-              </a:defRPr>
-            </a:lvl1pPr>
-            <a:lvl2pPr marL="742950" indent="-285750" algn="l" defTabSz="914400" rtl="0" eaLnBrk="1" latinLnBrk="0" hangingPunct="1">
-              <a:spcBef>
-                <a:spcPct val="20000"/>
-              </a:spcBef>
-              <a:buFont typeface="Arial" pitchFamily="34" charset="0"/>
-              <a:buChar char="–"/>
-              <a:defRPr sz="2800" kern="1200">
-                <a:solidFill>
-                  <a:schemeClr val="tx1"/>
-                </a:solidFill>
-                <a:latin typeface="+mn-lt"/>
-                <a:ea typeface="+mn-ea"/>
-                <a:cs typeface="+mn-cs"/>
-              </a:defRPr>
-            </a:lvl2pPr>
-            <a:lvl3pPr marL="1143000" indent="-228600" algn="l" defTabSz="914400" rtl="0" eaLnBrk="1" latinLnBrk="0" hangingPunct="1">
-              <a:spcBef>
-                <a:spcPct val="20000"/>
-              </a:spcBef>
-              <a:buFont typeface="Arial" pitchFamily="34" charset="0"/>
-              <a:buChar char="•"/>
-              <a:defRPr sz="2400" kern="1200">
-                <a:solidFill>
-                  <a:schemeClr val="tx1"/>
-                </a:solidFill>
-                <a:latin typeface="+mn-lt"/>
-                <a:ea typeface="+mn-ea"/>
-                <a:cs typeface="+mn-cs"/>
-              </a:defRPr>
-            </a:lvl3pPr>
-            <a:lvl4pPr marL="1600200" indent="-228600" algn="l" defTabSz="914400" rtl="0" eaLnBrk="1" latinLnBrk="0" hangingPunct="1">
-              <a:spcBef>
-                <a:spcPct val="20000"/>
-              </a:spcBef>
-              <a:buFont typeface="Arial" pitchFamily="34" charset="0"/>
-              <a:buChar char="–"/>
-              <a:defRPr sz="2000" kern="1200">
-                <a:solidFill>
-                  <a:schemeClr val="tx1"/>
-                </a:solidFill>
-                <a:latin typeface="+mn-lt"/>
-                <a:ea typeface="+mn-ea"/>
-                <a:cs typeface="+mn-cs"/>
-              </a:defRPr>
-            </a:lvl4pPr>
-            <a:lvl5pPr marL="2057400" indent="-228600" algn="l" defTabSz="914400" rtl="0" eaLnBrk="1" latinLnBrk="0" hangingPunct="1">
-              <a:spcBef>
-                <a:spcPct val="20000"/>
-              </a:spcBef>
-              <a:buFont typeface="Arial" pitchFamily="34" charset="0"/>
-              <a:buChar char="»"/>
-              <a:defRPr sz="2000" kern="1200">
-                <a:solidFill>
-                  <a:schemeClr val="tx1"/>
-                </a:solidFill>
-                <a:latin typeface="+mn-lt"/>
-                <a:ea typeface="+mn-ea"/>
-                <a:cs typeface="+mn-cs"/>
-              </a:defRPr>
-            </a:lvl5pPr>
-            <a:lvl6pPr marL="2514600" indent="-228600" algn="l" defTabSz="914400" rtl="0" eaLnBrk="1" latinLnBrk="0" hangingPunct="1">
-              <a:spcBef>
-                <a:spcPct val="20000"/>
-              </a:spcBef>
-              <a:buFont typeface="Arial" pitchFamily="34" charset="0"/>
-              <a:buChar char="•"/>
-              <a:defRPr sz="2000" kern="1200">
-                <a:solidFill>
-                  <a:schemeClr val="tx1"/>
-                </a:solidFill>
-                <a:latin typeface="+mn-lt"/>
-                <a:ea typeface="+mn-ea"/>
-                <a:cs typeface="+mn-cs"/>
-              </a:defRPr>
-            </a:lvl6pPr>
-            <a:lvl7pPr marL="2971800" indent="-228600" algn="l" defTabSz="914400" rtl="0" eaLnBrk="1" latinLnBrk="0" hangingPunct="1">
-              <a:spcBef>
-                <a:spcPct val="20000"/>
-              </a:spcBef>
-              <a:buFont typeface="Arial" pitchFamily="34" charset="0"/>
-              <a:buChar char="•"/>
-              <a:defRPr sz="2000" kern="1200">
-                <a:solidFill>
-                  <a:schemeClr val="tx1"/>
-                </a:solidFill>
-                <a:latin typeface="+mn-lt"/>
-                <a:ea typeface="+mn-ea"/>
-                <a:cs typeface="+mn-cs"/>
-              </a:defRPr>
-            </a:lvl7pPr>
-            <a:lvl8pPr marL="3429000" indent="-228600" algn="l" defTabSz="914400" rtl="0" eaLnBrk="1" latinLnBrk="0" hangingPunct="1">
-              <a:spcBef>
-                <a:spcPct val="20000"/>
-              </a:spcBef>
-              <a:buFont typeface="Arial" pitchFamily="34" charset="0"/>
-              <a:buChar char="•"/>
-              <a:defRPr sz="2000" kern="1200">
-                <a:solidFill>
-                  <a:schemeClr val="tx1"/>
-                </a:solidFill>
-                <a:latin typeface="+mn-lt"/>
-                <a:ea typeface="+mn-ea"/>
-                <a:cs typeface="+mn-cs"/>
-              </a:defRPr>
-            </a:lvl8pPr>
-            <a:lvl9pPr marL="3886200" indent="-228600" algn="l" defTabSz="914400" rtl="0" eaLnBrk="1" latinLnBrk="0" hangingPunct="1">
-              <a:spcBef>
-                <a:spcPct val="20000"/>
-              </a:spcBef>
-              <a:buFont typeface="Arial" pitchFamily="34" charset="0"/>
-              <a:buChar char="•"/>
-              <a:defRPr sz="2000" kern="1200">
-                <a:solidFill>
-                  <a:schemeClr val="tx1"/>
-                </a:solidFill>
-                <a:latin typeface="+mn-lt"/>
-                <a:ea typeface="+mn-ea"/>
-                <a:cs typeface="+mn-cs"/>
-              </a:defRPr>
-            </a:lvl9pPr>
-          </a:lstStyle>
-          <a:p>
-            <a:pPr marL="0" indent="0">
               <a:buNone/>
             </a:pPr>
             <a:r>
@@ -5189,7 +5070,19 @@
           <a:p>
             <a:r>
               <a:rPr lang="pt-BR" dirty="0" smtClean="0"/>
-              <a:t>Exemplos de regras de tipo</a:t>
+              <a:t>Exemplos de </a:t>
+            </a:r>
+            <a:r>
+              <a:rPr lang="pt-BR" dirty="0" smtClean="0"/>
+              <a:t>Regras </a:t>
+            </a:r>
+            <a:r>
+              <a:rPr lang="pt-BR" dirty="0" smtClean="0"/>
+              <a:t>de </a:t>
+            </a:r>
+            <a:r>
+              <a:rPr lang="pt-BR" dirty="0" smtClean="0"/>
+              <a:t>Tipo</a:t>
             </a:r>
             <a:endParaRPr lang="pt-BR" dirty="0"/>
           </a:p>
@@ -5439,15 +5332,23 @@
           <a:p>
             <a:r>
               <a:rPr lang="en-US" dirty="0" smtClean="0"/>
-              <a:t>Sistema de </a:t>
+              <a:t>Um </a:t>
             </a:r>
             <a:r>
               <a:rPr lang="en-US" dirty="0" err="1" smtClean="0"/>
-              <a:t>tipos</a:t>
+              <a:t>Sistema</a:t>
             </a:r>
             <a:r>
               <a:rPr lang="en-US" dirty="0" smtClean="0"/>
-              <a:t> simples</a:t>
+              <a:t> </a:t>
+            </a:r>
+            <a:r>
+              <a:rPr lang="en-US" dirty="0" smtClean="0"/>
+              <a:t>de </a:t>
+            </a:r>
+            <a:r>
+              <a:rPr lang="en-US" dirty="0" err="1" smtClean="0"/>
+              <a:t>Tipo</a:t>
             </a:r>
             <a:endParaRPr lang="pt-BR" dirty="0"/>
           </a:p>
@@ -5913,16 +5814,20 @@
           <a:lstStyle/>
           <a:p>
             <a:r>
-              <a:rPr lang="en-US" dirty="0" smtClean="0"/>
-              <a:t>Sistema de </a:t>
+              <a:rPr lang="en-US" dirty="0"/>
+              <a:t>Um </a:t>
+            </a:r>
+            <a:r>
+              <a:rPr lang="en-US" dirty="0" err="1"/>
+              <a:t>Sistema</a:t>
+            </a:r>
+            <a:r>
+              <a:rPr lang="en-US" dirty="0"/>
+              <a:t> de </a:t>
             </a:r>
             <a:r>
               <a:rPr lang="en-US" dirty="0" err="1" smtClean="0"/>
-              <a:t>tipos</a:t>
-            </a:r>
-            <a:r>
-              <a:rPr lang="en-US" dirty="0" smtClean="0"/>
-              <a:t> simples</a:t>
+              <a:t>Tipo</a:t>
             </a:r>
             <a:endParaRPr lang="pt-BR" dirty="0"/>
           </a:p>
@@ -6361,16 +6266,20 @@
           <a:lstStyle/>
           <a:p>
             <a:r>
-              <a:rPr lang="en-US" dirty="0" smtClean="0"/>
-              <a:t>Sistema de </a:t>
-            </a:r>
-            <a:r>
-              <a:rPr lang="en-US" dirty="0" err="1" smtClean="0"/>
-              <a:t>tipos</a:t>
-            </a:r>
-            <a:r>
-              <a:rPr lang="en-US" dirty="0" smtClean="0"/>
-              <a:t> simples</a:t>
+              <a:rPr lang="en-US" dirty="0"/>
+              <a:t>Um </a:t>
+            </a:r>
+            <a:r>
+              <a:rPr lang="en-US" dirty="0" err="1"/>
+              <a:t>Sistema</a:t>
+            </a:r>
+            <a:r>
+              <a:rPr lang="en-US" dirty="0"/>
+              <a:t> de </a:t>
+            </a:r>
+            <a:r>
+              <a:rPr lang="en-US" dirty="0" err="1"/>
+              <a:t>Tipo</a:t>
             </a:r>
             <a:endParaRPr lang="pt-BR" dirty="0"/>
           </a:p>
@@ -6388,7 +6297,7 @@
         </p:nvSpPr>
         <p:spPr>
           <a:xfrm>
-            <a:off x="457200" y="1357298"/>
+            <a:off x="457200" y="2057328"/>
             <a:ext cx="8229600" cy="4972072"/>
           </a:xfrm>
         </p:spPr>
@@ -6725,16 +6634,20 @@
           <a:lstStyle/>
           <a:p>
             <a:r>
-              <a:rPr lang="en-US" dirty="0" smtClean="0"/>
-              <a:t>Sistema de </a:t>
-            </a:r>
-            <a:r>
-              <a:rPr lang="en-US" dirty="0" err="1" smtClean="0"/>
-              <a:t>tipos</a:t>
-            </a:r>
-            <a:r>
-              <a:rPr lang="en-US" dirty="0" smtClean="0"/>
-              <a:t> simples</a:t>
+              <a:rPr lang="en-US" dirty="0"/>
+              <a:t>Um </a:t>
+            </a:r>
+            <a:r>
+              <a:rPr lang="en-US" dirty="0" err="1"/>
+              <a:t>Sistema</a:t>
+            </a:r>
+            <a:r>
+              <a:rPr lang="en-US" dirty="0"/>
+              <a:t> de </a:t>
+            </a:r>
+            <a:r>
+              <a:rPr lang="en-US" dirty="0" err="1"/>
+              <a:t>Tipo</a:t>
             </a:r>
             <a:endParaRPr lang="pt-BR" dirty="0"/>
           </a:p>
@@ -7152,9 +7065,20 @@
           <a:bodyPr/>
           <a:lstStyle/>
           <a:p>
+            <a:pPr marL="0" indent="0">
+              <a:buNone/>
+            </a:pPr>
             <a:r>
               <a:rPr lang="pt-BR" dirty="0" smtClean="0"/>
-              <a:t>Adicione regras semânticas para comandos</a:t>
+              <a:t>Adicione regras </a:t>
+            </a:r>
+            <a:r>
+              <a:rPr lang="pt-BR" dirty="0" smtClean="0"/>
+              <a:t>de tipo para </a:t>
+            </a:r>
+            <a:r>
+              <a:rPr lang="pt-BR" dirty="0" smtClean="0"/>
+              <a:t>comandos</a:t>
             </a:r>
           </a:p>
           <a:p>
@@ -7565,7 +7489,9 @@
         </p:nvSpPr>
         <p:spPr/>
         <p:txBody>
-          <a:bodyPr/>
+          <a:bodyPr>
+            <a:normAutofit lnSpcReduction="10000"/>
+          </a:bodyPr>
           <a:lstStyle/>
           <a:p>
             <a:pPr marL="609600" indent="-609600">
@@ -7654,19 +7580,25 @@
               <a:t>) </a:t>
             </a:r>
             <a:r>
-              <a:rPr lang="en-US" dirty="0" err="1" smtClean="0">
+              <a:rPr lang="en-US" dirty="0" err="1">
+                <a:solidFill>
+                  <a:srgbClr val="FF0000"/>
+                </a:solidFill>
                 <a:sym typeface="Wingdings" pitchFamily="2" charset="2"/>
               </a:rPr>
               <a:t>type_error</a:t>
             </a:r>
             <a:r>
               <a:rPr lang="en-US" dirty="0" smtClean="0">
-                <a:sym typeface="Wingdings" pitchFamily="2" charset="2"/>
-              </a:rPr>
-              <a:t> </a:t>
-            </a:r>
-            <a:r>
-              <a:rPr lang="en-US" dirty="0">
+                <a:solidFill>
+                  <a:srgbClr val="FF0000"/>
+                </a:solidFill>
+                <a:sym typeface="Wingdings" pitchFamily="2" charset="2"/>
+              </a:rPr>
+              <a:t>() </a:t>
+            </a:r>
+            <a:r>
+              <a:rPr lang="en-US" dirty="0" smtClean="0">
                 <a:sym typeface="Wingdings" pitchFamily="2" charset="2"/>
               </a:rPr>
               <a:t>}</a:t>
@@ -7680,113 +7612,9 @@
               <a:buFontTx/>
               <a:buNone/>
             </a:pPr>
-            <a:r>
-              <a:rPr lang="en-US" dirty="0">
-                <a:sym typeface="Wingdings" pitchFamily="2" charset="2"/>
-              </a:rPr>
-              <a:t>S  </a:t>
-            </a:r>
-            <a:r>
-              <a:rPr lang="en-US" b="1" dirty="0">
-                <a:sym typeface="Wingdings" pitchFamily="2" charset="2"/>
-              </a:rPr>
-              <a:t>if</a:t>
-            </a:r>
-            <a:r>
-              <a:rPr lang="en-US" dirty="0">
-                <a:sym typeface="Wingdings" pitchFamily="2" charset="2"/>
-              </a:rPr>
-              <a:t> E </a:t>
-            </a:r>
-            <a:r>
-              <a:rPr lang="en-US" b="1" dirty="0">
-                <a:sym typeface="Wingdings" pitchFamily="2" charset="2"/>
-              </a:rPr>
-              <a:t>then</a:t>
-            </a:r>
-            <a:r>
-              <a:rPr lang="en-US" dirty="0">
-                <a:sym typeface="Wingdings" pitchFamily="2" charset="2"/>
-              </a:rPr>
-              <a:t> </a:t>
-            </a:r>
-            <a:r>
-              <a:rPr lang="en-US" dirty="0" smtClean="0">
-                <a:sym typeface="Wingdings" pitchFamily="2" charset="2"/>
-              </a:rPr>
-              <a:t>S</a:t>
-            </a:r>
-            <a:r>
-              <a:rPr lang="en-US" b="1" dirty="0" smtClean="0">
-                <a:sym typeface="Wingdings" pitchFamily="2" charset="2"/>
-              </a:rPr>
-              <a:t> </a:t>
-            </a:r>
-            <a:r>
-              <a:rPr lang="en-US" b="1" dirty="0">
-                <a:sym typeface="Wingdings" pitchFamily="2" charset="2"/>
-              </a:rPr>
-              <a:t/>
-            </a:r>
-            <a:br>
-              <a:rPr lang="en-US" b="1" dirty="0">
-                <a:sym typeface="Wingdings" pitchFamily="2" charset="2"/>
-              </a:rPr>
-            </a:br>
-            <a:r>
-              <a:rPr lang="en-US" dirty="0" smtClean="0">
-                <a:sym typeface="Wingdings" pitchFamily="2" charset="2"/>
-              </a:rPr>
-              <a:t>{if </a:t>
-            </a:r>
-            <a:r>
-              <a:rPr lang="en-US" dirty="0">
-                <a:sym typeface="Wingdings" pitchFamily="2" charset="2"/>
-              </a:rPr>
-              <a:t>(</a:t>
-            </a:r>
-            <a:r>
-              <a:rPr lang="en-US" dirty="0" err="1">
-                <a:sym typeface="Wingdings" pitchFamily="2" charset="2"/>
-              </a:rPr>
-              <a:t>E.type</a:t>
-            </a:r>
-            <a:r>
-              <a:rPr lang="en-US" dirty="0">
-                <a:sym typeface="Wingdings" pitchFamily="2" charset="2"/>
-              </a:rPr>
-              <a:t> </a:t>
-            </a:r>
-            <a:r>
-              <a:rPr lang="en-US" dirty="0" smtClean="0">
-                <a:sym typeface="Wingdings" pitchFamily="2" charset="2"/>
-              </a:rPr>
-              <a:t>!= </a:t>
-            </a:r>
-            <a:r>
-              <a:rPr lang="en-US" dirty="0" err="1" smtClean="0">
-                <a:sym typeface="Wingdings" pitchFamily="2" charset="2"/>
-              </a:rPr>
-              <a:t>boolean</a:t>
-            </a:r>
-            <a:r>
-              <a:rPr lang="en-US" dirty="0" smtClean="0">
-                <a:sym typeface="Wingdings" pitchFamily="2" charset="2"/>
-              </a:rPr>
-              <a:t>) </a:t>
-            </a:r>
-            <a:r>
-              <a:rPr lang="en-US" dirty="0" err="1" smtClean="0">
-                <a:sym typeface="Wingdings" pitchFamily="2" charset="2"/>
-              </a:rPr>
-              <a:t>type_error</a:t>
-            </a:r>
-            <a:r>
-              <a:rPr lang="en-US" dirty="0" smtClean="0">
-                <a:sym typeface="Wingdings" pitchFamily="2" charset="2"/>
-              </a:rPr>
-              <a:t> }</a:t>
-            </a:r>
+            <a:endParaRPr lang="en-US" dirty="0" smtClean="0">
+              <a:sym typeface="Wingdings" pitchFamily="2" charset="2"/>
+            </a:endParaRPr>
           </a:p>
           <a:p>
             <a:pPr marL="609600" indent="-609600">
@@ -7794,16 +7622,22 @@
               <a:buNone/>
             </a:pPr>
             <a:r>
+              <a:rPr lang="en-US" dirty="0" smtClean="0">
+                <a:sym typeface="Wingdings" pitchFamily="2" charset="2"/>
+              </a:rPr>
+              <a:t>S </a:t>
+            </a:r>
+            <a:r>
               <a:rPr lang="en-US" dirty="0">
                 <a:sym typeface="Wingdings" pitchFamily="2" charset="2"/>
               </a:rPr>
-              <a:t>S  </a:t>
+              <a:t> </a:t>
             </a:r>
             <a:r>
               <a:rPr lang="en-US" b="1" dirty="0">
                 <a:sym typeface="Wingdings" pitchFamily="2" charset="2"/>
               </a:rPr>
-              <a:t>while</a:t>
+              <a:t>if</a:t>
             </a:r>
             <a:r>
               <a:rPr lang="en-US" dirty="0">
@@ -7815,30 +7649,173 @@
               <a:rPr lang="en-US" b="1" dirty="0">
                 <a:sym typeface="Wingdings" pitchFamily="2" charset="2"/>
               </a:rPr>
-              <a:t>do</a:t>
+              <a:t>then</a:t>
             </a:r>
             <a:r>
               <a:rPr lang="en-US" dirty="0">
                 <a:sym typeface="Wingdings" pitchFamily="2" charset="2"/>
               </a:rPr>
-              <a:t> S</a:t>
+              <a:t> </a:t>
+            </a:r>
+            <a:r>
+              <a:rPr lang="en-US" dirty="0" smtClean="0">
+                <a:sym typeface="Wingdings" pitchFamily="2" charset="2"/>
+              </a:rPr>
+              <a:t>S</a:t>
+            </a:r>
+            <a:r>
+              <a:rPr lang="en-US" b="1" dirty="0" smtClean="0">
+                <a:sym typeface="Wingdings" pitchFamily="2" charset="2"/>
+              </a:rPr>
+              <a:t> </a:t>
             </a:r>
             <a:r>
               <a:rPr lang="en-US" b="1" dirty="0">
                 <a:sym typeface="Wingdings" pitchFamily="2" charset="2"/>
               </a:rPr>
+              <a:t/>
+            </a:r>
+            <a:br>
+              <a:rPr lang="en-US" b="1" dirty="0">
+                <a:sym typeface="Wingdings" pitchFamily="2" charset="2"/>
+              </a:rPr>
+            </a:br>
+            <a:r>
+              <a:rPr lang="en-US" dirty="0" smtClean="0">
+                <a:sym typeface="Wingdings" pitchFamily="2" charset="2"/>
+              </a:rPr>
+              <a:t>{if </a:t>
+            </a:r>
+            <a:r>
+              <a:rPr lang="en-US" dirty="0">
+                <a:sym typeface="Wingdings" pitchFamily="2" charset="2"/>
+              </a:rPr>
+              <a:t>(</a:t>
+            </a:r>
+            <a:r>
+              <a:rPr lang="en-US" dirty="0" err="1">
+                <a:sym typeface="Wingdings" pitchFamily="2" charset="2"/>
+              </a:rPr>
+              <a:t>E.type</a:t>
+            </a:r>
+            <a:r>
+              <a:rPr lang="en-US" dirty="0">
+                <a:sym typeface="Wingdings" pitchFamily="2" charset="2"/>
+              </a:rPr>
               <a:t> </a:t>
             </a:r>
+            <a:r>
+              <a:rPr lang="en-US" dirty="0" smtClean="0">
+                <a:sym typeface="Wingdings" pitchFamily="2" charset="2"/>
+              </a:rPr>
+              <a:t>!= </a:t>
+            </a:r>
+            <a:r>
+              <a:rPr lang="en-US" dirty="0" err="1" smtClean="0">
+                <a:sym typeface="Wingdings" pitchFamily="2" charset="2"/>
+              </a:rPr>
+              <a:t>boolean</a:t>
+            </a:r>
+            <a:r>
+              <a:rPr lang="en-US" dirty="0" smtClean="0">
+                <a:sym typeface="Wingdings" pitchFamily="2" charset="2"/>
+              </a:rPr>
+              <a:t>) </a:t>
+            </a:r>
+            <a:r>
+              <a:rPr lang="en-US" dirty="0" err="1">
+                <a:solidFill>
+                  <a:srgbClr val="FF0000"/>
+                </a:solidFill>
+                <a:sym typeface="Wingdings" pitchFamily="2" charset="2"/>
+              </a:rPr>
+              <a:t>type_error</a:t>
+            </a:r>
+            <a:r>
+              <a:rPr lang="en-US" dirty="0" smtClean="0">
+                <a:solidFill>
+                  <a:srgbClr val="FF0000"/>
+                </a:solidFill>
+                <a:sym typeface="Wingdings" pitchFamily="2" charset="2"/>
+              </a:rPr>
+              <a:t>() </a:t>
+            </a:r>
+            <a:r>
+              <a:rPr lang="en-US" dirty="0" smtClean="0">
+                <a:sym typeface="Wingdings" pitchFamily="2" charset="2"/>
+              </a:rPr>
+              <a:t>}</a:t>
+            </a:r>
+            <a:endParaRPr lang="en-US" dirty="0" smtClean="0">
+              <a:sym typeface="Wingdings" pitchFamily="2" charset="2"/>
+            </a:endParaRPr>
           </a:p>
           <a:p>
             <a:pPr marL="609600" indent="-609600">
               <a:buFontTx/>
               <a:buNone/>
             </a:pPr>
+            <a:endParaRPr lang="en-US" dirty="0">
+              <a:sym typeface="Wingdings" pitchFamily="2" charset="2"/>
+            </a:endParaRPr>
+          </a:p>
+          <a:p>
+            <a:pPr marL="609600" indent="-609600">
+              <a:buFontTx/>
+              <a:buNone/>
+            </a:pPr>
+            <a:r>
+              <a:rPr lang="en-US" dirty="0" smtClean="0">
+                <a:sym typeface="Wingdings" pitchFamily="2" charset="2"/>
+              </a:rPr>
+              <a:t>S </a:t>
+            </a:r>
+            <a:r>
+              <a:rPr lang="en-US" dirty="0">
+                <a:sym typeface="Wingdings" pitchFamily="2" charset="2"/>
+              </a:rPr>
+              <a:t> </a:t>
+            </a:r>
             <a:r>
               <a:rPr lang="en-US" b="1" dirty="0">
                 <a:sym typeface="Wingdings" pitchFamily="2" charset="2"/>
               </a:rPr>
+              <a:t>while</a:t>
+            </a:r>
+            <a:r>
+              <a:rPr lang="en-US" dirty="0">
+                <a:sym typeface="Wingdings" pitchFamily="2" charset="2"/>
+              </a:rPr>
+              <a:t> E </a:t>
+            </a:r>
+            <a:r>
+              <a:rPr lang="en-US" b="1" dirty="0">
+                <a:sym typeface="Wingdings" pitchFamily="2" charset="2"/>
+              </a:rPr>
+              <a:t>do</a:t>
+            </a:r>
+            <a:r>
+              <a:rPr lang="en-US" dirty="0">
+                <a:sym typeface="Wingdings" pitchFamily="2" charset="2"/>
+              </a:rPr>
+              <a:t> S</a:t>
+            </a:r>
+            <a:r>
+              <a:rPr lang="en-US" b="1" dirty="0">
+                <a:sym typeface="Wingdings" pitchFamily="2" charset="2"/>
+              </a:rPr>
+              <a:t> </a:t>
+            </a:r>
+          </a:p>
+          <a:p>
+            <a:pPr marL="609600" indent="-609600">
+              <a:buFontTx/>
+              <a:buNone/>
+            </a:pPr>
+            <a:r>
+              <a:rPr lang="en-US" b="1" dirty="0">
+                <a:sym typeface="Wingdings" pitchFamily="2" charset="2"/>
+              </a:rPr>
               <a:t>      </a:t>
             </a:r>
             <a:r>
@@ -7873,15 +7850,21 @@
             </a:r>
             <a:r>
               <a:rPr lang="en-US" dirty="0" err="1">
+                <a:solidFill>
+                  <a:srgbClr val="FF0000"/>
+                </a:solidFill>
                 <a:sym typeface="Wingdings" pitchFamily="2" charset="2"/>
               </a:rPr>
               <a:t>type_error</a:t>
             </a:r>
             <a:r>
-              <a:rPr lang="en-US" dirty="0">
-                <a:sym typeface="Wingdings" pitchFamily="2" charset="2"/>
-              </a:rPr>
-              <a:t> </a:t>
+              <a:rPr lang="en-US" dirty="0" smtClean="0">
+                <a:solidFill>
+                  <a:srgbClr val="FF0000"/>
+                </a:solidFill>
+                <a:sym typeface="Wingdings" pitchFamily="2" charset="2"/>
+              </a:rPr>
+              <a:t>() </a:t>
             </a:r>
             <a:r>
               <a:rPr lang="en-US" dirty="0" smtClean="0">
@@ -8658,29 +8641,16 @@
           </a:bodyPr>
           <a:lstStyle/>
           <a:p>
+            <a:pPr marL="0" indent="0">
+              <a:buNone/>
+            </a:pPr>
             <a:r>
               <a:rPr lang="pt-BR" dirty="0" smtClean="0"/>
-              <a:t>Elabore regras semânticas para as definições abaixo c</a:t>
+              <a:t>Elabore regras </a:t>
             </a:r>
             <a:r>
               <a:rPr lang="pt-BR" dirty="0" smtClean="0"/>
-              <a:t>onsiderando chamadas </a:t>
-            </a:r>
-            <a:r>
-              <a:rPr lang="pt-BR" dirty="0" smtClean="0"/>
-              <a:t>de </a:t>
-            </a:r>
-            <a:r>
-              <a:rPr lang="pt-BR" dirty="0" smtClean="0"/>
-              <a:t>função com </a:t>
-            </a:r>
-            <a:r>
-              <a:rPr lang="pt-BR" dirty="0" smtClean="0"/>
-              <a:t>apenas um </a:t>
-            </a:r>
-            <a:r>
-              <a:rPr lang="pt-BR" dirty="0" smtClean="0"/>
-              <a:t>argumento</a:t>
+              <a:t>de tipo para funções</a:t>
             </a:r>
             <a:endParaRPr lang="pt-BR" dirty="0"/>
           </a:p>
@@ -8696,7 +8666,7 @@
         </p:nvSpPr>
         <p:spPr>
           <a:xfrm>
-            <a:off x="2987824" y="3501008"/>
+            <a:off x="586662" y="2564904"/>
             <a:ext cx="2890830" cy="1357322"/>
           </a:xfrm>
           <a:prstGeom prst="rect">
@@ -8866,25 +8836,7 @@
                 <a:cs typeface="+mn-cs"/>
                 <a:sym typeface="Wingdings" pitchFamily="2" charset="2"/>
               </a:rPr>
-              <a:t>E </a:t>
-            </a:r>
-            <a:r>
-              <a:rPr kumimoji="0" lang="en-US" sz="3200" b="0" i="0" u="none" strike="noStrike" kern="1200" cap="none" spc="0" normalizeH="0" baseline="0" noProof="0" dirty="0" smtClean="0">
-                <a:ln>
-                  <a:noFill/>
-                </a:ln>
-                <a:solidFill>
-                  <a:schemeClr val="tx1"/>
-                </a:solidFill>
-                <a:effectLst/>
-                <a:uLnTx/>
-                <a:uFillTx/>
-                <a:latin typeface="+mn-lt"/>
-                <a:ea typeface="+mn-ea"/>
-                <a:cs typeface="+mn-cs"/>
-                <a:sym typeface="Wingdings" pitchFamily="2" charset="2"/>
-              </a:rPr>
-              <a:t> E </a:t>
+              <a:t>E  E </a:t>
             </a:r>
             <a:r>
               <a:rPr kumimoji="0" lang="en-US" sz="3200" b="1" i="0" u="none" strike="noStrike" kern="1200" cap="none" spc="0" normalizeH="0" baseline="0" noProof="0" dirty="0" smtClean="0">
@@ -8961,7 +8913,7 @@
     </p:spTree>
     <p:extLst>
       <p:ext uri="{BB962C8B-B14F-4D97-AF65-F5344CB8AC3E}">
-        <p14:creationId xmlns:p14="http://schemas.microsoft.com/office/powerpoint/2010/main" val="459895668"/>
+        <p14:creationId xmlns:p14="http://schemas.microsoft.com/office/powerpoint/2010/main" val="359827970"/>
       </p:ext>
     </p:extLst>
   </p:cSld>
@@ -9148,43 +9100,7 @@
               <a:buFontTx/>
               <a:buNone/>
             </a:pPr>
-            <a:r>
-              <a:rPr lang="en-US" dirty="0">
-                <a:sym typeface="Wingdings" pitchFamily="2" charset="2"/>
-              </a:rPr>
-              <a:t>E  </a:t>
-            </a:r>
-            <a:r>
-              <a:rPr lang="en-US" dirty="0" smtClean="0">
-                <a:sym typeface="Wingdings" pitchFamily="2" charset="2"/>
-              </a:rPr>
-              <a:t>E </a:t>
-            </a:r>
-            <a:r>
-              <a:rPr lang="en-US" b="1" dirty="0">
-                <a:sym typeface="Wingdings" pitchFamily="2" charset="2"/>
-              </a:rPr>
-              <a:t>(</a:t>
-            </a:r>
-            <a:r>
-              <a:rPr lang="en-US" dirty="0">
-                <a:sym typeface="Wingdings" pitchFamily="2" charset="2"/>
-              </a:rPr>
-              <a:t> </a:t>
-            </a:r>
-            <a:r>
-              <a:rPr lang="en-US" dirty="0" smtClean="0">
-                <a:sym typeface="Wingdings" pitchFamily="2" charset="2"/>
-              </a:rPr>
-              <a:t>E </a:t>
-            </a:r>
-            <a:r>
-              <a:rPr lang="en-US" b="1" dirty="0">
-                <a:sym typeface="Wingdings" pitchFamily="2" charset="2"/>
-              </a:rPr>
-              <a:t>) </a:t>
-            </a:r>
-            <a:endParaRPr lang="en-US" b="1" dirty="0" smtClean="0">
+            <a:endParaRPr lang="en-US" dirty="0" smtClean="0">
               <a:sym typeface="Wingdings" pitchFamily="2" charset="2"/>
             </a:endParaRPr>
           </a:p>
@@ -9194,54 +9110,48 @@
               <a:buNone/>
             </a:pPr>
             <a:r>
-              <a:rPr lang="en-US" b="1" dirty="0" smtClean="0">
-                <a:sym typeface="Wingdings" pitchFamily="2" charset="2"/>
-              </a:rPr>
-              <a:t>     </a:t>
-            </a:r>
-            <a:r>
               <a:rPr lang="en-US" dirty="0" smtClean="0">
                 <a:sym typeface="Wingdings" pitchFamily="2" charset="2"/>
               </a:rPr>
-              <a:t>{</a:t>
-            </a:r>
-            <a:r>
-              <a:rPr lang="en-US" dirty="0" err="1">
-                <a:sym typeface="Wingdings" pitchFamily="2" charset="2"/>
-              </a:rPr>
-              <a:t>E.type</a:t>
+              <a:t>E </a:t>
             </a:r>
             <a:r>
               <a:rPr lang="en-US" dirty="0">
                 <a:sym typeface="Wingdings" pitchFamily="2" charset="2"/>
               </a:rPr>
-              <a:t> = if (E</a:t>
-            </a:r>
-            <a:r>
-              <a:rPr lang="en-US" baseline="-25000" dirty="0">
-                <a:sym typeface="Wingdings" pitchFamily="2" charset="2"/>
-              </a:rPr>
-              <a:t>2</a:t>
+              <a:t> </a:t>
+            </a:r>
+            <a:r>
+              <a:rPr lang="en-US" dirty="0" smtClean="0">
+                <a:sym typeface="Wingdings" pitchFamily="2" charset="2"/>
+              </a:rPr>
+              <a:t>E </a:t>
+            </a:r>
+            <a:r>
+              <a:rPr lang="en-US" b="1" dirty="0">
+                <a:sym typeface="Wingdings" pitchFamily="2" charset="2"/>
+              </a:rPr>
+              <a:t>(</a:t>
             </a:r>
             <a:r>
               <a:rPr lang="en-US" dirty="0">
                 <a:sym typeface="Wingdings" pitchFamily="2" charset="2"/>
               </a:rPr>
-              <a:t>.type == s </a:t>
+              <a:t> </a:t>
             </a:r>
             <a:r>
               <a:rPr lang="en-US" dirty="0" smtClean="0">
                 <a:sym typeface="Wingdings" pitchFamily="2" charset="2"/>
               </a:rPr>
-              <a:t>&amp;&amp;</a:t>
-            </a:r>
-            <a:r>
-              <a:rPr lang="en-US" dirty="0">
-                <a:sym typeface="Wingdings" pitchFamily="2" charset="2"/>
-              </a:rPr>
-              <a:t> </a:t>
-            </a:r>
-            <a:endParaRPr lang="en-US" dirty="0" smtClean="0">
+              <a:t>E </a:t>
+            </a:r>
+            <a:r>
+              <a:rPr lang="en-US" b="1" dirty="0">
+                <a:sym typeface="Wingdings" pitchFamily="2" charset="2"/>
+              </a:rPr>
+              <a:t>) </a:t>
+            </a:r>
+            <a:endParaRPr lang="en-US" b="1" dirty="0" smtClean="0">
               <a:sym typeface="Wingdings" pitchFamily="2" charset="2"/>
             </a:endParaRPr>
           </a:p>
@@ -9251,60 +9161,54 @@
               <a:buNone/>
             </a:pPr>
             <a:r>
+              <a:rPr lang="en-US" b="1" dirty="0" smtClean="0">
+                <a:sym typeface="Wingdings" pitchFamily="2" charset="2"/>
+              </a:rPr>
+              <a:t>     </a:t>
+            </a:r>
+            <a:r>
               <a:rPr lang="en-US" dirty="0" smtClean="0">
                 <a:sym typeface="Wingdings" pitchFamily="2" charset="2"/>
               </a:rPr>
-              <a:t>                           E</a:t>
-            </a:r>
-            <a:r>
-              <a:rPr lang="en-US" baseline="-25000" dirty="0" smtClean="0">
-                <a:sym typeface="Wingdings" pitchFamily="2" charset="2"/>
-              </a:rPr>
-              <a:t>1 </a:t>
+              <a:t>{</a:t>
+            </a:r>
+            <a:r>
+              <a:rPr lang="en-US" dirty="0" err="1">
+                <a:sym typeface="Wingdings" pitchFamily="2" charset="2"/>
+              </a:rPr>
+              <a:t>E.type</a:t>
             </a:r>
             <a:r>
               <a:rPr lang="en-US" dirty="0">
                 <a:sym typeface="Wingdings" pitchFamily="2" charset="2"/>
               </a:rPr>
-              <a:t>.type == s</a:t>
-            </a:r>
-            <a:r>
-              <a:rPr lang="en-US" b="1" dirty="0">
+              <a:t> = if (E</a:t>
+            </a:r>
+            <a:r>
+              <a:rPr lang="en-US" baseline="-25000" dirty="0">
+                <a:sym typeface="Wingdings" pitchFamily="2" charset="2"/>
+              </a:rPr>
+              <a:t>2</a:t>
+            </a:r>
+            <a:r>
+              <a:rPr lang="en-US" dirty="0">
+                <a:sym typeface="Wingdings" pitchFamily="2" charset="2"/>
+              </a:rPr>
+              <a:t>.type == s </a:t>
+            </a:r>
+            <a:r>
+              <a:rPr lang="en-US" dirty="0" smtClean="0">
+                <a:sym typeface="Wingdings" pitchFamily="2" charset="2"/>
+              </a:rPr>
+              <a:t>&amp;&amp;</a:t>
+            </a:r>
+            <a:r>
+              <a:rPr lang="en-US" dirty="0">
                 <a:sym typeface="Wingdings" pitchFamily="2" charset="2"/>
               </a:rPr>
               <a:t> </a:t>
             </a:r>
-            <a:r>
-              <a:rPr lang="en-US" dirty="0">
-                <a:sym typeface="Symbol" pitchFamily="18" charset="2"/>
-              </a:rPr>
-              <a:t></a:t>
-            </a:r>
-            <a:r>
-              <a:rPr lang="en-US" b="1" dirty="0">
-                <a:sym typeface="Symbol" pitchFamily="18" charset="2"/>
-              </a:rPr>
-              <a:t> </a:t>
-            </a:r>
-            <a:r>
-              <a:rPr lang="en-US" dirty="0">
-                <a:sym typeface="Symbol" pitchFamily="18" charset="2"/>
-              </a:rPr>
-              <a:t>t</a:t>
-            </a:r>
-            <a:r>
-              <a:rPr lang="en-US" dirty="0">
-                <a:sym typeface="Wingdings" pitchFamily="2" charset="2"/>
-              </a:rPr>
-              <a:t>) </a:t>
-            </a:r>
-            <a:r>
-              <a:rPr lang="en-US" dirty="0" smtClean="0">
-                <a:sym typeface="Wingdings" pitchFamily="2" charset="2"/>
-              </a:rPr>
-              <a:t>t </a:t>
-            </a:r>
-            <a:endParaRPr lang="en-US" dirty="0">
+            <a:endParaRPr lang="en-US" dirty="0" smtClean="0">
               <a:sym typeface="Wingdings" pitchFamily="2" charset="2"/>
             </a:endParaRPr>
           </a:p>
@@ -9317,6 +9221,69 @@
               <a:rPr lang="en-US" dirty="0" smtClean="0">
                 <a:sym typeface="Wingdings" pitchFamily="2" charset="2"/>
               </a:rPr>
+              <a:t>                           E</a:t>
+            </a:r>
+            <a:r>
+              <a:rPr lang="en-US" baseline="-25000" dirty="0" smtClean="0">
+                <a:sym typeface="Wingdings" pitchFamily="2" charset="2"/>
+              </a:rPr>
+              <a:t>1 </a:t>
+            </a:r>
+            <a:r>
+              <a:rPr lang="en-US" dirty="0">
+                <a:sym typeface="Wingdings" pitchFamily="2" charset="2"/>
+              </a:rPr>
+              <a:t>.type == s</a:t>
+            </a:r>
+            <a:r>
+              <a:rPr lang="en-US" b="1" dirty="0">
+                <a:sym typeface="Wingdings" pitchFamily="2" charset="2"/>
+              </a:rPr>
+              <a:t> </a:t>
+            </a:r>
+            <a:r>
+              <a:rPr lang="en-US" dirty="0">
+                <a:sym typeface="Symbol" pitchFamily="18" charset="2"/>
+              </a:rPr>
+              <a:t></a:t>
+            </a:r>
+            <a:r>
+              <a:rPr lang="en-US" b="1" dirty="0">
+                <a:sym typeface="Symbol" pitchFamily="18" charset="2"/>
+              </a:rPr>
+              <a:t> </a:t>
+            </a:r>
+            <a:r>
+              <a:rPr lang="en-US" dirty="0">
+                <a:sym typeface="Symbol" pitchFamily="18" charset="2"/>
+              </a:rPr>
+              <a:t>t</a:t>
+            </a:r>
+            <a:r>
+              <a:rPr lang="en-US" dirty="0">
+                <a:sym typeface="Wingdings" pitchFamily="2" charset="2"/>
+              </a:rPr>
+              <a:t>) </a:t>
+            </a:r>
+            <a:r>
+              <a:rPr lang="en-US" dirty="0" smtClean="0">
+                <a:sym typeface="Wingdings" pitchFamily="2" charset="2"/>
+              </a:rPr>
+              <a:t>t </a:t>
+            </a:r>
+            <a:endParaRPr lang="en-US" dirty="0">
+              <a:sym typeface="Wingdings" pitchFamily="2" charset="2"/>
+            </a:endParaRPr>
+          </a:p>
+          <a:p>
+            <a:pPr marL="609600" indent="-609600">
+              <a:buFontTx/>
+              <a:buNone/>
+            </a:pPr>
+            <a:r>
+              <a:rPr lang="en-US" dirty="0" smtClean="0">
+                <a:sym typeface="Wingdings" pitchFamily="2" charset="2"/>
+              </a:rPr>
               <a:t>                      </a:t>
             </a:r>
             <a:r>
@@ -9326,16 +9293,34 @@
               <a:t>else </a:t>
             </a:r>
             <a:r>
-              <a:rPr lang="en-US" dirty="0" err="1">
+              <a:rPr lang="en-US" dirty="0" err="1" smtClean="0">
+                <a:solidFill>
+                  <a:srgbClr val="FF0000"/>
+                </a:solidFill>
                 <a:sym typeface="Wingdings" pitchFamily="2" charset="2"/>
               </a:rPr>
               <a:t>type_error</a:t>
             </a:r>
             <a:r>
+              <a:rPr lang="en-US" dirty="0" smtClean="0">
+                <a:solidFill>
+                  <a:srgbClr val="FF0000"/>
+                </a:solidFill>
+                <a:sym typeface="Wingdings" pitchFamily="2" charset="2"/>
+              </a:rPr>
+              <a:t>()</a:t>
+            </a:r>
+            <a:r>
+              <a:rPr lang="en-US" dirty="0" smtClean="0">
+                <a:sym typeface="Wingdings" pitchFamily="2" charset="2"/>
+              </a:rPr>
+              <a:t> </a:t>
+            </a:r>
+            <a:r>
               <a:rPr lang="en-US" dirty="0">
                 <a:sym typeface="Wingdings" pitchFamily="2" charset="2"/>
               </a:rPr>
-              <a:t> }</a:t>
+              <a:t>}</a:t>
             </a:r>
             <a:endParaRPr lang="en-US" b="1" dirty="0">
               <a:sym typeface="Wingdings" pitchFamily="2" charset="2"/>
@@ -9630,7 +9615,11 @@
           <a:p>
             <a:r>
               <a:rPr lang="pt-BR" dirty="0" smtClean="0"/>
-              <a:t>Conversão de tipos</a:t>
+              <a:t>Conversão de </a:t>
+            </a:r>
+            <a:r>
+              <a:rPr lang="pt-BR" dirty="0" smtClean="0"/>
+              <a:t>Tipos</a:t>
             </a:r>
             <a:endParaRPr lang="pt-BR" dirty="0"/>
           </a:p>
@@ -9657,24 +9646,8 @@
           <a:lstStyle/>
           <a:p>
             <a:r>
-              <a:rPr lang="pt-BR" b="1" dirty="0" err="1" smtClean="0"/>
-              <a:t>Co</a:t>
-            </a:r>
-            <a:r>
               <a:rPr lang="pt-BR" b="1" dirty="0" smtClean="0"/>
-              <a:t>(</a:t>
-            </a:r>
-            <a:r>
-              <a:rPr lang="pt-BR" b="1" dirty="0" err="1" smtClean="0"/>
-              <a:t>nv</a:t>
-            </a:r>
-            <a:r>
-              <a:rPr lang="pt-BR" b="1" dirty="0" smtClean="0"/>
-              <a:t>)</a:t>
-            </a:r>
-            <a:r>
-              <a:rPr lang="pt-BR" b="1" dirty="0" err="1" smtClean="0"/>
-              <a:t>ersão</a:t>
+              <a:t>Conversão</a:t>
             </a:r>
             <a:r>
               <a:rPr lang="pt-BR" b="1" dirty="0" smtClean="0"/>
@@ -9688,14 +9661,35 @@
             </a:r>
             <a:r>
               <a:rPr lang="pt-BR" dirty="0" smtClean="0"/>
-              <a:t>: O compilador adiciona implicitamente função de conversão</a:t>
-            </a:r>
+              <a:t>: O compilador adiciona </a:t>
+            </a:r>
+            <a:r>
+              <a:rPr lang="pt-BR" dirty="0" smtClean="0"/>
+              <a:t>automaticamente função </a:t>
+            </a:r>
+            <a:r>
+              <a:rPr lang="pt-BR" dirty="0" smtClean="0"/>
+              <a:t>de </a:t>
+            </a:r>
+            <a:r>
+              <a:rPr lang="pt-BR" dirty="0" smtClean="0"/>
+              <a:t>conversão</a:t>
+            </a:r>
+            <a:endParaRPr lang="pt-BR" dirty="0" smtClean="0"/>
           </a:p>
           <a:p>
             <a:pPr lvl="1"/>
             <a:r>
               <a:rPr lang="pt-BR" dirty="0" smtClean="0"/>
-              <a:t>Normalmente não há perda de informação.  Por exemplo, de </a:t>
+              <a:t>Não </a:t>
+            </a:r>
+            <a:r>
+              <a:rPr lang="pt-BR" dirty="0" smtClean="0"/>
+              <a:t>há perda de informação.  </a:t>
+            </a:r>
+            <a:r>
+              <a:rPr lang="pt-BR" dirty="0" smtClean="0"/>
+              <a:t>Ex., </a:t>
             </a:r>
             <a:r>
               <a:rPr lang="pt-BR" dirty="0" err="1" smtClean="0">
@@ -9705,7 +9699,11 @@
             </a:r>
             <a:r>
               <a:rPr lang="pt-BR" dirty="0" smtClean="0"/>
-              <a:t> para </a:t>
+              <a:t> </a:t>
+            </a:r>
+            <a:r>
+              <a:rPr lang="pt-BR" dirty="0" smtClean="0"/>
+              <a:t>para </a:t>
             </a:r>
             <a:r>
               <a:rPr lang="pt-BR" dirty="0" err="1" smtClean="0">
@@ -9724,7 +9722,11 @@
             </a:r>
             <a:r>
               <a:rPr lang="pt-BR" dirty="0" smtClean="0"/>
-              <a:t>: O programador precisa indicar</a:t>
+              <a:t>: O programador precisa </a:t>
+            </a:r>
+            <a:r>
+              <a:rPr lang="pt-BR" dirty="0" smtClean="0"/>
+              <a:t>adicionar código de conversão</a:t>
             </a:r>
             <a:endParaRPr lang="pt-BR" dirty="0"/>
           </a:p>
@@ -9738,7 +9740,7 @@
         </p:nvSpPr>
         <p:spPr>
           <a:xfrm>
-            <a:off x="1835696" y="4861484"/>
+            <a:off x="2166446" y="5059050"/>
             <a:ext cx="5357882" cy="1754326"/>
           </a:xfrm>
           <a:prstGeom prst="rect">
@@ -9932,7 +9934,7 @@
         </p:nvSpPr>
         <p:spPr>
           <a:xfrm>
-            <a:off x="611560" y="4838910"/>
+            <a:off x="942310" y="5036476"/>
             <a:ext cx="1091709" cy="461665"/>
           </a:xfrm>
           <a:prstGeom prst="rect">
@@ -10009,13 +10011,17 @@
         </p:spPr>
         <p:txBody>
           <a:bodyPr>
-            <a:normAutofit fontScale="90000"/>
+            <a:normAutofit/>
           </a:bodyPr>
           <a:lstStyle/>
           <a:p>
             <a:r>
               <a:rPr lang="pt-BR" dirty="0" smtClean="0"/>
-              <a:t>Tempo de checagem de uma linguagem</a:t>
+              <a:t>Tempo </a:t>
+            </a:r>
+            <a:r>
+              <a:rPr lang="pt-BR" dirty="0" smtClean="0"/>
+              <a:t>de Checagem</a:t>
             </a:r>
             <a:endParaRPr lang="pt-BR" dirty="0"/>
           </a:p>
@@ -10051,13 +10057,25 @@
               <a:rPr lang="pt-BR" dirty="0" err="1" smtClean="0"/>
               <a:t>-typed</a:t>
             </a:r>
+            <a:r>
+              <a:rPr lang="pt-BR" dirty="0" smtClean="0"/>
+              <a:t> (ex., Java, C)</a:t>
+            </a:r>
             <a:endParaRPr lang="pt-BR" dirty="0" smtClean="0"/>
           </a:p>
           <a:p>
             <a:pPr lvl="1"/>
             <a:r>
+              <a:rPr lang="pt-BR" dirty="0"/>
+              <a:t>C</a:t>
+            </a:r>
+            <a:r>
               <a:rPr lang="pt-BR" dirty="0" smtClean="0"/>
-              <a:t>checagem durante compilação</a:t>
+              <a:t>hecagem </a:t>
+            </a:r>
+            <a:r>
+              <a:rPr lang="pt-BR" dirty="0" smtClean="0"/>
+              <a:t>durante compilação</a:t>
             </a:r>
           </a:p>
           <a:p>
@@ -10069,6 +10087,26 @@
               <a:rPr lang="pt-BR" dirty="0" err="1" smtClean="0"/>
               <a:t>-typed</a:t>
             </a:r>
+            <a:r>
+              <a:rPr lang="pt-BR" dirty="0" smtClean="0"/>
+              <a:t> (ex</a:t>
+            </a:r>
+            <a:r>
+              <a:rPr lang="pt-BR" dirty="0" smtClean="0"/>
+              <a:t>.,</a:t>
+            </a:r>
+            <a:r>
+              <a:rPr lang="pt-BR" dirty="0" smtClean="0"/>
+              <a:t> Python, </a:t>
+            </a:r>
+            <a:r>
+              <a:rPr lang="pt-BR" dirty="0" err="1" smtClean="0"/>
+              <a:t>JavaScript</a:t>
+            </a:r>
+            <a:r>
+              <a:rPr lang="pt-BR" dirty="0" smtClean="0"/>
+              <a:t>)</a:t>
+            </a:r>
             <a:endParaRPr lang="pt-BR" dirty="0" smtClean="0"/>
           </a:p>
           <a:p>
@@ -10082,14 +10120,14 @@
       </p:sp>
       <p:sp>
         <p:nvSpPr>
-          <p:cNvPr id="4" name="Rectangle 3"/>
+          <p:cNvPr id="5" name="Rectangle 4"/>
           <p:cNvSpPr/>
           <p:nvPr/>
         </p:nvSpPr>
         <p:spPr>
           <a:xfrm>
-            <a:off x="1571604" y="4170436"/>
-            <a:ext cx="6072230" cy="584775"/>
+            <a:off x="121078" y="4688305"/>
+            <a:ext cx="8894150" cy="2062103"/>
           </a:xfrm>
           <a:prstGeom prst="rect">
             <a:avLst/>
@@ -10116,49 +10154,6 @@
           </a:bodyPr>
           <a:lstStyle/>
           <a:p>
-            <a:r>
-              <a:rPr lang="pt-BR" sz="3200" dirty="0" smtClean="0"/>
-              <a:t>Motivo de grande debate até hoje!</a:t>
-            </a:r>
-          </a:p>
-        </p:txBody>
-      </p:sp>
-      <p:sp>
-        <p:nvSpPr>
-          <p:cNvPr id="5" name="Rectangle 4"/>
-          <p:cNvSpPr/>
-          <p:nvPr/>
-        </p:nvSpPr>
-        <p:spPr>
-          <a:xfrm>
-            <a:off x="142346" y="5027692"/>
-            <a:ext cx="8894150" cy="1077218"/>
-          </a:xfrm>
-          <a:prstGeom prst="rect">
-            <a:avLst/>
-          </a:prstGeom>
-          <a:noFill/>
-        </p:spPr>
-        <p:style>
-          <a:lnRef idx="2">
-            <a:schemeClr val="dk1"/>
-          </a:lnRef>
-          <a:fillRef idx="1">
-            <a:schemeClr val="lt1"/>
-          </a:fillRef>
-          <a:effectRef idx="0">
-            <a:schemeClr val="dk1"/>
-          </a:effectRef>
-          <a:fontRef idx="minor">
-            <a:schemeClr val="dk1"/>
-          </a:fontRef>
-        </p:style>
-        <p:txBody>
-          <a:bodyPr wrap="square">
-            <a:spAutoFit/>
-          </a:bodyPr>
-          <a:lstStyle/>
-          <a:p>
             <a:pPr algn="ctr"/>
             <a:r>
               <a:rPr lang="pt-BR" sz="3200" dirty="0" smtClean="0"/>
@@ -10170,8 +10165,29 @@
             </a:r>
             <a:r>
               <a:rPr lang="pt-BR" sz="3200" dirty="0" smtClean="0"/>
-              <a:t>” mais flexível, porém pode deixar escapar erros e checagem de tipos pode ser custosa.</a:t>
-            </a:r>
+              <a:t>” mais flexível, porém </a:t>
+            </a:r>
+            <a:r>
+              <a:rPr lang="pt-BR" sz="3200" dirty="0" smtClean="0"/>
+              <a:t>checagem </a:t>
+            </a:r>
+            <a:r>
+              <a:rPr lang="pt-BR" sz="3200" dirty="0" smtClean="0"/>
+              <a:t>de tipos pode ser custosa</a:t>
+            </a:r>
+            <a:r>
+              <a:rPr lang="pt-BR" sz="3200" dirty="0" smtClean="0"/>
+              <a:t>. “</a:t>
+            </a:r>
+            <a:r>
+              <a:rPr lang="pt-BR" sz="3200" dirty="0" err="1" smtClean="0"/>
+              <a:t>Static</a:t>
+            </a:r>
+            <a:r>
+              <a:rPr lang="pt-BR" sz="3200" dirty="0" smtClean="0"/>
+              <a:t>” captura erros em tempo de compilação, porém é mais inflexível (isto é, proíbe programas válidos).</a:t>
+            </a:r>
+            <a:endParaRPr lang="pt-BR" sz="3200" dirty="0" smtClean="0"/>
           </a:p>
         </p:txBody>
       </p:sp>
@@ -10229,19 +10245,23 @@
           <a:p>
             <a:r>
               <a:rPr lang="en-US" dirty="0" smtClean="0"/>
-              <a:t>Rigor de </a:t>
+              <a:t>Rigor </a:t>
+            </a:r>
+            <a:r>
+              <a:rPr lang="en-US" dirty="0" smtClean="0"/>
+              <a:t>do </a:t>
             </a:r>
             <a:r>
               <a:rPr lang="en-US" dirty="0" err="1" smtClean="0"/>
-              <a:t>uma</a:t>
+              <a:t>Sistema</a:t>
             </a:r>
             <a:r>
               <a:rPr lang="en-US" dirty="0" smtClean="0"/>
-              <a:t> </a:t>
+              <a:t> de </a:t>
             </a:r>
             <a:r>
               <a:rPr lang="en-US" dirty="0" err="1" smtClean="0"/>
-              <a:t>linguagem</a:t>
+              <a:t>Tipos</a:t>
             </a:r>
             <a:endParaRPr lang="en-US" dirty="0"/>
           </a:p>
@@ -10265,7 +10285,7 @@
         </p:spPr>
         <p:txBody>
           <a:bodyPr>
-            <a:normAutofit fontScale="92500" lnSpcReduction="10000"/>
+            <a:noAutofit/>
           </a:bodyPr>
           <a:lstStyle/>
           <a:p>
@@ -10275,8 +10295,17 @@
             </a:r>
             <a:r>
               <a:rPr lang="en-US" dirty="0" smtClean="0"/>
-              <a:t>-typed</a:t>
-            </a:r>
+              <a:t>-typed </a:t>
+            </a:r>
+            <a:r>
+              <a:rPr lang="pt-BR" dirty="0"/>
+              <a:t>(ex., </a:t>
+            </a:r>
+            <a:r>
+              <a:rPr lang="pt-BR" dirty="0" smtClean="0"/>
+              <a:t>Java)</a:t>
+            </a:r>
+            <a:endParaRPr lang="en-US" dirty="0" smtClean="0"/>
           </a:p>
           <a:p>
             <a:pPr lvl="1"/>
@@ -10300,8 +10329,17 @@
             </a:r>
             <a:r>
               <a:rPr lang="en-US" dirty="0" smtClean="0"/>
-              <a:t>-typed</a:t>
-            </a:r>
+              <a:t>-typed </a:t>
+            </a:r>
+            <a:r>
+              <a:rPr lang="pt-BR" dirty="0"/>
+              <a:t>(ex., </a:t>
+            </a:r>
+            <a:r>
+              <a:rPr lang="pt-BR" dirty="0" smtClean="0"/>
+              <a:t>C)</a:t>
+            </a:r>
+            <a:endParaRPr lang="en-US" dirty="0" smtClean="0"/>
           </a:p>
           <a:p>
             <a:pPr lvl="1"/>
@@ -10321,7 +10359,7 @@
         </p:nvSpPr>
         <p:spPr>
           <a:xfrm>
-            <a:off x="395536" y="3789040"/>
+            <a:off x="387334" y="4493132"/>
             <a:ext cx="8265036" cy="1077218"/>
           </a:xfrm>
           <a:prstGeom prst="rect">
@@ -10359,66 +10397,7 @@
             </a:r>
             <a:r>
               <a:rPr lang="pt-BR" sz="3200" dirty="0" smtClean="0"/>
-              <a:t> de tipos </a:t>
-            </a:r>
-            <a:r>
-              <a:rPr lang="pt-BR" sz="3200" b="1" dirty="0" smtClean="0"/>
-              <a:t>não relacionados</a:t>
-            </a:r>
-            <a:r>
-              <a:rPr lang="pt-BR" sz="3200" dirty="0" smtClean="0"/>
-              <a:t>.</a:t>
-            </a:r>
-          </a:p>
-        </p:txBody>
-      </p:sp>
-      <p:sp>
-        <p:nvSpPr>
-          <p:cNvPr id="5" name="Rectangle 4"/>
-          <p:cNvSpPr/>
-          <p:nvPr/>
-        </p:nvSpPr>
-        <p:spPr>
-          <a:xfrm>
-            <a:off x="530814" y="5209302"/>
-            <a:ext cx="7929618" cy="1077218"/>
-          </a:xfrm>
-          <a:prstGeom prst="rect">
-            <a:avLst/>
-          </a:prstGeom>
-          <a:noFill/>
-        </p:spPr>
-        <p:style>
-          <a:lnRef idx="2">
-            <a:schemeClr val="dk1"/>
-          </a:lnRef>
-          <a:fillRef idx="1">
-            <a:schemeClr val="lt1"/>
-          </a:fillRef>
-          <a:effectRef idx="0">
-            <a:schemeClr val="dk1"/>
-          </a:effectRef>
-          <a:fontRef idx="minor">
-            <a:schemeClr val="dk1"/>
-          </a:fontRef>
-        </p:style>
-        <p:txBody>
-          <a:bodyPr wrap="square">
-            <a:spAutoFit/>
-          </a:bodyPr>
-          <a:lstStyle/>
-          <a:p>
-            <a:r>
-              <a:rPr lang="pt-BR" sz="3200" dirty="0" smtClean="0"/>
-              <a:t>Na prática, algumas verificações só podem ser feitas dinamicamente.  E.g., índices de </a:t>
-            </a:r>
-            <a:r>
-              <a:rPr lang="pt-BR" sz="3200" dirty="0" err="1" smtClean="0"/>
-              <a:t>arrays</a:t>
-            </a:r>
-            <a:r>
-              <a:rPr lang="pt-BR" sz="3200" dirty="0" smtClean="0"/>
-              <a:t>.</a:t>
+              <a:t> de tipos não relacionados.</a:t>
             </a:r>
           </a:p>
         </p:txBody>
@@ -10462,7 +10441,7 @@
       </p:grpSpPr>
       <p:sp>
         <p:nvSpPr>
-          <p:cNvPr id="2" name="Title 1"/>
+          <p:cNvPr id="2" name="Título 1"/>
           <p:cNvSpPr>
             <a:spLocks noGrp="1"/>
           </p:cNvSpPr>
@@ -10477,15 +10456,7 @@
           <a:p>
             <a:r>
               <a:rPr lang="pt-BR" dirty="0" smtClean="0"/>
-              <a:t>Polimorfismo </a:t>
-            </a:r>
-            <a:r>
-              <a:rPr lang="pt-BR" i="1" dirty="0" smtClean="0"/>
-              <a:t>ad hoc</a:t>
-            </a:r>
-            <a:r>
-              <a:rPr lang="pt-BR" dirty="0" smtClean="0"/>
-              <a:t> (sobrecarga)</a:t>
+              <a:t>Polimorfismo</a:t>
             </a:r>
             <a:endParaRPr lang="pt-BR" dirty="0"/>
           </a:p>
@@ -10493,7 +10464,7 @@
       </p:sp>
       <p:sp>
         <p:nvSpPr>
-          <p:cNvPr id="3" name="Content Placeholder 2"/>
+          <p:cNvPr id="3" name="Espaço Reservado para Conteúdo 2"/>
           <p:cNvSpPr>
             <a:spLocks noGrp="1"/>
           </p:cNvSpPr>
@@ -10508,43 +10479,28 @@
           <a:p>
             <a:r>
               <a:rPr lang="pt-BR" dirty="0" smtClean="0"/>
-              <a:t>Mesmo </a:t>
-            </a:r>
-            <a:r>
-              <a:rPr lang="pt-BR" b="1" dirty="0" smtClean="0"/>
-              <a:t>nome</a:t>
-            </a:r>
+              <a:t>Capacidade de funções e tipos adquirirem formas distintas</a:t>
+            </a:r>
+          </a:p>
+          <a:p>
+            <a:pPr lvl="1"/>
             <a:r>
               <a:rPr lang="pt-BR" dirty="0" smtClean="0"/>
-              <a:t> de função (ou operador) é usado em contextos diferentes</a:t>
-            </a:r>
-          </a:p>
-          <a:p>
+              <a:t>Ad Hoc (sobrecarga)</a:t>
+            </a:r>
+          </a:p>
+          <a:p>
+            <a:pPr lvl="1"/>
             <a:r>
               <a:rPr lang="pt-BR" dirty="0" smtClean="0"/>
-              <a:t>Exemplos</a:t>
+              <a:t>Subtipo</a:t>
             </a:r>
           </a:p>
           <a:p>
             <a:pPr lvl="1"/>
             <a:r>
               <a:rPr lang="pt-BR" dirty="0" smtClean="0"/>
-              <a:t>Java: operador + para strings, inteiros, reais</a:t>
-            </a:r>
-          </a:p>
-          <a:p>
-            <a:pPr lvl="1"/>
-            <a:r>
-              <a:rPr lang="pt-BR" dirty="0" smtClean="0"/>
-              <a:t>Ada: operador “()” usado para indexar </a:t>
-            </a:r>
-            <a:r>
-              <a:rPr lang="pt-BR" dirty="0" err="1" smtClean="0"/>
-              <a:t>arrays</a:t>
-            </a:r>
-            <a:r>
-              <a:rPr lang="pt-BR" dirty="0" smtClean="0"/>
-              <a:t>, chamada de funções, e conversão de tipos</a:t>
+              <a:t>Paramétrico</a:t>
             </a:r>
             <a:endParaRPr lang="pt-BR" dirty="0"/>
           </a:p>
@@ -10553,7 +10509,7 @@
     </p:spTree>
     <p:extLst>
       <p:ext uri="{BB962C8B-B14F-4D97-AF65-F5344CB8AC3E}">
-        <p14:creationId xmlns:p14="http://schemas.microsoft.com/office/powerpoint/2010/main" val="699892936"/>
+        <p14:creationId xmlns:p14="http://schemas.microsoft.com/office/powerpoint/2010/main" val="374888813"/>
       </p:ext>
     </p:extLst>
   </p:cSld>
@@ -10599,14 +10555,20 @@
         </p:nvSpPr>
         <p:spPr/>
         <p:txBody>
-          <a:bodyPr>
-            <a:normAutofit/>
-          </a:bodyPr>
+          <a:bodyPr/>
           <a:lstStyle/>
           <a:p>
             <a:r>
               <a:rPr lang="pt-BR" dirty="0" smtClean="0"/>
-              <a:t>Polimorfismo de subtipo</a:t>
+              <a:t>Polimorfismo </a:t>
+            </a:r>
+            <a:r>
+              <a:rPr lang="pt-BR" i="1" dirty="0" smtClean="0"/>
+              <a:t>ad hoc</a:t>
+            </a:r>
+            <a:r>
+              <a:rPr lang="pt-BR" dirty="0" smtClean="0"/>
+              <a:t> (sobrecarga)</a:t>
             </a:r>
             <a:endParaRPr lang="pt-BR" dirty="0"/>
           </a:p>
@@ -10629,137 +10591,52 @@
           <a:p>
             <a:r>
               <a:rPr lang="pt-BR" dirty="0" smtClean="0"/>
-              <a:t>Qualquer subtipo de T pode ser usado no contexto onde objeto de tipo T é esperado</a:t>
-            </a:r>
-          </a:p>
-          <a:p>
+              <a:t>Mesmo </a:t>
+            </a:r>
+            <a:r>
+              <a:rPr lang="pt-BR" b="1" dirty="0" smtClean="0"/>
+              <a:t>nome</a:t>
+            </a:r>
             <a:r>
               <a:rPr lang="pt-BR" dirty="0" smtClean="0"/>
-              <a:t>E.g., Java</a:t>
+              <a:t> de função (ou operador) é usado em contextos diferentes</a:t>
+            </a:r>
+          </a:p>
+          <a:p>
+            <a:r>
+              <a:rPr lang="pt-BR" dirty="0" smtClean="0"/>
+              <a:t>Exemplos</a:t>
+            </a:r>
+          </a:p>
+          <a:p>
+            <a:pPr lvl="1"/>
+            <a:r>
+              <a:rPr lang="pt-BR" dirty="0" smtClean="0"/>
+              <a:t>Java: operador + para strings, inteiros, reais</a:t>
+            </a:r>
+          </a:p>
+          <a:p>
+            <a:pPr lvl="1"/>
+            <a:r>
+              <a:rPr lang="pt-BR" dirty="0" smtClean="0"/>
+              <a:t>Ada: operador “()” usado para indexar </a:t>
+            </a:r>
+            <a:r>
+              <a:rPr lang="pt-BR" dirty="0" err="1" smtClean="0"/>
+              <a:t>arrays</a:t>
+            </a:r>
+            <a:r>
+              <a:rPr lang="pt-BR" dirty="0" smtClean="0"/>
+              <a:t>, chamada de funções, e conversão de tipos</a:t>
             </a:r>
             <a:endParaRPr lang="pt-BR" dirty="0"/>
-          </a:p>
-        </p:txBody>
-      </p:sp>
-      <p:sp>
-        <p:nvSpPr>
-          <p:cNvPr id="4" name="Rectangle 3"/>
-          <p:cNvSpPr/>
-          <p:nvPr/>
-        </p:nvSpPr>
-        <p:spPr>
-          <a:xfrm>
-            <a:off x="467544" y="5250297"/>
-            <a:ext cx="3858792" cy="424732"/>
-          </a:xfrm>
-          <a:prstGeom prst="rect">
-            <a:avLst/>
-          </a:prstGeom>
-        </p:spPr>
-        <p:style>
-          <a:lnRef idx="2">
-            <a:schemeClr val="dk1"/>
-          </a:lnRef>
-          <a:fillRef idx="1">
-            <a:schemeClr val="lt1"/>
-          </a:fillRef>
-          <a:effectRef idx="0">
-            <a:schemeClr val="dk1"/>
-          </a:effectRef>
-          <a:fontRef idx="minor">
-            <a:schemeClr val="dk1"/>
-          </a:fontRef>
-        </p:style>
-        <p:txBody>
-          <a:bodyPr wrap="square">
-            <a:spAutoFit/>
-          </a:bodyPr>
-          <a:lstStyle/>
-          <a:p>
-            <a:pPr>
-              <a:lnSpc>
-                <a:spcPct val="90000"/>
-              </a:lnSpc>
-            </a:pPr>
-            <a:r>
-              <a:rPr lang="en-US" sz="2400" dirty="0" smtClean="0">
-                <a:latin typeface="Book Antiqua" pitchFamily="18" charset="0"/>
-              </a:rPr>
-              <a:t>void draw(Figure fig) {…}</a:t>
-            </a:r>
-          </a:p>
-        </p:txBody>
-      </p:sp>
-      <p:sp>
-        <p:nvSpPr>
-          <p:cNvPr id="5" name="Rectangular Callout 4"/>
-          <p:cNvSpPr/>
-          <p:nvPr/>
-        </p:nvSpPr>
-        <p:spPr>
-          <a:xfrm>
-            <a:off x="4571999" y="2852935"/>
-            <a:ext cx="4185139" cy="2281773"/>
-          </a:xfrm>
-          <a:prstGeom prst="wedgeRectCallout">
-            <a:avLst>
-              <a:gd name="adj1" fmla="val -91561"/>
-              <a:gd name="adj2" fmla="val 54808"/>
-            </a:avLst>
-          </a:prstGeom>
-          <a:ln>
-            <a:solidFill>
-              <a:schemeClr val="tx1"/>
-            </a:solidFill>
-          </a:ln>
-        </p:spPr>
-        <p:style>
-          <a:lnRef idx="2">
-            <a:schemeClr val="accent6"/>
-          </a:lnRef>
-          <a:fillRef idx="1">
-            <a:schemeClr val="lt1"/>
-          </a:fillRef>
-          <a:effectRef idx="0">
-            <a:schemeClr val="accent6"/>
-          </a:effectRef>
-          <a:fontRef idx="minor">
-            <a:schemeClr val="dk1"/>
-          </a:fontRef>
-        </p:style>
-        <p:txBody>
-          <a:bodyPr rtlCol="0" anchor="ctr"/>
-          <a:lstStyle/>
-          <a:p>
-            <a:pPr algn="ctr"/>
-            <a:r>
-              <a:rPr lang="pt-BR" sz="3200" dirty="0" smtClean="0"/>
-              <a:t>Pode-se chamar </a:t>
-            </a:r>
-            <a:r>
-              <a:rPr lang="pt-BR" sz="3200" dirty="0" err="1" smtClean="0">
-                <a:latin typeface="Book Antiqua" panose="02040602050305030304" pitchFamily="18" charset="0"/>
-              </a:rPr>
-              <a:t>draw</a:t>
-            </a:r>
-            <a:r>
-              <a:rPr lang="pt-BR" sz="3200" dirty="0" smtClean="0">
-                <a:latin typeface="Book Antiqua" panose="02040602050305030304" pitchFamily="18" charset="0"/>
-              </a:rPr>
-              <a:t> </a:t>
-            </a:r>
-            <a:r>
-              <a:rPr lang="pt-BR" sz="3200" dirty="0" smtClean="0"/>
-              <a:t>passando-se qualquer subtipo de Figure como parâmetro.</a:t>
-            </a:r>
-            <a:endParaRPr lang="pt-BR" sz="3200" dirty="0"/>
           </a:p>
         </p:txBody>
       </p:sp>
     </p:spTree>
     <p:extLst>
       <p:ext uri="{BB962C8B-B14F-4D97-AF65-F5344CB8AC3E}">
-        <p14:creationId xmlns:p14="http://schemas.microsoft.com/office/powerpoint/2010/main" val="3554679728"/>
+        <p14:creationId xmlns:p14="http://schemas.microsoft.com/office/powerpoint/2010/main" val="699892936"/>
       </p:ext>
     </p:extLst>
   </p:cSld>
@@ -10795,7 +10672,7 @@
       </p:grpSpPr>
       <p:sp>
         <p:nvSpPr>
-          <p:cNvPr id="2" name="Título 1"/>
+          <p:cNvPr id="2" name="Title 1"/>
           <p:cNvSpPr>
             <a:spLocks noGrp="1"/>
           </p:cNvSpPr>
@@ -10805,18 +10682,49 @@
         </p:nvSpPr>
         <p:spPr/>
         <p:txBody>
+          <a:bodyPr>
+            <a:normAutofit/>
+          </a:bodyPr>
+          <a:lstStyle/>
+          <a:p>
+            <a:r>
+              <a:rPr lang="pt-BR" dirty="0" smtClean="0"/>
+              <a:t>Polimorfismo de </a:t>
+            </a:r>
+            <a:r>
+              <a:rPr lang="pt-BR" dirty="0" smtClean="0"/>
+              <a:t>Subtipo</a:t>
+            </a:r>
+            <a:endParaRPr lang="pt-BR" dirty="0"/>
+          </a:p>
+        </p:txBody>
+      </p:sp>
+      <p:sp>
+        <p:nvSpPr>
+          <p:cNvPr id="3" name="Content Placeholder 2"/>
+          <p:cNvSpPr>
+            <a:spLocks noGrp="1"/>
+          </p:cNvSpPr>
+          <p:nvPr>
+            <p:ph idx="1"/>
+          </p:nvPr>
+        </p:nvSpPr>
+        <p:spPr/>
+        <p:txBody>
           <a:bodyPr/>
           <a:lstStyle/>
           <a:p>
             <a:r>
-              <a:rPr lang="en-US" dirty="0" err="1" smtClean="0"/>
-              <a:t>Exemplo</a:t>
-            </a:r>
-            <a:r>
-              <a:rPr lang="en-US" dirty="0" smtClean="0"/>
-              <a:t> Java</a:t>
-            </a:r>
-            <a:endParaRPr lang="en-US" dirty="0"/>
+              <a:rPr lang="pt-BR" dirty="0" smtClean="0"/>
+              <a:t>Qualquer subtipo de T pode ser usado no contexto onde objeto de tipo T é esperado</a:t>
+            </a:r>
+          </a:p>
+          <a:p>
+            <a:r>
+              <a:rPr lang="pt-BR" dirty="0" smtClean="0"/>
+              <a:t>E.g., Java</a:t>
+            </a:r>
+            <a:endParaRPr lang="pt-BR" dirty="0"/>
           </a:p>
         </p:txBody>
       </p:sp>
@@ -10828,8 +10736,8 @@
         </p:nvSpPr>
         <p:spPr>
           <a:xfrm>
-            <a:off x="1403648" y="1418783"/>
-            <a:ext cx="5472608" cy="5078313"/>
+            <a:off x="467544" y="5250297"/>
+            <a:ext cx="3858792" cy="424732"/>
           </a:xfrm>
           <a:prstGeom prst="rect">
             <a:avLst/>
@@ -10861,367 +10769,29 @@
               </a:lnSpc>
             </a:pPr>
             <a:r>
-              <a:rPr lang="en-US" sz="2000" dirty="0" smtClean="0">
+              <a:rPr lang="en-US" sz="2400" dirty="0" smtClean="0">
                 <a:latin typeface="Book Antiqua" pitchFamily="18" charset="0"/>
               </a:rPr>
-              <a:t>interface Figure {}</a:t>
-            </a:r>
-          </a:p>
-          <a:p>
-            <a:pPr>
-              <a:lnSpc>
-                <a:spcPct val="90000"/>
-              </a:lnSpc>
-            </a:pPr>
-            <a:endParaRPr lang="en-US" sz="2000" dirty="0">
-              <a:latin typeface="Book Antiqua" pitchFamily="18" charset="0"/>
-            </a:endParaRPr>
-          </a:p>
-          <a:p>
-            <a:pPr>
-              <a:lnSpc>
-                <a:spcPct val="90000"/>
-              </a:lnSpc>
-            </a:pPr>
-            <a:r>
-              <a:rPr lang="en-US" sz="2000" dirty="0" smtClean="0">
-                <a:latin typeface="Book Antiqua" pitchFamily="18" charset="0"/>
-              </a:rPr>
-              <a:t>class </a:t>
-            </a:r>
-            <a:r>
-              <a:rPr lang="en-US" sz="2000" dirty="0" err="1" smtClean="0">
-                <a:latin typeface="Book Antiqua" pitchFamily="18" charset="0"/>
-              </a:rPr>
-              <a:t>BitMapFigure</a:t>
-            </a:r>
-            <a:r>
-              <a:rPr lang="en-US" sz="2000" dirty="0" smtClean="0">
-                <a:latin typeface="Book Antiqua" pitchFamily="18" charset="0"/>
-              </a:rPr>
-              <a:t> implements   Figure {…}</a:t>
-            </a:r>
-          </a:p>
-          <a:p>
-            <a:pPr>
-              <a:lnSpc>
-                <a:spcPct val="90000"/>
-              </a:lnSpc>
-            </a:pPr>
-            <a:r>
-              <a:rPr lang="en-US" sz="2000" dirty="0" smtClean="0">
-                <a:latin typeface="Book Antiqua" pitchFamily="18" charset="0"/>
-              </a:rPr>
-              <a:t>class </a:t>
-            </a:r>
-            <a:r>
-              <a:rPr lang="en-US" sz="2000" dirty="0" err="1" smtClean="0">
-                <a:latin typeface="Book Antiqua" pitchFamily="18" charset="0"/>
-              </a:rPr>
-              <a:t>VectorFigure</a:t>
-            </a:r>
-            <a:r>
-              <a:rPr lang="en-US" sz="2000" dirty="0" smtClean="0">
-                <a:latin typeface="Book Antiqua" pitchFamily="18" charset="0"/>
-              </a:rPr>
-              <a:t> implements Figure {…}</a:t>
-            </a:r>
-          </a:p>
-          <a:p>
-            <a:pPr>
-              <a:lnSpc>
-                <a:spcPct val="90000"/>
-              </a:lnSpc>
-            </a:pPr>
-            <a:endParaRPr lang="en-US" sz="2000" dirty="0">
-              <a:latin typeface="Book Antiqua" pitchFamily="18" charset="0"/>
-            </a:endParaRPr>
-          </a:p>
-          <a:p>
-            <a:pPr>
-              <a:lnSpc>
-                <a:spcPct val="90000"/>
-              </a:lnSpc>
-            </a:pPr>
-            <a:r>
-              <a:rPr lang="en-US" sz="2000" dirty="0" smtClean="0">
-                <a:latin typeface="Book Antiqua" pitchFamily="18" charset="0"/>
-              </a:rPr>
-              <a:t>class Circle extends </a:t>
-            </a:r>
-            <a:r>
-              <a:rPr lang="en-US" sz="2000" dirty="0" err="1" smtClean="0">
-                <a:latin typeface="Book Antiqua" pitchFamily="18" charset="0"/>
-              </a:rPr>
-              <a:t>VectorFigure</a:t>
-            </a:r>
-            <a:r>
-              <a:rPr lang="en-US" sz="2000" dirty="0" smtClean="0">
-                <a:latin typeface="Book Antiqua" pitchFamily="18" charset="0"/>
-              </a:rPr>
-              <a:t> {}</a:t>
-            </a:r>
-          </a:p>
-          <a:p>
-            <a:pPr>
-              <a:lnSpc>
-                <a:spcPct val="90000"/>
-              </a:lnSpc>
-            </a:pPr>
-            <a:r>
-              <a:rPr lang="en-US" sz="2000" dirty="0">
-                <a:latin typeface="Book Antiqua" pitchFamily="18" charset="0"/>
-              </a:rPr>
-              <a:t>class </a:t>
-            </a:r>
-            <a:r>
-              <a:rPr lang="en-US" sz="2000" dirty="0" smtClean="0">
-                <a:latin typeface="Book Antiqua" pitchFamily="18" charset="0"/>
-              </a:rPr>
-              <a:t>Square </a:t>
-            </a:r>
-            <a:r>
-              <a:rPr lang="en-US" sz="2000" dirty="0">
-                <a:latin typeface="Book Antiqua" pitchFamily="18" charset="0"/>
-              </a:rPr>
-              <a:t>extends </a:t>
-            </a:r>
-            <a:r>
-              <a:rPr lang="en-US" sz="2000" dirty="0" err="1" smtClean="0">
-                <a:latin typeface="Book Antiqua" pitchFamily="18" charset="0"/>
-              </a:rPr>
-              <a:t>VectorFigure</a:t>
-            </a:r>
-            <a:r>
-              <a:rPr lang="en-US" sz="2000" dirty="0" smtClean="0">
-                <a:latin typeface="Book Antiqua" pitchFamily="18" charset="0"/>
-              </a:rPr>
-              <a:t> {}</a:t>
-            </a:r>
-            <a:endParaRPr lang="en-US" sz="2000" dirty="0">
-              <a:latin typeface="Book Antiqua" pitchFamily="18" charset="0"/>
-            </a:endParaRPr>
-          </a:p>
-          <a:p>
-            <a:pPr>
-              <a:lnSpc>
-                <a:spcPct val="90000"/>
-              </a:lnSpc>
-            </a:pPr>
-            <a:endParaRPr lang="en-US" sz="2000" dirty="0" smtClean="0">
-              <a:latin typeface="Book Antiqua" pitchFamily="18" charset="0"/>
-            </a:endParaRPr>
-          </a:p>
-          <a:p>
-            <a:pPr>
-              <a:lnSpc>
-                <a:spcPct val="90000"/>
-              </a:lnSpc>
-            </a:pPr>
-            <a:r>
-              <a:rPr lang="en-US" sz="2000" dirty="0">
-                <a:latin typeface="Book Antiqua" pitchFamily="18" charset="0"/>
-              </a:rPr>
-              <a:t>c</a:t>
-            </a:r>
-            <a:r>
-              <a:rPr lang="en-US" sz="2000" dirty="0" smtClean="0">
-                <a:latin typeface="Book Antiqua" pitchFamily="18" charset="0"/>
-              </a:rPr>
-              <a:t>lass </a:t>
-            </a:r>
-            <a:r>
-              <a:rPr lang="en-US" sz="2000" dirty="0" err="1" smtClean="0">
-                <a:latin typeface="Book Antiqua" pitchFamily="18" charset="0"/>
-              </a:rPr>
-              <a:t>Util</a:t>
-            </a:r>
-            <a:r>
-              <a:rPr lang="en-US" sz="2000" dirty="0" smtClean="0">
-                <a:latin typeface="Book Antiqua" pitchFamily="18" charset="0"/>
-              </a:rPr>
-              <a:t> {  </a:t>
-            </a:r>
-          </a:p>
-          <a:p>
-            <a:pPr>
-              <a:lnSpc>
-                <a:spcPct val="90000"/>
-              </a:lnSpc>
-            </a:pPr>
-            <a:r>
-              <a:rPr lang="en-US" sz="2000" dirty="0">
-                <a:latin typeface="Book Antiqua" pitchFamily="18" charset="0"/>
-              </a:rPr>
-              <a:t> </a:t>
-            </a:r>
-            <a:r>
-              <a:rPr lang="en-US" sz="2000" dirty="0" smtClean="0">
-                <a:latin typeface="Book Antiqua" pitchFamily="18" charset="0"/>
-              </a:rPr>
-              <a:t> void draw(Figure fig) {…}</a:t>
-            </a:r>
-            <a:endParaRPr lang="en-US" sz="2000" dirty="0">
-              <a:latin typeface="Book Antiqua" pitchFamily="18" charset="0"/>
-            </a:endParaRPr>
-          </a:p>
-          <a:p>
-            <a:pPr>
-              <a:lnSpc>
-                <a:spcPct val="90000"/>
-              </a:lnSpc>
-            </a:pPr>
-            <a:r>
-              <a:rPr lang="en-US" sz="2000" dirty="0" smtClean="0">
-                <a:latin typeface="Book Antiqua" pitchFamily="18" charset="0"/>
-              </a:rPr>
-              <a:t>}</a:t>
-            </a:r>
-          </a:p>
-          <a:p>
-            <a:pPr>
-              <a:lnSpc>
-                <a:spcPct val="90000"/>
-              </a:lnSpc>
-            </a:pPr>
-            <a:endParaRPr lang="en-US" sz="2000" dirty="0" smtClean="0">
-              <a:latin typeface="Book Antiqua" pitchFamily="18" charset="0"/>
-            </a:endParaRPr>
-          </a:p>
-          <a:p>
-            <a:pPr>
-              <a:lnSpc>
-                <a:spcPct val="90000"/>
-              </a:lnSpc>
-            </a:pPr>
-            <a:r>
-              <a:rPr lang="en-US" sz="2000" dirty="0" smtClean="0">
-                <a:latin typeface="Book Antiqua" pitchFamily="18" charset="0"/>
-              </a:rPr>
-              <a:t>void </a:t>
-            </a:r>
-            <a:r>
-              <a:rPr lang="en-US" sz="2000" dirty="0">
-                <a:latin typeface="Book Antiqua" pitchFamily="18" charset="0"/>
-              </a:rPr>
-              <a:t>main() {</a:t>
-            </a:r>
-          </a:p>
-          <a:p>
-            <a:pPr>
-              <a:lnSpc>
-                <a:spcPct val="90000"/>
-              </a:lnSpc>
-            </a:pPr>
-            <a:r>
-              <a:rPr lang="en-US" sz="2000" dirty="0">
-                <a:latin typeface="Book Antiqua" pitchFamily="18" charset="0"/>
-              </a:rPr>
-              <a:t>  Figure fig = new Circle(...);</a:t>
-            </a:r>
-          </a:p>
-          <a:p>
-            <a:pPr>
-              <a:lnSpc>
-                <a:spcPct val="90000"/>
-              </a:lnSpc>
-            </a:pPr>
-            <a:r>
-              <a:rPr lang="en-US" sz="2000" dirty="0">
-                <a:latin typeface="Book Antiqua" pitchFamily="18" charset="0"/>
-              </a:rPr>
-              <a:t>  </a:t>
-            </a:r>
-            <a:r>
-              <a:rPr lang="en-US" sz="2000" b="1" dirty="0" err="1">
-                <a:latin typeface="Book Antiqua" pitchFamily="18" charset="0"/>
-              </a:rPr>
-              <a:t>Util.draw</a:t>
-            </a:r>
-            <a:r>
-              <a:rPr lang="en-US" sz="2000" b="1" dirty="0">
-                <a:latin typeface="Book Antiqua" pitchFamily="18" charset="0"/>
-              </a:rPr>
-              <a:t>(fig</a:t>
-            </a:r>
-            <a:r>
-              <a:rPr lang="en-US" sz="2000" dirty="0">
-                <a:latin typeface="Book Antiqua" pitchFamily="18" charset="0"/>
-              </a:rPr>
-              <a:t>);</a:t>
-            </a:r>
-          </a:p>
-          <a:p>
-            <a:pPr>
-              <a:lnSpc>
-                <a:spcPct val="90000"/>
-              </a:lnSpc>
-            </a:pPr>
-            <a:r>
-              <a:rPr lang="en-US" sz="2000" dirty="0">
-                <a:latin typeface="Book Antiqua" pitchFamily="18" charset="0"/>
-              </a:rPr>
-              <a:t>  fig = new Square(...);</a:t>
-            </a:r>
-          </a:p>
-          <a:p>
-            <a:pPr>
-              <a:lnSpc>
-                <a:spcPct val="90000"/>
-              </a:lnSpc>
-            </a:pPr>
-            <a:r>
-              <a:rPr lang="en-US" sz="2000" b="1" dirty="0">
-                <a:latin typeface="Book Antiqua" pitchFamily="18" charset="0"/>
-              </a:rPr>
-              <a:t>  </a:t>
-            </a:r>
-            <a:r>
-              <a:rPr lang="en-US" sz="2000" b="1" dirty="0" err="1">
-                <a:latin typeface="Book Antiqua" pitchFamily="18" charset="0"/>
-              </a:rPr>
-              <a:t>Util.draw</a:t>
-            </a:r>
-            <a:r>
-              <a:rPr lang="en-US" sz="2000" b="1" dirty="0">
-                <a:latin typeface="Book Antiqua" pitchFamily="18" charset="0"/>
-              </a:rPr>
-              <a:t>(fig);</a:t>
-            </a:r>
-          </a:p>
-          <a:p>
-            <a:pPr>
-              <a:lnSpc>
-                <a:spcPct val="90000"/>
-              </a:lnSpc>
-            </a:pPr>
-            <a:r>
-              <a:rPr lang="en-US" sz="2000" dirty="0" smtClean="0">
-                <a:latin typeface="Book Antiqua" pitchFamily="18" charset="0"/>
-              </a:rPr>
-              <a:t>}</a:t>
-            </a:r>
-            <a:endParaRPr lang="en-US" sz="2000" dirty="0">
-              <a:latin typeface="Book Antiqua" pitchFamily="18" charset="0"/>
-            </a:endParaRPr>
-          </a:p>
-        </p:txBody>
-      </p:sp>
-      <p:sp>
-        <p:nvSpPr>
-          <p:cNvPr id="8" name="Rectangular Callout 4"/>
+              <a:t>void draw(Figure fig) {…}</a:t>
+            </a:r>
+          </a:p>
+        </p:txBody>
+      </p:sp>
+      <p:sp>
+        <p:nvSpPr>
+          <p:cNvPr id="5" name="Rectangular Callout 4"/>
           <p:cNvSpPr/>
           <p:nvPr/>
         </p:nvSpPr>
         <p:spPr>
           <a:xfrm>
-            <a:off x="5940152" y="3273863"/>
-            <a:ext cx="2843808" cy="1368152"/>
+            <a:off x="4571999" y="2852935"/>
+            <a:ext cx="4185139" cy="2281773"/>
           </a:xfrm>
           <a:prstGeom prst="wedgeRectCallout">
             <a:avLst>
-              <a:gd name="adj1" fmla="val -100394"/>
-              <a:gd name="adj2" fmla="val 4253"/>
+              <a:gd name="adj1" fmla="val -91561"/>
+              <a:gd name="adj2" fmla="val 54808"/>
             </a:avLst>
           </a:prstGeom>
           <a:ln>
@@ -11251,7 +10821,23 @@
             <a:pPr algn="ctr"/>
             <a:r>
               <a:rPr lang="pt-BR" sz="3200" dirty="0" smtClean="0"/>
-              <a:t>Aceita qualquer tipo de figura!</a:t>
+              <a:t>Pode-se chamar </a:t>
+            </a:r>
+            <a:r>
+              <a:rPr lang="pt-BR" sz="3200" dirty="0" err="1" smtClean="0">
+                <a:latin typeface="Book Antiqua" panose="02040602050305030304" pitchFamily="18" charset="0"/>
+              </a:rPr>
+              <a:t>draw</a:t>
+            </a:r>
+            <a:r>
+              <a:rPr lang="pt-BR" sz="3200" dirty="0" smtClean="0">
+                <a:latin typeface="Book Antiqua" panose="02040602050305030304" pitchFamily="18" charset="0"/>
+              </a:rPr>
+              <a:t> </a:t>
+            </a:r>
+            <a:r>
+              <a:rPr lang="pt-BR" sz="3200" dirty="0" smtClean="0"/>
+              <a:t>passando-se qualquer subtipo de Figure como parâmetro.</a:t>
             </a:r>
             <a:endParaRPr lang="pt-BR" sz="3200" dirty="0"/>
           </a:p>
@@ -11260,7 +10846,7 @@
     </p:spTree>
     <p:extLst>
       <p:ext uri="{BB962C8B-B14F-4D97-AF65-F5344CB8AC3E}">
-        <p14:creationId xmlns:p14="http://schemas.microsoft.com/office/powerpoint/2010/main" val="2170485069"/>
+        <p14:creationId xmlns:p14="http://schemas.microsoft.com/office/powerpoint/2010/main" val="3554679728"/>
       </p:ext>
     </p:extLst>
   </p:cSld>
@@ -11416,7 +11002,7 @@
       </p:grpSpPr>
       <p:sp>
         <p:nvSpPr>
-          <p:cNvPr id="2" name="Title 1"/>
+          <p:cNvPr id="2" name="Título 1"/>
           <p:cNvSpPr>
             <a:spLocks noGrp="1"/>
           </p:cNvSpPr>
@@ -11430,70 +11016,27 @@
           <a:lstStyle/>
           <a:p>
             <a:r>
-              <a:rPr lang="pt-BR" dirty="0" smtClean="0"/>
-              <a:t>Polimorfismo paramétrico</a:t>
-            </a:r>
-            <a:endParaRPr lang="pt-BR" dirty="0"/>
-          </a:p>
-        </p:txBody>
-      </p:sp>
-      <p:sp>
-        <p:nvSpPr>
-          <p:cNvPr id="3" name="Content Placeholder 2"/>
-          <p:cNvSpPr>
-            <a:spLocks noGrp="1"/>
-          </p:cNvSpPr>
-          <p:nvPr>
-            <p:ph idx="1"/>
-          </p:nvPr>
+              <a:rPr lang="en-US" dirty="0" err="1" smtClean="0"/>
+              <a:t>Exemplo</a:t>
+            </a:r>
+            <a:r>
+              <a:rPr lang="en-US" dirty="0" smtClean="0"/>
+              <a:t> Java</a:t>
+            </a:r>
+            <a:endParaRPr lang="en-US" dirty="0"/>
+          </a:p>
+        </p:txBody>
+      </p:sp>
+      <p:sp>
+        <p:nvSpPr>
+          <p:cNvPr id="4" name="Rectangle 3"/>
+          <p:cNvSpPr/>
+          <p:nvPr/>
         </p:nvSpPr>
         <p:spPr>
           <a:xfrm>
-            <a:off x="457200" y="1600201"/>
-            <a:ext cx="8229600" cy="2543180"/>
-          </a:xfrm>
-        </p:spPr>
-        <p:txBody>
-          <a:bodyPr/>
-          <a:lstStyle/>
-          <a:p>
-            <a:r>
-              <a:rPr lang="pt-BR" dirty="0" smtClean="0"/>
-              <a:t>Facilita definição de funções que manipulam objetos com estruturas diferentes</a:t>
-            </a:r>
-          </a:p>
-          <a:p>
-            <a:pPr marL="342900" lvl="1" indent="-342900">
-              <a:buFont typeface="Arial" pitchFamily="34" charset="0"/>
-              <a:buChar char="•"/>
-            </a:pPr>
-            <a:r>
-              <a:rPr lang="pt-BR" sz="3200" dirty="0" smtClean="0"/>
-              <a:t>E.g. definição da função </a:t>
-            </a:r>
-            <a:r>
-              <a:rPr lang="pt-BR" sz="3200" dirty="0" err="1" smtClean="0">
-                <a:latin typeface="Book Antiqua" pitchFamily="18" charset="0"/>
-              </a:rPr>
-              <a:t>length</a:t>
-            </a:r>
-            <a:r>
-              <a:rPr lang="pt-BR" sz="3200" dirty="0" smtClean="0"/>
-              <a:t> para listas</a:t>
-            </a:r>
-          </a:p>
-        </p:txBody>
-      </p:sp>
-      <p:sp>
-        <p:nvSpPr>
-          <p:cNvPr id="5" name="Rectangle 4"/>
-          <p:cNvSpPr/>
-          <p:nvPr/>
-        </p:nvSpPr>
-        <p:spPr>
-          <a:xfrm>
-            <a:off x="785786" y="3643314"/>
-            <a:ext cx="7429552" cy="1077218"/>
+            <a:off x="1403648" y="1418783"/>
+            <a:ext cx="5472608" cy="5078313"/>
           </a:xfrm>
           <a:prstGeom prst="rect">
             <a:avLst/>
@@ -11519,67 +11062,412 @@
           </a:bodyPr>
           <a:lstStyle/>
           <a:p>
-            <a:r>
-              <a:rPr lang="pt-BR" sz="3200" dirty="0" smtClean="0"/>
-              <a:t>Está para linguagens funcionais assim como polimorfismo de subtipo está para OO.  </a:t>
-            </a:r>
-          </a:p>
-        </p:txBody>
-      </p:sp>
-      <p:sp>
-        <p:nvSpPr>
-          <p:cNvPr id="6" name="Rectangle 5"/>
+            <a:pPr>
+              <a:lnSpc>
+                <a:spcPct val="90000"/>
+              </a:lnSpc>
+            </a:pPr>
+            <a:r>
+              <a:rPr lang="en-US" sz="2000" dirty="0" smtClean="0">
+                <a:latin typeface="Book Antiqua" pitchFamily="18" charset="0"/>
+              </a:rPr>
+              <a:t>interface Figure {}</a:t>
+            </a:r>
+          </a:p>
+          <a:p>
+            <a:pPr>
+              <a:lnSpc>
+                <a:spcPct val="90000"/>
+              </a:lnSpc>
+            </a:pPr>
+            <a:endParaRPr lang="en-US" sz="2000" dirty="0">
+              <a:latin typeface="Book Antiqua" pitchFamily="18" charset="0"/>
+            </a:endParaRPr>
+          </a:p>
+          <a:p>
+            <a:pPr>
+              <a:lnSpc>
+                <a:spcPct val="90000"/>
+              </a:lnSpc>
+            </a:pPr>
+            <a:r>
+              <a:rPr lang="en-US" sz="2000" dirty="0" smtClean="0">
+                <a:latin typeface="Book Antiqua" pitchFamily="18" charset="0"/>
+              </a:rPr>
+              <a:t>class </a:t>
+            </a:r>
+            <a:r>
+              <a:rPr lang="en-US" sz="2000" dirty="0" err="1" smtClean="0">
+                <a:latin typeface="Book Antiqua" pitchFamily="18" charset="0"/>
+              </a:rPr>
+              <a:t>BitMapFigure</a:t>
+            </a:r>
+            <a:r>
+              <a:rPr lang="en-US" sz="2000" dirty="0" smtClean="0">
+                <a:latin typeface="Book Antiqua" pitchFamily="18" charset="0"/>
+              </a:rPr>
+              <a:t> implements   Figure {…}</a:t>
+            </a:r>
+          </a:p>
+          <a:p>
+            <a:pPr>
+              <a:lnSpc>
+                <a:spcPct val="90000"/>
+              </a:lnSpc>
+            </a:pPr>
+            <a:r>
+              <a:rPr lang="en-US" sz="2000" dirty="0" smtClean="0">
+                <a:latin typeface="Book Antiqua" pitchFamily="18" charset="0"/>
+              </a:rPr>
+              <a:t>class </a:t>
+            </a:r>
+            <a:r>
+              <a:rPr lang="en-US" sz="2000" dirty="0" err="1" smtClean="0">
+                <a:latin typeface="Book Antiqua" pitchFamily="18" charset="0"/>
+              </a:rPr>
+              <a:t>VectorFigure</a:t>
+            </a:r>
+            <a:r>
+              <a:rPr lang="en-US" sz="2000" dirty="0" smtClean="0">
+                <a:latin typeface="Book Antiqua" pitchFamily="18" charset="0"/>
+              </a:rPr>
+              <a:t> implements Figure {…}</a:t>
+            </a:r>
+          </a:p>
+          <a:p>
+            <a:pPr>
+              <a:lnSpc>
+                <a:spcPct val="90000"/>
+              </a:lnSpc>
+            </a:pPr>
+            <a:endParaRPr lang="en-US" sz="2000" dirty="0">
+              <a:latin typeface="Book Antiqua" pitchFamily="18" charset="0"/>
+            </a:endParaRPr>
+          </a:p>
+          <a:p>
+            <a:pPr>
+              <a:lnSpc>
+                <a:spcPct val="90000"/>
+              </a:lnSpc>
+            </a:pPr>
+            <a:r>
+              <a:rPr lang="en-US" sz="2000" dirty="0" smtClean="0">
+                <a:latin typeface="Book Antiqua" pitchFamily="18" charset="0"/>
+              </a:rPr>
+              <a:t>class Circle extends </a:t>
+            </a:r>
+            <a:r>
+              <a:rPr lang="en-US" sz="2000" dirty="0" err="1" smtClean="0">
+                <a:latin typeface="Book Antiqua" pitchFamily="18" charset="0"/>
+              </a:rPr>
+              <a:t>VectorFigure</a:t>
+            </a:r>
+            <a:r>
+              <a:rPr lang="en-US" sz="2000" dirty="0" smtClean="0">
+                <a:latin typeface="Book Antiqua" pitchFamily="18" charset="0"/>
+              </a:rPr>
+              <a:t> {}</a:t>
+            </a:r>
+          </a:p>
+          <a:p>
+            <a:pPr>
+              <a:lnSpc>
+                <a:spcPct val="90000"/>
+              </a:lnSpc>
+            </a:pPr>
+            <a:r>
+              <a:rPr lang="en-US" sz="2000" dirty="0">
+                <a:latin typeface="Book Antiqua" pitchFamily="18" charset="0"/>
+              </a:rPr>
+              <a:t>class </a:t>
+            </a:r>
+            <a:r>
+              <a:rPr lang="en-US" sz="2000" dirty="0" smtClean="0">
+                <a:latin typeface="Book Antiqua" pitchFamily="18" charset="0"/>
+              </a:rPr>
+              <a:t>Square </a:t>
+            </a:r>
+            <a:r>
+              <a:rPr lang="en-US" sz="2000" dirty="0">
+                <a:latin typeface="Book Antiqua" pitchFamily="18" charset="0"/>
+              </a:rPr>
+              <a:t>extends </a:t>
+            </a:r>
+            <a:r>
+              <a:rPr lang="en-US" sz="2000" dirty="0" err="1" smtClean="0">
+                <a:latin typeface="Book Antiqua" pitchFamily="18" charset="0"/>
+              </a:rPr>
+              <a:t>VectorFigure</a:t>
+            </a:r>
+            <a:r>
+              <a:rPr lang="en-US" sz="2000" dirty="0" smtClean="0">
+                <a:latin typeface="Book Antiqua" pitchFamily="18" charset="0"/>
+              </a:rPr>
+              <a:t> {}</a:t>
+            </a:r>
+            <a:endParaRPr lang="en-US" sz="2000" dirty="0">
+              <a:latin typeface="Book Antiqua" pitchFamily="18" charset="0"/>
+            </a:endParaRPr>
+          </a:p>
+          <a:p>
+            <a:pPr>
+              <a:lnSpc>
+                <a:spcPct val="90000"/>
+              </a:lnSpc>
+            </a:pPr>
+            <a:endParaRPr lang="en-US" sz="2000" dirty="0" smtClean="0">
+              <a:latin typeface="Book Antiqua" pitchFamily="18" charset="0"/>
+            </a:endParaRPr>
+          </a:p>
+          <a:p>
+            <a:pPr>
+              <a:lnSpc>
+                <a:spcPct val="90000"/>
+              </a:lnSpc>
+            </a:pPr>
+            <a:r>
+              <a:rPr lang="en-US" sz="2000" dirty="0">
+                <a:latin typeface="Book Antiqua" pitchFamily="18" charset="0"/>
+              </a:rPr>
+              <a:t>c</a:t>
+            </a:r>
+            <a:r>
+              <a:rPr lang="en-US" sz="2000" dirty="0" smtClean="0">
+                <a:latin typeface="Book Antiqua" pitchFamily="18" charset="0"/>
+              </a:rPr>
+              <a:t>lass </a:t>
+            </a:r>
+            <a:r>
+              <a:rPr lang="en-US" sz="2000" dirty="0" err="1" smtClean="0">
+                <a:latin typeface="Book Antiqua" pitchFamily="18" charset="0"/>
+              </a:rPr>
+              <a:t>Util</a:t>
+            </a:r>
+            <a:r>
+              <a:rPr lang="en-US" sz="2000" dirty="0" smtClean="0">
+                <a:latin typeface="Book Antiqua" pitchFamily="18" charset="0"/>
+              </a:rPr>
+              <a:t> {  </a:t>
+            </a:r>
+          </a:p>
+          <a:p>
+            <a:pPr>
+              <a:lnSpc>
+                <a:spcPct val="90000"/>
+              </a:lnSpc>
+            </a:pPr>
+            <a:r>
+              <a:rPr lang="en-US" sz="2000" dirty="0">
+                <a:latin typeface="Book Antiqua" pitchFamily="18" charset="0"/>
+              </a:rPr>
+              <a:t> </a:t>
+            </a:r>
+            <a:r>
+              <a:rPr lang="en-US" sz="2000" dirty="0" smtClean="0">
+                <a:latin typeface="Book Antiqua" pitchFamily="18" charset="0"/>
+              </a:rPr>
+              <a:t> void draw(Figure fig) {…}</a:t>
+            </a:r>
+            <a:endParaRPr lang="en-US" sz="2000" dirty="0">
+              <a:latin typeface="Book Antiqua" pitchFamily="18" charset="0"/>
+            </a:endParaRPr>
+          </a:p>
+          <a:p>
+            <a:pPr>
+              <a:lnSpc>
+                <a:spcPct val="90000"/>
+              </a:lnSpc>
+            </a:pPr>
+            <a:r>
+              <a:rPr lang="en-US" sz="2000" dirty="0" smtClean="0">
+                <a:latin typeface="Book Antiqua" pitchFamily="18" charset="0"/>
+              </a:rPr>
+              <a:t>}</a:t>
+            </a:r>
+          </a:p>
+          <a:p>
+            <a:pPr>
+              <a:lnSpc>
+                <a:spcPct val="90000"/>
+              </a:lnSpc>
+            </a:pPr>
+            <a:endParaRPr lang="en-US" sz="2000" dirty="0" smtClean="0">
+              <a:latin typeface="Book Antiqua" pitchFamily="18" charset="0"/>
+            </a:endParaRPr>
+          </a:p>
+          <a:p>
+            <a:pPr>
+              <a:lnSpc>
+                <a:spcPct val="90000"/>
+              </a:lnSpc>
+            </a:pPr>
+            <a:r>
+              <a:rPr lang="en-US" sz="2000" dirty="0" smtClean="0">
+                <a:latin typeface="Book Antiqua" pitchFamily="18" charset="0"/>
+              </a:rPr>
+              <a:t>void </a:t>
+            </a:r>
+            <a:r>
+              <a:rPr lang="en-US" sz="2000" dirty="0">
+                <a:latin typeface="Book Antiqua" pitchFamily="18" charset="0"/>
+              </a:rPr>
+              <a:t>main() {</a:t>
+            </a:r>
+          </a:p>
+          <a:p>
+            <a:pPr>
+              <a:lnSpc>
+                <a:spcPct val="90000"/>
+              </a:lnSpc>
+            </a:pPr>
+            <a:r>
+              <a:rPr lang="en-US" sz="2000" dirty="0">
+                <a:latin typeface="Book Antiqua" pitchFamily="18" charset="0"/>
+              </a:rPr>
+              <a:t>  Figure fig = new Circle(...);</a:t>
+            </a:r>
+          </a:p>
+          <a:p>
+            <a:pPr>
+              <a:lnSpc>
+                <a:spcPct val="90000"/>
+              </a:lnSpc>
+            </a:pPr>
+            <a:r>
+              <a:rPr lang="en-US" sz="2000" dirty="0">
+                <a:latin typeface="Book Antiqua" pitchFamily="18" charset="0"/>
+              </a:rPr>
+              <a:t>  </a:t>
+            </a:r>
+            <a:r>
+              <a:rPr lang="en-US" sz="2000" b="1" dirty="0" err="1">
+                <a:latin typeface="Book Antiqua" pitchFamily="18" charset="0"/>
+              </a:rPr>
+              <a:t>Util.draw</a:t>
+            </a:r>
+            <a:r>
+              <a:rPr lang="en-US" sz="2000" b="1" dirty="0">
+                <a:latin typeface="Book Antiqua" pitchFamily="18" charset="0"/>
+              </a:rPr>
+              <a:t>(fig</a:t>
+            </a:r>
+            <a:r>
+              <a:rPr lang="en-US" sz="2000" dirty="0">
+                <a:latin typeface="Book Antiqua" pitchFamily="18" charset="0"/>
+              </a:rPr>
+              <a:t>);</a:t>
+            </a:r>
+          </a:p>
+          <a:p>
+            <a:pPr>
+              <a:lnSpc>
+                <a:spcPct val="90000"/>
+              </a:lnSpc>
+            </a:pPr>
+            <a:r>
+              <a:rPr lang="en-US" sz="2000" dirty="0">
+                <a:latin typeface="Book Antiqua" pitchFamily="18" charset="0"/>
+              </a:rPr>
+              <a:t>  fig = new Square(...);</a:t>
+            </a:r>
+          </a:p>
+          <a:p>
+            <a:pPr>
+              <a:lnSpc>
+                <a:spcPct val="90000"/>
+              </a:lnSpc>
+            </a:pPr>
+            <a:r>
+              <a:rPr lang="en-US" sz="2000" b="1" dirty="0">
+                <a:latin typeface="Book Antiqua" pitchFamily="18" charset="0"/>
+              </a:rPr>
+              <a:t>  </a:t>
+            </a:r>
+            <a:r>
+              <a:rPr lang="en-US" sz="2000" b="1" dirty="0" err="1">
+                <a:latin typeface="Book Antiqua" pitchFamily="18" charset="0"/>
+              </a:rPr>
+              <a:t>Util.draw</a:t>
+            </a:r>
+            <a:r>
+              <a:rPr lang="en-US" sz="2000" b="1" dirty="0">
+                <a:latin typeface="Book Antiqua" pitchFamily="18" charset="0"/>
+              </a:rPr>
+              <a:t>(fig);</a:t>
+            </a:r>
+          </a:p>
+          <a:p>
+            <a:pPr>
+              <a:lnSpc>
+                <a:spcPct val="90000"/>
+              </a:lnSpc>
+            </a:pPr>
+            <a:r>
+              <a:rPr lang="en-US" sz="2000" dirty="0" smtClean="0">
+                <a:latin typeface="Book Antiqua" pitchFamily="18" charset="0"/>
+              </a:rPr>
+              <a:t>}</a:t>
+            </a:r>
+            <a:endParaRPr lang="en-US" sz="2000" dirty="0">
+              <a:latin typeface="Book Antiqua" pitchFamily="18" charset="0"/>
+            </a:endParaRPr>
+          </a:p>
+        </p:txBody>
+      </p:sp>
+      <p:sp>
+        <p:nvSpPr>
+          <p:cNvPr id="8" name="Rectangular Callout 4"/>
           <p:cNvSpPr/>
           <p:nvPr/>
         </p:nvSpPr>
         <p:spPr>
           <a:xfrm>
-            <a:off x="2071670" y="5000636"/>
-            <a:ext cx="5017668" cy="584775"/>
+            <a:off x="5940152" y="3273863"/>
+            <a:ext cx="2843808" cy="1368152"/>
           </a:xfrm>
-          <a:prstGeom prst="rect">
-            <a:avLst/>
+          <a:prstGeom prst="wedgeRectCallout">
+            <a:avLst>
+              <a:gd name="adj1" fmla="val -100394"/>
+              <a:gd name="adj2" fmla="val 4253"/>
+            </a:avLst>
           </a:prstGeom>
+          <a:ln>
+            <a:solidFill>
+              <a:schemeClr val="tx1"/>
+            </a:solidFill>
+          </a:ln>
         </p:spPr>
         <p:style>
           <a:lnRef idx="2">
-            <a:schemeClr val="dk1"/>
+            <a:schemeClr val="accent6"/>
           </a:lnRef>
           <a:fillRef idx="1">
             <a:schemeClr val="lt1"/>
           </a:fillRef>
           <a:effectRef idx="0">
-            <a:schemeClr val="dk1"/>
+            <a:schemeClr val="accent6"/>
           </a:effectRef>
           <a:fontRef idx="minor">
             <a:schemeClr val="dk1"/>
           </a:fontRef>
         </p:style>
         <p:txBody>
-          <a:bodyPr wrap="square">
-            <a:spAutoFit/>
-          </a:bodyPr>
-          <a:lstStyle/>
-          <a:p>
+          <a:bodyPr rtlCol="0" anchor="ctr"/>
+          <a:lstStyle/>
+          <a:p>
+            <a:pPr algn="ctr"/>
             <a:r>
               <a:rPr lang="pt-BR" sz="3200" dirty="0" smtClean="0"/>
-              <a:t>OO dá suporte com </a:t>
-            </a:r>
-            <a:r>
-              <a:rPr lang="pt-BR" sz="3200" dirty="0" err="1" smtClean="0"/>
-              <a:t>generics</a:t>
-            </a:r>
-            <a:r>
-              <a:rPr lang="pt-BR" sz="3200" dirty="0" smtClean="0"/>
-              <a:t>.</a:t>
-            </a:r>
+              <a:t>Aceita qualquer tipo de figura!</a:t>
+            </a:r>
+            <a:endParaRPr lang="pt-BR" sz="3200" dirty="0"/>
           </a:p>
         </p:txBody>
       </p:sp>
     </p:spTree>
     <p:extLst>
       <p:ext uri="{BB962C8B-B14F-4D97-AF65-F5344CB8AC3E}">
-        <p14:creationId xmlns:p14="http://schemas.microsoft.com/office/powerpoint/2010/main" val="111897546"/>
+        <p14:creationId xmlns:p14="http://schemas.microsoft.com/office/powerpoint/2010/main" val="2170485069"/>
       </p:ext>
     </p:extLst>
   </p:cSld>
@@ -11630,7 +11518,11 @@
           <a:p>
             <a:r>
               <a:rPr lang="pt-BR" dirty="0" smtClean="0"/>
-              <a:t>Exemplo negativo em Pascal</a:t>
+              <a:t>Polimorfismo </a:t>
+            </a:r>
+            <a:r>
+              <a:rPr lang="pt-BR" dirty="0" smtClean="0"/>
+              <a:t>Paramétrico</a:t>
             </a:r>
             <a:endParaRPr lang="pt-BR" dirty="0"/>
           </a:p>
@@ -11638,58 +11530,48 @@
       </p:sp>
       <p:sp>
         <p:nvSpPr>
-          <p:cNvPr id="4" name="Rectangle 3"/>
-          <p:cNvSpPr txBox="1">
-            <a:spLocks noChangeArrowheads="1"/>
+          <p:cNvPr id="3" name="Content Placeholder 2"/>
+          <p:cNvSpPr>
+            <a:spLocks noGrp="1"/>
           </p:cNvSpPr>
-          <p:nvPr/>
+          <p:nvPr>
+            <p:ph idx="1"/>
+          </p:nvPr>
         </p:nvSpPr>
         <p:spPr>
           <a:xfrm>
-            <a:off x="2786050" y="285728"/>
-            <a:ext cx="7772400" cy="4114800"/>
+            <a:off x="457200" y="1600201"/>
+            <a:ext cx="8229600" cy="2543180"/>
           </a:xfrm>
-          <a:prstGeom prst="rect">
-            <a:avLst/>
-          </a:prstGeom>
         </p:spPr>
         <p:txBody>
-          <a:bodyPr vert="horz" lIns="91440" tIns="45720" rIns="91440" bIns="45720" rtlCol="0">
-            <a:normAutofit/>
-          </a:bodyPr>
-          <a:lstStyle/>
-          <a:p>
-            <a:pPr marL="609600" marR="0" lvl="0" indent="-609600" algn="l" defTabSz="914400" rtl="0" eaLnBrk="1" fontAlgn="auto" latinLnBrk="0" hangingPunct="1">
-              <a:lnSpc>
-                <a:spcPct val="90000"/>
-              </a:lnSpc>
-              <a:spcBef>
-                <a:spcPct val="20000"/>
-              </a:spcBef>
-              <a:spcAft>
-                <a:spcPts val="0"/>
-              </a:spcAft>
-              <a:buClrTx/>
-              <a:buSzTx/>
+          <a:bodyPr/>
+          <a:lstStyle/>
+          <a:p>
+            <a:r>
+              <a:rPr lang="pt-BR" dirty="0" smtClean="0"/>
+              <a:t>Facilita definição de funções que manipulam objetos com estruturas diferentes</a:t>
+            </a:r>
+          </a:p>
+          <a:p>
+            <a:pPr marL="342900" lvl="1" indent="-342900">
               <a:buFont typeface="Arial" pitchFamily="34" charset="0"/>
               <a:buChar char="•"/>
-              <a:tabLst/>
-              <a:defRPr/>
             </a:pPr>
-            <a:endParaRPr kumimoji="0" lang="en-US" sz="2600" b="0" i="0" u="none" strike="noStrike" kern="1200" cap="none" spc="0" normalizeH="0" baseline="0" noProof="0" dirty="0" smtClean="0">
-              <a:ln>
-                <a:noFill/>
-              </a:ln>
-              <a:solidFill>
-                <a:schemeClr val="tx1"/>
-              </a:solidFill>
-              <a:effectLst/>
-              <a:uLnTx/>
-              <a:uFillTx/>
-              <a:latin typeface="+mn-lt"/>
-              <a:ea typeface="+mn-ea"/>
-              <a:cs typeface="+mn-cs"/>
-            </a:endParaRPr>
+            <a:r>
+              <a:rPr lang="pt-BR" sz="3200" dirty="0" smtClean="0"/>
+              <a:t>E.g. definição da função </a:t>
+            </a:r>
+            <a:r>
+              <a:rPr lang="pt-BR" sz="3200" dirty="0" err="1" smtClean="0">
+                <a:latin typeface="Book Antiqua" pitchFamily="18" charset="0"/>
+              </a:rPr>
+              <a:t>length</a:t>
+            </a:r>
+            <a:r>
+              <a:rPr lang="pt-BR" sz="3200" dirty="0" smtClean="0"/>
+              <a:t> para listas</a:t>
+            </a:r>
           </a:p>
         </p:txBody>
       </p:sp>
@@ -11701,8 +11583,8 @@
         </p:nvSpPr>
         <p:spPr>
           <a:xfrm>
-            <a:off x="857224" y="1540605"/>
-            <a:ext cx="7500990" cy="4745915"/>
+            <a:off x="785786" y="3643314"/>
+            <a:ext cx="7429552" cy="1077218"/>
           </a:xfrm>
           <a:prstGeom prst="rect">
             <a:avLst/>
@@ -11728,396 +11610,59 @@
           </a:bodyPr>
           <a:lstStyle/>
           <a:p>
-            <a:pPr lvl="0" indent="-609600">
-              <a:lnSpc>
-                <a:spcPct val="90000"/>
-              </a:lnSpc>
-              <a:defRPr/>
-            </a:pPr>
-            <a:r>
-              <a:rPr lang="en-US" sz="2800" dirty="0" smtClean="0">
-                <a:solidFill>
-                  <a:schemeClr val="tx1"/>
-                </a:solidFill>
-                <a:latin typeface="Book Antiqua" pitchFamily="18" charset="0"/>
-              </a:rPr>
-              <a:t>type link = ^cell;</a:t>
-            </a:r>
-            <a:br>
-              <a:rPr lang="en-US" sz="2800" dirty="0" smtClean="0">
-                <a:solidFill>
-                  <a:schemeClr val="tx1"/>
-                </a:solidFill>
-                <a:latin typeface="Book Antiqua" pitchFamily="18" charset="0"/>
-              </a:rPr>
-            </a:br>
-            <a:r>
-              <a:rPr lang="en-US" sz="2800" dirty="0" smtClean="0">
-                <a:solidFill>
-                  <a:schemeClr val="tx1"/>
-                </a:solidFill>
-                <a:latin typeface="Book Antiqua" pitchFamily="18" charset="0"/>
-              </a:rPr>
-              <a:t>         cell = record info: </a:t>
-            </a:r>
-            <a:r>
-              <a:rPr lang="en-US" sz="2800" dirty="0" smtClean="0">
-                <a:solidFill>
-                  <a:srgbClr val="FF0000"/>
-                </a:solidFill>
-                <a:latin typeface="Book Antiqua" pitchFamily="18" charset="0"/>
-              </a:rPr>
-              <a:t>integer</a:t>
-            </a:r>
-            <a:r>
-              <a:rPr lang="en-US" sz="2800" dirty="0" smtClean="0">
-                <a:solidFill>
-                  <a:schemeClr val="tx1"/>
-                </a:solidFill>
-                <a:latin typeface="Book Antiqua" pitchFamily="18" charset="0"/>
-              </a:rPr>
-              <a:t>; next: link; end;</a:t>
-            </a:r>
-            <a:br>
-              <a:rPr lang="en-US" sz="2800" dirty="0" smtClean="0">
-                <a:solidFill>
-                  <a:schemeClr val="tx1"/>
-                </a:solidFill>
-                <a:latin typeface="Book Antiqua" pitchFamily="18" charset="0"/>
-              </a:rPr>
-            </a:br>
-            <a:r>
-              <a:rPr lang="en-US" sz="2800" dirty="0" smtClean="0">
-                <a:solidFill>
-                  <a:schemeClr val="tx1"/>
-                </a:solidFill>
-                <a:latin typeface="Book Antiqua" pitchFamily="18" charset="0"/>
-              </a:rPr>
-              <a:t>function length (</a:t>
-            </a:r>
-            <a:r>
-              <a:rPr lang="en-US" sz="2800" dirty="0" err="1" smtClean="0">
-                <a:solidFill>
-                  <a:schemeClr val="tx1"/>
-                </a:solidFill>
-                <a:latin typeface="Book Antiqua" pitchFamily="18" charset="0"/>
-              </a:rPr>
-              <a:t>lptr</a:t>
-            </a:r>
-            <a:r>
-              <a:rPr lang="en-US" sz="2800" dirty="0" smtClean="0">
-                <a:solidFill>
-                  <a:schemeClr val="tx1"/>
-                </a:solidFill>
-                <a:latin typeface="Book Antiqua" pitchFamily="18" charset="0"/>
-              </a:rPr>
-              <a:t> : link) : integer;</a:t>
-            </a:r>
-            <a:br>
-              <a:rPr lang="en-US" sz="2800" dirty="0" smtClean="0">
-                <a:solidFill>
-                  <a:schemeClr val="tx1"/>
-                </a:solidFill>
-                <a:latin typeface="Book Antiqua" pitchFamily="18" charset="0"/>
-              </a:rPr>
-            </a:br>
-            <a:r>
-              <a:rPr lang="en-US" sz="2800" dirty="0" err="1" smtClean="0">
-                <a:solidFill>
-                  <a:schemeClr val="tx1"/>
-                </a:solidFill>
-                <a:latin typeface="Book Antiqua" pitchFamily="18" charset="0"/>
-              </a:rPr>
-              <a:t>var</a:t>
-            </a:r>
-            <a:r>
-              <a:rPr lang="en-US" sz="2800" dirty="0" smtClean="0">
-                <a:solidFill>
-                  <a:schemeClr val="tx1"/>
-                </a:solidFill>
-                <a:latin typeface="Book Antiqua" pitchFamily="18" charset="0"/>
-              </a:rPr>
-              <a:t> </a:t>
-            </a:r>
-            <a:r>
-              <a:rPr lang="en-US" sz="2800" dirty="0" err="1" smtClean="0">
-                <a:solidFill>
-                  <a:schemeClr val="tx1"/>
-                </a:solidFill>
-                <a:latin typeface="Book Antiqua" pitchFamily="18" charset="0"/>
-              </a:rPr>
-              <a:t>len</a:t>
-            </a:r>
-            <a:r>
-              <a:rPr lang="en-US" sz="2800" dirty="0" smtClean="0">
-                <a:solidFill>
-                  <a:schemeClr val="tx1"/>
-                </a:solidFill>
-                <a:latin typeface="Book Antiqua" pitchFamily="18" charset="0"/>
-              </a:rPr>
-              <a:t> : integer;</a:t>
-            </a:r>
-            <a:br>
-              <a:rPr lang="en-US" sz="2800" dirty="0" smtClean="0">
-                <a:solidFill>
-                  <a:schemeClr val="tx1"/>
-                </a:solidFill>
-                <a:latin typeface="Book Antiqua" pitchFamily="18" charset="0"/>
-              </a:rPr>
-            </a:br>
-            <a:r>
-              <a:rPr lang="en-US" sz="2800" dirty="0" smtClean="0">
-                <a:solidFill>
-                  <a:schemeClr val="tx1"/>
-                </a:solidFill>
-                <a:latin typeface="Book Antiqua" pitchFamily="18" charset="0"/>
-              </a:rPr>
-              <a:t>begin </a:t>
-            </a:r>
-            <a:r>
-              <a:rPr lang="en-US" sz="2800" dirty="0" err="1" smtClean="0">
-                <a:solidFill>
-                  <a:schemeClr val="tx1"/>
-                </a:solidFill>
-                <a:latin typeface="Book Antiqua" pitchFamily="18" charset="0"/>
-              </a:rPr>
-              <a:t>len</a:t>
-            </a:r>
-            <a:r>
-              <a:rPr lang="en-US" sz="2800" dirty="0" smtClean="0">
-                <a:solidFill>
-                  <a:schemeClr val="tx1"/>
-                </a:solidFill>
-                <a:latin typeface="Book Antiqua" pitchFamily="18" charset="0"/>
-              </a:rPr>
-              <a:t> = 0;</a:t>
-            </a:r>
-            <a:br>
-              <a:rPr lang="en-US" sz="2800" dirty="0" smtClean="0">
-                <a:solidFill>
-                  <a:schemeClr val="tx1"/>
-                </a:solidFill>
-                <a:latin typeface="Book Antiqua" pitchFamily="18" charset="0"/>
-              </a:rPr>
-            </a:br>
-            <a:r>
-              <a:rPr lang="en-US" sz="2800" dirty="0" smtClean="0">
-                <a:solidFill>
-                  <a:schemeClr val="tx1"/>
-                </a:solidFill>
-                <a:latin typeface="Book Antiqua" pitchFamily="18" charset="0"/>
-              </a:rPr>
-              <a:t>          while (</a:t>
-            </a:r>
-            <a:r>
-              <a:rPr lang="en-US" sz="2800" dirty="0" err="1" smtClean="0">
-                <a:solidFill>
-                  <a:schemeClr val="tx1"/>
-                </a:solidFill>
-                <a:latin typeface="Book Antiqua" pitchFamily="18" charset="0"/>
-              </a:rPr>
-              <a:t>lptr</a:t>
-            </a:r>
-            <a:r>
-              <a:rPr lang="en-US" sz="2800" dirty="0" smtClean="0">
-                <a:solidFill>
-                  <a:schemeClr val="tx1"/>
-                </a:solidFill>
-                <a:latin typeface="Book Antiqua" pitchFamily="18" charset="0"/>
-              </a:rPr>
-              <a:t> &lt;&gt; nil) do </a:t>
-            </a:r>
-          </a:p>
-          <a:p>
-            <a:pPr lvl="0" indent="-609600">
-              <a:lnSpc>
-                <a:spcPct val="90000"/>
-              </a:lnSpc>
-              <a:defRPr/>
-            </a:pPr>
-            <a:r>
-              <a:rPr lang="en-US" sz="2800" dirty="0" smtClean="0">
-                <a:solidFill>
-                  <a:schemeClr val="tx1"/>
-                </a:solidFill>
-                <a:latin typeface="Book Antiqua" pitchFamily="18" charset="0"/>
-              </a:rPr>
-              <a:t>          begin</a:t>
-            </a:r>
-            <a:br>
-              <a:rPr lang="en-US" sz="2800" dirty="0" smtClean="0">
-                <a:solidFill>
-                  <a:schemeClr val="tx1"/>
-                </a:solidFill>
-                <a:latin typeface="Book Antiqua" pitchFamily="18" charset="0"/>
-              </a:rPr>
-            </a:br>
-            <a:r>
-              <a:rPr lang="en-US" sz="2800" dirty="0" smtClean="0">
-                <a:solidFill>
-                  <a:schemeClr val="tx1"/>
-                </a:solidFill>
-                <a:latin typeface="Book Antiqua" pitchFamily="18" charset="0"/>
-              </a:rPr>
-              <a:t>             </a:t>
-            </a:r>
-            <a:r>
-              <a:rPr lang="en-US" sz="2800" dirty="0" err="1" smtClean="0">
-                <a:solidFill>
-                  <a:schemeClr val="tx1"/>
-                </a:solidFill>
-                <a:latin typeface="Book Antiqua" pitchFamily="18" charset="0"/>
-              </a:rPr>
-              <a:t>len</a:t>
-            </a:r>
-            <a:r>
-              <a:rPr lang="en-US" sz="2800" dirty="0" smtClean="0">
-                <a:solidFill>
-                  <a:schemeClr val="tx1"/>
-                </a:solidFill>
-                <a:latin typeface="Book Antiqua" pitchFamily="18" charset="0"/>
-              </a:rPr>
-              <a:t> := </a:t>
-            </a:r>
-            <a:r>
-              <a:rPr lang="en-US" sz="2800" dirty="0" err="1" smtClean="0">
-                <a:solidFill>
-                  <a:schemeClr val="tx1"/>
-                </a:solidFill>
-                <a:latin typeface="Book Antiqua" pitchFamily="18" charset="0"/>
-              </a:rPr>
-              <a:t>len</a:t>
-            </a:r>
-            <a:r>
-              <a:rPr lang="en-US" sz="2800" dirty="0" smtClean="0">
-                <a:solidFill>
-                  <a:schemeClr val="tx1"/>
-                </a:solidFill>
-                <a:latin typeface="Book Antiqua" pitchFamily="18" charset="0"/>
-              </a:rPr>
-              <a:t> + 1;</a:t>
-            </a:r>
-            <a:br>
-              <a:rPr lang="en-US" sz="2800" dirty="0" smtClean="0">
-                <a:solidFill>
-                  <a:schemeClr val="tx1"/>
-                </a:solidFill>
-                <a:latin typeface="Book Antiqua" pitchFamily="18" charset="0"/>
-              </a:rPr>
-            </a:br>
-            <a:r>
-              <a:rPr lang="en-US" sz="2800" dirty="0" smtClean="0">
-                <a:solidFill>
-                  <a:schemeClr val="tx1"/>
-                </a:solidFill>
-                <a:latin typeface="Book Antiqua" pitchFamily="18" charset="0"/>
-              </a:rPr>
-              <a:t>             </a:t>
-            </a:r>
-            <a:r>
-              <a:rPr lang="en-US" sz="2800" dirty="0" err="1" smtClean="0">
-                <a:solidFill>
-                  <a:schemeClr val="tx1"/>
-                </a:solidFill>
-                <a:latin typeface="Book Antiqua" pitchFamily="18" charset="0"/>
-              </a:rPr>
-              <a:t>lptr</a:t>
-            </a:r>
-            <a:r>
-              <a:rPr lang="en-US" sz="2800" dirty="0" smtClean="0">
-                <a:solidFill>
-                  <a:schemeClr val="tx1"/>
-                </a:solidFill>
-                <a:latin typeface="Book Antiqua" pitchFamily="18" charset="0"/>
-              </a:rPr>
-              <a:t> := </a:t>
-            </a:r>
-            <a:r>
-              <a:rPr lang="en-US" sz="2800" dirty="0" err="1" smtClean="0">
-                <a:solidFill>
-                  <a:schemeClr val="tx1"/>
-                </a:solidFill>
-                <a:latin typeface="Book Antiqua" pitchFamily="18" charset="0"/>
-              </a:rPr>
-              <a:t>lptr^.next</a:t>
-            </a:r>
-            <a:r>
-              <a:rPr lang="en-US" sz="2800" dirty="0" smtClean="0">
-                <a:solidFill>
-                  <a:schemeClr val="tx1"/>
-                </a:solidFill>
-                <a:latin typeface="Book Antiqua" pitchFamily="18" charset="0"/>
-              </a:rPr>
-              <a:t>;</a:t>
-            </a:r>
-            <a:br>
-              <a:rPr lang="en-US" sz="2800" dirty="0" smtClean="0">
-                <a:solidFill>
-                  <a:schemeClr val="tx1"/>
-                </a:solidFill>
-                <a:latin typeface="Book Antiqua" pitchFamily="18" charset="0"/>
-              </a:rPr>
-            </a:br>
-            <a:r>
-              <a:rPr lang="en-US" sz="2800" dirty="0" smtClean="0">
-                <a:solidFill>
-                  <a:schemeClr val="tx1"/>
-                </a:solidFill>
-                <a:latin typeface="Book Antiqua" pitchFamily="18" charset="0"/>
-              </a:rPr>
-              <a:t>          end;</a:t>
-            </a:r>
-            <a:br>
-              <a:rPr lang="en-US" sz="2800" dirty="0" smtClean="0">
-                <a:solidFill>
-                  <a:schemeClr val="tx1"/>
-                </a:solidFill>
-                <a:latin typeface="Book Antiqua" pitchFamily="18" charset="0"/>
-              </a:rPr>
-            </a:br>
-            <a:r>
-              <a:rPr lang="en-US" sz="2800" dirty="0" smtClean="0">
-                <a:solidFill>
-                  <a:schemeClr val="tx1"/>
-                </a:solidFill>
-                <a:latin typeface="Book Antiqua" pitchFamily="18" charset="0"/>
-              </a:rPr>
-              <a:t>          length := </a:t>
-            </a:r>
-            <a:r>
-              <a:rPr lang="en-US" sz="2800" dirty="0" err="1" smtClean="0">
-                <a:solidFill>
-                  <a:schemeClr val="tx1"/>
-                </a:solidFill>
-                <a:latin typeface="Book Antiqua" pitchFamily="18" charset="0"/>
-              </a:rPr>
-              <a:t>len</a:t>
-            </a:r>
-            <a:r>
-              <a:rPr lang="en-US" sz="2800" dirty="0" smtClean="0">
-                <a:solidFill>
-                  <a:schemeClr val="tx1"/>
-                </a:solidFill>
-                <a:latin typeface="Book Antiqua" pitchFamily="18" charset="0"/>
-              </a:rPr>
-              <a:t>;</a:t>
-            </a:r>
-            <a:br>
-              <a:rPr lang="en-US" sz="2800" dirty="0" smtClean="0">
-                <a:solidFill>
-                  <a:schemeClr val="tx1"/>
-                </a:solidFill>
-                <a:latin typeface="Book Antiqua" pitchFamily="18" charset="0"/>
-              </a:rPr>
-            </a:br>
-            <a:r>
-              <a:rPr lang="en-US" sz="2800" dirty="0" smtClean="0">
-                <a:solidFill>
-                  <a:schemeClr val="tx1"/>
-                </a:solidFill>
-                <a:latin typeface="Book Antiqua" pitchFamily="18" charset="0"/>
-              </a:rPr>
-              <a:t>end;</a:t>
+            <a:r>
+              <a:rPr lang="pt-BR" sz="3200" dirty="0" smtClean="0"/>
+              <a:t>Está para linguagens funcionais assim como polimorfismo de subtipo está para OO.  </a:t>
+            </a:r>
+          </a:p>
+        </p:txBody>
+      </p:sp>
+      <p:sp>
+        <p:nvSpPr>
+          <p:cNvPr id="6" name="Rectangle 5"/>
+          <p:cNvSpPr/>
+          <p:nvPr/>
+        </p:nvSpPr>
+        <p:spPr>
+          <a:xfrm>
+            <a:off x="2071670" y="5000636"/>
+            <a:ext cx="5017668" cy="584775"/>
+          </a:xfrm>
+          <a:prstGeom prst="rect">
+            <a:avLst/>
+          </a:prstGeom>
+        </p:spPr>
+        <p:style>
+          <a:lnRef idx="2">
+            <a:schemeClr val="dk1"/>
+          </a:lnRef>
+          <a:fillRef idx="1">
+            <a:schemeClr val="lt1"/>
+          </a:fillRef>
+          <a:effectRef idx="0">
+            <a:schemeClr val="dk1"/>
+          </a:effectRef>
+          <a:fontRef idx="minor">
+            <a:schemeClr val="dk1"/>
+          </a:fontRef>
+        </p:style>
+        <p:txBody>
+          <a:bodyPr wrap="square">
+            <a:spAutoFit/>
+          </a:bodyPr>
+          <a:lstStyle/>
+          <a:p>
+            <a:r>
+              <a:rPr lang="pt-BR" sz="3200" dirty="0" smtClean="0"/>
+              <a:t>OO dá suporte com </a:t>
+            </a:r>
+            <a:r>
+              <a:rPr lang="pt-BR" sz="3200" dirty="0" err="1" smtClean="0"/>
+              <a:t>generics</a:t>
+            </a:r>
+            <a:r>
+              <a:rPr lang="pt-BR" sz="3200" dirty="0" smtClean="0"/>
+              <a:t>.</a:t>
             </a:r>
           </a:p>
         </p:txBody>
@@ -12125,7 +11670,7 @@
     </p:spTree>
     <p:extLst>
       <p:ext uri="{BB962C8B-B14F-4D97-AF65-F5344CB8AC3E}">
-        <p14:creationId xmlns:p14="http://schemas.microsoft.com/office/powerpoint/2010/main" val="1205659908"/>
+        <p14:creationId xmlns:p14="http://schemas.microsoft.com/office/powerpoint/2010/main" val="111897546"/>
       </p:ext>
     </p:extLst>
   </p:cSld>
@@ -12161,9 +11706,9 @@
       </p:grpSpPr>
       <p:sp>
         <p:nvSpPr>
-          <p:cNvPr id="22530" name="Rectangle 2"/>
+          <p:cNvPr id="2" name="Title 1"/>
           <p:cNvSpPr>
-            <a:spLocks noGrp="1" noChangeArrowheads="1"/>
+            <a:spLocks noGrp="1"/>
           </p:cNvSpPr>
           <p:nvPr>
             <p:ph type="title"/>
@@ -12174,16 +11719,68 @@
           <a:bodyPr/>
           <a:lstStyle/>
           <a:p>
-            <a:pPr eaLnBrk="1" hangingPunct="1"/>
             <a:r>
               <a:rPr lang="pt-BR" dirty="0" smtClean="0"/>
-              <a:t>Exemplo positivo em</a:t>
-            </a:r>
-            <a:r>
-              <a:rPr lang="en-US" dirty="0" smtClean="0"/>
-              <a:t> Haskell</a:t>
-            </a:r>
-            <a:endParaRPr lang="pt-BR" dirty="0" smtClean="0"/>
+              <a:t>Exemplo negativo em Pascal</a:t>
+            </a:r>
+            <a:endParaRPr lang="pt-BR" dirty="0"/>
+          </a:p>
+        </p:txBody>
+      </p:sp>
+      <p:sp>
+        <p:nvSpPr>
+          <p:cNvPr id="4" name="Rectangle 3"/>
+          <p:cNvSpPr txBox="1">
+            <a:spLocks noChangeArrowheads="1"/>
+          </p:cNvSpPr>
+          <p:nvPr/>
+        </p:nvSpPr>
+        <p:spPr>
+          <a:xfrm>
+            <a:off x="2786050" y="285728"/>
+            <a:ext cx="7772400" cy="4114800"/>
+          </a:xfrm>
+          <a:prstGeom prst="rect">
+            <a:avLst/>
+          </a:prstGeom>
+        </p:spPr>
+        <p:txBody>
+          <a:bodyPr vert="horz" lIns="91440" tIns="45720" rIns="91440" bIns="45720" rtlCol="0">
+            <a:normAutofit/>
+          </a:bodyPr>
+          <a:lstStyle/>
+          <a:p>
+            <a:pPr marL="609600" marR="0" lvl="0" indent="-609600" algn="l" defTabSz="914400" rtl="0" eaLnBrk="1" fontAlgn="auto" latinLnBrk="0" hangingPunct="1">
+              <a:lnSpc>
+                <a:spcPct val="90000"/>
+              </a:lnSpc>
+              <a:spcBef>
+                <a:spcPct val="20000"/>
+              </a:spcBef>
+              <a:spcAft>
+                <a:spcPts val="0"/>
+              </a:spcAft>
+              <a:buClrTx/>
+              <a:buSzTx/>
+              <a:buFont typeface="Arial" pitchFamily="34" charset="0"/>
+              <a:buChar char="•"/>
+              <a:tabLst/>
+              <a:defRPr/>
+            </a:pPr>
+            <a:endParaRPr kumimoji="0" lang="en-US" sz="2600" b="0" i="0" u="none" strike="noStrike" kern="1200" cap="none" spc="0" normalizeH="0" baseline="0" noProof="0" dirty="0" smtClean="0">
+              <a:ln>
+                <a:noFill/>
+              </a:ln>
+              <a:solidFill>
+                <a:schemeClr val="tx1"/>
+              </a:solidFill>
+              <a:effectLst/>
+              <a:uLnTx/>
+              <a:uFillTx/>
+              <a:latin typeface="+mn-lt"/>
+              <a:ea typeface="+mn-ea"/>
+              <a:cs typeface="+mn-cs"/>
+            </a:endParaRPr>
           </a:p>
         </p:txBody>
       </p:sp>
@@ -12195,8 +11792,8 @@
         </p:nvSpPr>
         <p:spPr>
           <a:xfrm>
-            <a:off x="1142976" y="4359670"/>
-            <a:ext cx="5214974" cy="1569660"/>
+            <a:off x="857224" y="1540605"/>
+            <a:ext cx="7500990" cy="4745915"/>
           </a:xfrm>
           <a:prstGeom prst="rect">
             <a:avLst/>
@@ -12222,118 +11819,404 @@
           </a:bodyPr>
           <a:lstStyle/>
           <a:p>
-            <a:pPr marL="609600" indent="-609600"/>
-            <a:r>
-              <a:rPr lang="en-US" sz="3200" dirty="0" smtClean="0">
-                <a:latin typeface="Book Antiqua" pitchFamily="18" charset="0"/>
-              </a:rPr>
-              <a:t>length :: [</a:t>
-            </a:r>
-            <a:r>
-              <a:rPr lang="en-US" sz="3200" b="1" dirty="0" smtClean="0">
+            <a:pPr lvl="0" indent="-609600">
+              <a:lnSpc>
+                <a:spcPct val="90000"/>
+              </a:lnSpc>
+              <a:defRPr/>
+            </a:pPr>
+            <a:r>
+              <a:rPr lang="en-US" sz="2800" dirty="0" smtClean="0">
                 <a:solidFill>
                   <a:schemeClr val="tx1"/>
                 </a:solidFill>
                 <a:latin typeface="Book Antiqua" pitchFamily="18" charset="0"/>
               </a:rPr>
-              <a:t>t</a:t>
-            </a:r>
-            <a:r>
-              <a:rPr lang="en-US" sz="3200" dirty="0" smtClean="0">
-                <a:latin typeface="Book Antiqua" pitchFamily="18" charset="0"/>
-              </a:rPr>
-              <a:t>] -&gt; </a:t>
-            </a:r>
-            <a:r>
-              <a:rPr lang="en-US" sz="3200" dirty="0" err="1" smtClean="0">
-                <a:latin typeface="Book Antiqua" pitchFamily="18" charset="0"/>
-              </a:rPr>
-              <a:t>Int</a:t>
-            </a:r>
-            <a:r>
-              <a:rPr lang="en-US" sz="3200" dirty="0" smtClean="0">
-                <a:latin typeface="Book Antiqua" pitchFamily="18" charset="0"/>
-              </a:rPr>
-              <a:t>;</a:t>
-            </a:r>
-          </a:p>
-          <a:p>
-            <a:pPr marL="609600" indent="-609600"/>
-            <a:r>
-              <a:rPr lang="en-US" sz="3200" dirty="0" smtClean="0">
-                <a:latin typeface="Book Antiqua" pitchFamily="18" charset="0"/>
-              </a:rPr>
-              <a:t>length [] = 0</a:t>
-            </a:r>
-          </a:p>
-          <a:p>
-            <a:pPr marL="609600" indent="-609600"/>
-            <a:r>
-              <a:rPr lang="en-US" sz="3200" dirty="0" smtClean="0">
-                <a:latin typeface="Book Antiqua" pitchFamily="18" charset="0"/>
-              </a:rPr>
-              <a:t>length (a:as) = 1 + length as</a:t>
-            </a:r>
-          </a:p>
-        </p:txBody>
-      </p:sp>
-      <p:sp>
-        <p:nvSpPr>
-          <p:cNvPr id="7" name="Rectangular Callout 6"/>
-          <p:cNvSpPr/>
-          <p:nvPr/>
-        </p:nvSpPr>
-        <p:spPr>
-          <a:xfrm>
-            <a:off x="3643306" y="1645026"/>
-            <a:ext cx="4214842" cy="2288030"/>
-          </a:xfrm>
-          <a:prstGeom prst="wedgeRectCallout">
-            <a:avLst>
-              <a:gd name="adj1" fmla="val -63587"/>
-              <a:gd name="adj2" fmla="val 61661"/>
-            </a:avLst>
-          </a:prstGeom>
-        </p:spPr>
-        <p:style>
-          <a:lnRef idx="2">
-            <a:schemeClr val="dk1"/>
-          </a:lnRef>
-          <a:fillRef idx="1">
-            <a:schemeClr val="lt1"/>
-          </a:fillRef>
-          <a:effectRef idx="0">
-            <a:schemeClr val="dk1"/>
-          </a:effectRef>
-          <a:fontRef idx="minor">
-            <a:schemeClr val="dk1"/>
-          </a:fontRef>
-        </p:style>
-        <p:txBody>
-          <a:bodyPr rtlCol="0" anchor="ctr"/>
-          <a:lstStyle/>
-          <a:p>
-            <a:pPr algn="ctr"/>
-            <a:r>
-              <a:rPr lang="pt-BR" sz="3200" dirty="0" smtClean="0">
+              <a:t>type link = ^cell;</a:t>
+            </a:r>
+            <a:br>
+              <a:rPr lang="en-US" sz="2800" dirty="0" smtClean="0">
                 <a:solidFill>
                   <a:schemeClr val="tx1"/>
                 </a:solidFill>
-              </a:rPr>
-              <a:t>t</a:t>
-            </a:r>
-            <a:r>
-              <a:rPr lang="pt-BR" sz="3200" dirty="0" smtClean="0"/>
-              <a:t> é uma variável de tipo.  Neste caso, qualquer lista é aceita como parâmetro.</a:t>
-            </a:r>
-            <a:endParaRPr lang="pt-BR" sz="3200" dirty="0"/>
+                <a:latin typeface="Book Antiqua" pitchFamily="18" charset="0"/>
+              </a:rPr>
+            </a:br>
+            <a:r>
+              <a:rPr lang="en-US" sz="2800" dirty="0" smtClean="0">
+                <a:solidFill>
+                  <a:schemeClr val="tx1"/>
+                </a:solidFill>
+                <a:latin typeface="Book Antiqua" pitchFamily="18" charset="0"/>
+              </a:rPr>
+              <a:t>         cell = record info: </a:t>
+            </a:r>
+            <a:r>
+              <a:rPr lang="en-US" sz="2800" dirty="0" smtClean="0">
+                <a:solidFill>
+                  <a:srgbClr val="FF0000"/>
+                </a:solidFill>
+                <a:latin typeface="Book Antiqua" pitchFamily="18" charset="0"/>
+              </a:rPr>
+              <a:t>integer</a:t>
+            </a:r>
+            <a:r>
+              <a:rPr lang="en-US" sz="2800" dirty="0" smtClean="0">
+                <a:solidFill>
+                  <a:schemeClr val="tx1"/>
+                </a:solidFill>
+                <a:latin typeface="Book Antiqua" pitchFamily="18" charset="0"/>
+              </a:rPr>
+              <a:t>; next: link; end;</a:t>
+            </a:r>
+            <a:br>
+              <a:rPr lang="en-US" sz="2800" dirty="0" smtClean="0">
+                <a:solidFill>
+                  <a:schemeClr val="tx1"/>
+                </a:solidFill>
+                <a:latin typeface="Book Antiqua" pitchFamily="18" charset="0"/>
+              </a:rPr>
+            </a:br>
+            <a:r>
+              <a:rPr lang="en-US" sz="2800" dirty="0" smtClean="0">
+                <a:solidFill>
+                  <a:schemeClr val="tx1"/>
+                </a:solidFill>
+                <a:latin typeface="Book Antiqua" pitchFamily="18" charset="0"/>
+              </a:rPr>
+              <a:t>function length (</a:t>
+            </a:r>
+            <a:r>
+              <a:rPr lang="en-US" sz="2800" dirty="0" err="1" smtClean="0">
+                <a:solidFill>
+                  <a:schemeClr val="tx1"/>
+                </a:solidFill>
+                <a:latin typeface="Book Antiqua" pitchFamily="18" charset="0"/>
+              </a:rPr>
+              <a:t>lptr</a:t>
+            </a:r>
+            <a:r>
+              <a:rPr lang="en-US" sz="2800" dirty="0" smtClean="0">
+                <a:solidFill>
+                  <a:schemeClr val="tx1"/>
+                </a:solidFill>
+                <a:latin typeface="Book Antiqua" pitchFamily="18" charset="0"/>
+              </a:rPr>
+              <a:t> : link) : integer;</a:t>
+            </a:r>
+            <a:br>
+              <a:rPr lang="en-US" sz="2800" dirty="0" smtClean="0">
+                <a:solidFill>
+                  <a:schemeClr val="tx1"/>
+                </a:solidFill>
+                <a:latin typeface="Book Antiqua" pitchFamily="18" charset="0"/>
+              </a:rPr>
+            </a:br>
+            <a:r>
+              <a:rPr lang="en-US" sz="2800" dirty="0" err="1" smtClean="0">
+                <a:solidFill>
+                  <a:schemeClr val="tx1"/>
+                </a:solidFill>
+                <a:latin typeface="Book Antiqua" pitchFamily="18" charset="0"/>
+              </a:rPr>
+              <a:t>var</a:t>
+            </a:r>
+            <a:r>
+              <a:rPr lang="en-US" sz="2800" dirty="0" smtClean="0">
+                <a:solidFill>
+                  <a:schemeClr val="tx1"/>
+                </a:solidFill>
+                <a:latin typeface="Book Antiqua" pitchFamily="18" charset="0"/>
+              </a:rPr>
+              <a:t> </a:t>
+            </a:r>
+            <a:r>
+              <a:rPr lang="en-US" sz="2800" dirty="0" err="1" smtClean="0">
+                <a:solidFill>
+                  <a:schemeClr val="tx1"/>
+                </a:solidFill>
+                <a:latin typeface="Book Antiqua" pitchFamily="18" charset="0"/>
+              </a:rPr>
+              <a:t>len</a:t>
+            </a:r>
+            <a:r>
+              <a:rPr lang="en-US" sz="2800" dirty="0" smtClean="0">
+                <a:solidFill>
+                  <a:schemeClr val="tx1"/>
+                </a:solidFill>
+                <a:latin typeface="Book Antiqua" pitchFamily="18" charset="0"/>
+              </a:rPr>
+              <a:t> : integer;</a:t>
+            </a:r>
+            <a:br>
+              <a:rPr lang="en-US" sz="2800" dirty="0" smtClean="0">
+                <a:solidFill>
+                  <a:schemeClr val="tx1"/>
+                </a:solidFill>
+                <a:latin typeface="Book Antiqua" pitchFamily="18" charset="0"/>
+              </a:rPr>
+            </a:br>
+            <a:r>
+              <a:rPr lang="en-US" sz="2800" dirty="0" smtClean="0">
+                <a:solidFill>
+                  <a:schemeClr val="tx1"/>
+                </a:solidFill>
+                <a:latin typeface="Book Antiqua" pitchFamily="18" charset="0"/>
+              </a:rPr>
+              <a:t>begin </a:t>
+            </a:r>
+            <a:r>
+              <a:rPr lang="en-US" sz="2800" dirty="0" err="1" smtClean="0">
+                <a:solidFill>
+                  <a:schemeClr val="tx1"/>
+                </a:solidFill>
+                <a:latin typeface="Book Antiqua" pitchFamily="18" charset="0"/>
+              </a:rPr>
+              <a:t>len</a:t>
+            </a:r>
+            <a:r>
+              <a:rPr lang="en-US" sz="2800" dirty="0" smtClean="0">
+                <a:solidFill>
+                  <a:schemeClr val="tx1"/>
+                </a:solidFill>
+                <a:latin typeface="Book Antiqua" pitchFamily="18" charset="0"/>
+              </a:rPr>
+              <a:t> = 0;</a:t>
+            </a:r>
+            <a:br>
+              <a:rPr lang="en-US" sz="2800" dirty="0" smtClean="0">
+                <a:solidFill>
+                  <a:schemeClr val="tx1"/>
+                </a:solidFill>
+                <a:latin typeface="Book Antiqua" pitchFamily="18" charset="0"/>
+              </a:rPr>
+            </a:br>
+            <a:r>
+              <a:rPr lang="en-US" sz="2800" dirty="0" smtClean="0">
+                <a:solidFill>
+                  <a:schemeClr val="tx1"/>
+                </a:solidFill>
+                <a:latin typeface="Book Antiqua" pitchFamily="18" charset="0"/>
+              </a:rPr>
+              <a:t>          while (</a:t>
+            </a:r>
+            <a:r>
+              <a:rPr lang="en-US" sz="2800" dirty="0" err="1" smtClean="0">
+                <a:solidFill>
+                  <a:schemeClr val="tx1"/>
+                </a:solidFill>
+                <a:latin typeface="Book Antiqua" pitchFamily="18" charset="0"/>
+              </a:rPr>
+              <a:t>lptr</a:t>
+            </a:r>
+            <a:r>
+              <a:rPr lang="en-US" sz="2800" dirty="0" smtClean="0">
+                <a:solidFill>
+                  <a:schemeClr val="tx1"/>
+                </a:solidFill>
+                <a:latin typeface="Book Antiqua" pitchFamily="18" charset="0"/>
+              </a:rPr>
+              <a:t> &lt;&gt; nil) do </a:t>
+            </a:r>
+          </a:p>
+          <a:p>
+            <a:pPr lvl="0" indent="-609600">
+              <a:lnSpc>
+                <a:spcPct val="90000"/>
+              </a:lnSpc>
+              <a:defRPr/>
+            </a:pPr>
+            <a:r>
+              <a:rPr lang="en-US" sz="2800" dirty="0" smtClean="0">
+                <a:solidFill>
+                  <a:schemeClr val="tx1"/>
+                </a:solidFill>
+                <a:latin typeface="Book Antiqua" pitchFamily="18" charset="0"/>
+              </a:rPr>
+              <a:t>          begin</a:t>
+            </a:r>
+            <a:br>
+              <a:rPr lang="en-US" sz="2800" dirty="0" smtClean="0">
+                <a:solidFill>
+                  <a:schemeClr val="tx1"/>
+                </a:solidFill>
+                <a:latin typeface="Book Antiqua" pitchFamily="18" charset="0"/>
+              </a:rPr>
+            </a:br>
+            <a:r>
+              <a:rPr lang="en-US" sz="2800" dirty="0" smtClean="0">
+                <a:solidFill>
+                  <a:schemeClr val="tx1"/>
+                </a:solidFill>
+                <a:latin typeface="Book Antiqua" pitchFamily="18" charset="0"/>
+              </a:rPr>
+              <a:t>             </a:t>
+            </a:r>
+            <a:r>
+              <a:rPr lang="en-US" sz="2800" dirty="0" err="1" smtClean="0">
+                <a:solidFill>
+                  <a:schemeClr val="tx1"/>
+                </a:solidFill>
+                <a:latin typeface="Book Antiqua" pitchFamily="18" charset="0"/>
+              </a:rPr>
+              <a:t>len</a:t>
+            </a:r>
+            <a:r>
+              <a:rPr lang="en-US" sz="2800" dirty="0" smtClean="0">
+                <a:solidFill>
+                  <a:schemeClr val="tx1"/>
+                </a:solidFill>
+                <a:latin typeface="Book Antiqua" pitchFamily="18" charset="0"/>
+              </a:rPr>
+              <a:t> := </a:t>
+            </a:r>
+            <a:r>
+              <a:rPr lang="en-US" sz="2800" dirty="0" err="1" smtClean="0">
+                <a:solidFill>
+                  <a:schemeClr val="tx1"/>
+                </a:solidFill>
+                <a:latin typeface="Book Antiqua" pitchFamily="18" charset="0"/>
+              </a:rPr>
+              <a:t>len</a:t>
+            </a:r>
+            <a:r>
+              <a:rPr lang="en-US" sz="2800" dirty="0" smtClean="0">
+                <a:solidFill>
+                  <a:schemeClr val="tx1"/>
+                </a:solidFill>
+                <a:latin typeface="Book Antiqua" pitchFamily="18" charset="0"/>
+              </a:rPr>
+              <a:t> + 1;</a:t>
+            </a:r>
+            <a:br>
+              <a:rPr lang="en-US" sz="2800" dirty="0" smtClean="0">
+                <a:solidFill>
+                  <a:schemeClr val="tx1"/>
+                </a:solidFill>
+                <a:latin typeface="Book Antiqua" pitchFamily="18" charset="0"/>
+              </a:rPr>
+            </a:br>
+            <a:r>
+              <a:rPr lang="en-US" sz="2800" dirty="0" smtClean="0">
+                <a:solidFill>
+                  <a:schemeClr val="tx1"/>
+                </a:solidFill>
+                <a:latin typeface="Book Antiqua" pitchFamily="18" charset="0"/>
+              </a:rPr>
+              <a:t>             </a:t>
+            </a:r>
+            <a:r>
+              <a:rPr lang="en-US" sz="2800" dirty="0" err="1" smtClean="0">
+                <a:solidFill>
+                  <a:schemeClr val="tx1"/>
+                </a:solidFill>
+                <a:latin typeface="Book Antiqua" pitchFamily="18" charset="0"/>
+              </a:rPr>
+              <a:t>lptr</a:t>
+            </a:r>
+            <a:r>
+              <a:rPr lang="en-US" sz="2800" dirty="0" smtClean="0">
+                <a:solidFill>
+                  <a:schemeClr val="tx1"/>
+                </a:solidFill>
+                <a:latin typeface="Book Antiqua" pitchFamily="18" charset="0"/>
+              </a:rPr>
+              <a:t> := </a:t>
+            </a:r>
+            <a:r>
+              <a:rPr lang="en-US" sz="2800" dirty="0" err="1" smtClean="0">
+                <a:solidFill>
+                  <a:schemeClr val="tx1"/>
+                </a:solidFill>
+                <a:latin typeface="Book Antiqua" pitchFamily="18" charset="0"/>
+              </a:rPr>
+              <a:t>lptr^.next</a:t>
+            </a:r>
+            <a:r>
+              <a:rPr lang="en-US" sz="2800" dirty="0" smtClean="0">
+                <a:solidFill>
+                  <a:schemeClr val="tx1"/>
+                </a:solidFill>
+                <a:latin typeface="Book Antiqua" pitchFamily="18" charset="0"/>
+              </a:rPr>
+              <a:t>;</a:t>
+            </a:r>
+            <a:br>
+              <a:rPr lang="en-US" sz="2800" dirty="0" smtClean="0">
+                <a:solidFill>
+                  <a:schemeClr val="tx1"/>
+                </a:solidFill>
+                <a:latin typeface="Book Antiqua" pitchFamily="18" charset="0"/>
+              </a:rPr>
+            </a:br>
+            <a:r>
+              <a:rPr lang="en-US" sz="2800" dirty="0" smtClean="0">
+                <a:solidFill>
+                  <a:schemeClr val="tx1"/>
+                </a:solidFill>
+                <a:latin typeface="Book Antiqua" pitchFamily="18" charset="0"/>
+              </a:rPr>
+              <a:t>          end;</a:t>
+            </a:r>
+            <a:br>
+              <a:rPr lang="en-US" sz="2800" dirty="0" smtClean="0">
+                <a:solidFill>
+                  <a:schemeClr val="tx1"/>
+                </a:solidFill>
+                <a:latin typeface="Book Antiqua" pitchFamily="18" charset="0"/>
+              </a:rPr>
+            </a:br>
+            <a:r>
+              <a:rPr lang="en-US" sz="2800" dirty="0" smtClean="0">
+                <a:solidFill>
+                  <a:schemeClr val="tx1"/>
+                </a:solidFill>
+                <a:latin typeface="Book Antiqua" pitchFamily="18" charset="0"/>
+              </a:rPr>
+              <a:t>          length := </a:t>
+            </a:r>
+            <a:r>
+              <a:rPr lang="en-US" sz="2800" dirty="0" err="1" smtClean="0">
+                <a:solidFill>
+                  <a:schemeClr val="tx1"/>
+                </a:solidFill>
+                <a:latin typeface="Book Antiqua" pitchFamily="18" charset="0"/>
+              </a:rPr>
+              <a:t>len</a:t>
+            </a:r>
+            <a:r>
+              <a:rPr lang="en-US" sz="2800" dirty="0" smtClean="0">
+                <a:solidFill>
+                  <a:schemeClr val="tx1"/>
+                </a:solidFill>
+                <a:latin typeface="Book Antiqua" pitchFamily="18" charset="0"/>
+              </a:rPr>
+              <a:t>;</a:t>
+            </a:r>
+            <a:br>
+              <a:rPr lang="en-US" sz="2800" dirty="0" smtClean="0">
+                <a:solidFill>
+                  <a:schemeClr val="tx1"/>
+                </a:solidFill>
+                <a:latin typeface="Book Antiqua" pitchFamily="18" charset="0"/>
+              </a:rPr>
+            </a:br>
+            <a:r>
+              <a:rPr lang="en-US" sz="2800" dirty="0" smtClean="0">
+                <a:solidFill>
+                  <a:schemeClr val="tx1"/>
+                </a:solidFill>
+                <a:latin typeface="Book Antiqua" pitchFamily="18" charset="0"/>
+              </a:rPr>
+              <a:t>end;</a:t>
+            </a:r>
           </a:p>
         </p:txBody>
       </p:sp>
     </p:spTree>
     <p:extLst>
       <p:ext uri="{BB962C8B-B14F-4D97-AF65-F5344CB8AC3E}">
-        <p14:creationId xmlns:p14="http://schemas.microsoft.com/office/powerpoint/2010/main" val="2269836963"/>
+        <p14:creationId xmlns:p14="http://schemas.microsoft.com/office/powerpoint/2010/main" val="1205659908"/>
       </p:ext>
     </p:extLst>
   </p:cSld>
@@ -12382,13 +12265,14 @@
           <a:bodyPr/>
           <a:lstStyle/>
           <a:p>
+            <a:pPr eaLnBrk="1" hangingPunct="1"/>
             <a:r>
               <a:rPr lang="pt-BR" dirty="0" smtClean="0"/>
               <a:t>Exemplo positivo em</a:t>
             </a:r>
             <a:r>
               <a:rPr lang="en-US" dirty="0" smtClean="0"/>
-              <a:t> Java</a:t>
+              <a:t> Haskell</a:t>
             </a:r>
             <a:endParaRPr lang="pt-BR" dirty="0" smtClean="0"/>
           </a:p>
@@ -12402,8 +12286,8 @@
         </p:nvSpPr>
         <p:spPr>
           <a:xfrm>
-            <a:off x="467544" y="2420888"/>
-            <a:ext cx="8208912" cy="3046988"/>
+            <a:off x="1142976" y="4359670"/>
+            <a:ext cx="5214974" cy="1569660"/>
           </a:xfrm>
           <a:prstGeom prst="rect">
             <a:avLst/>
@@ -12434,189 +12318,113 @@
               <a:rPr lang="en-US" sz="3200" dirty="0" smtClean="0">
                 <a:latin typeface="Book Antiqua" pitchFamily="18" charset="0"/>
               </a:rPr>
-              <a:t>interface List&lt;T&gt; {</a:t>
-            </a:r>
-            <a:r>
-              <a:rPr lang="pt-BR" sz="3200" dirty="0" smtClean="0">
+              <a:t>length :: [</a:t>
+            </a:r>
+            <a:r>
+              <a:rPr lang="en-US" sz="3200" b="1" dirty="0" smtClean="0">
+                <a:solidFill>
+                  <a:schemeClr val="tx1"/>
+                </a:solidFill>
                 <a:latin typeface="Book Antiqua" pitchFamily="18" charset="0"/>
               </a:rPr>
-              <a:t> </a:t>
-            </a:r>
-            <a:r>
-              <a:rPr lang="pt-BR" sz="3200" dirty="0" err="1" smtClean="0">
-                <a:latin typeface="Book Antiqua" pitchFamily="18" charset="0"/>
-              </a:rPr>
-              <a:t>int</a:t>
-            </a:r>
-            <a:r>
-              <a:rPr lang="pt-BR" sz="3200" dirty="0" smtClean="0">
-                <a:latin typeface="Book Antiqua" pitchFamily="18" charset="0"/>
-              </a:rPr>
-              <a:t> </a:t>
-            </a:r>
-            <a:r>
-              <a:rPr lang="pt-BR" sz="3200" dirty="0" err="1" smtClean="0">
-                <a:latin typeface="Book Antiqua" pitchFamily="18" charset="0"/>
-              </a:rPr>
-              <a:t>size</a:t>
-            </a:r>
-            <a:r>
-              <a:rPr lang="pt-BR" sz="3200" dirty="0" smtClean="0">
-                <a:latin typeface="Book Antiqua" pitchFamily="18" charset="0"/>
-              </a:rPr>
-              <a:t>(); ...}</a:t>
-            </a:r>
-          </a:p>
-          <a:p>
-            <a:pPr marL="609600" indent="-609600"/>
-            <a:r>
-              <a:rPr lang="pt-BR" sz="3200" dirty="0" smtClean="0">
-                <a:latin typeface="Book Antiqua" pitchFamily="18" charset="0"/>
-              </a:rPr>
-              <a:t>...</a:t>
-            </a:r>
-          </a:p>
-          <a:p>
-            <a:pPr marL="609600" indent="-609600"/>
-            <a:r>
-              <a:rPr lang="pt-BR" sz="3200" dirty="0" err="1" smtClean="0">
-                <a:latin typeface="Book Antiqua" pitchFamily="18" charset="0"/>
-              </a:rPr>
-              <a:t>void</a:t>
-            </a:r>
-            <a:r>
-              <a:rPr lang="pt-BR" sz="3200" dirty="0" smtClean="0">
-                <a:latin typeface="Book Antiqua" pitchFamily="18" charset="0"/>
-              </a:rPr>
-              <a:t> </a:t>
-            </a:r>
-            <a:r>
-              <a:rPr lang="pt-BR" sz="3200" dirty="0" err="1" smtClean="0">
-                <a:latin typeface="Book Antiqua" pitchFamily="18" charset="0"/>
-              </a:rPr>
-              <a:t>main</a:t>
-            </a:r>
-            <a:r>
-              <a:rPr lang="pt-BR" sz="3200" dirty="0" smtClean="0">
-                <a:latin typeface="Book Antiqua" pitchFamily="18" charset="0"/>
-              </a:rPr>
-              <a:t>() {</a:t>
-            </a:r>
-          </a:p>
-          <a:p>
-            <a:pPr marL="609600" indent="-609600"/>
-            <a:r>
-              <a:rPr lang="pt-BR" sz="3200" dirty="0" smtClean="0">
-                <a:latin typeface="Book Antiqua" pitchFamily="18" charset="0"/>
-              </a:rPr>
-              <a:t>  </a:t>
-            </a:r>
-            <a:r>
-              <a:rPr lang="pt-BR" sz="3200" dirty="0" err="1" smtClean="0">
-                <a:latin typeface="Book Antiqua" pitchFamily="18" charset="0"/>
-              </a:rPr>
-              <a:t>List</a:t>
-            </a:r>
-            <a:r>
-              <a:rPr lang="pt-BR" sz="3200" dirty="0" smtClean="0">
-                <a:latin typeface="Book Antiqua" pitchFamily="18" charset="0"/>
-              </a:rPr>
-              <a:t>&lt;</a:t>
+              <a:t>t</a:t>
             </a:r>
             <a:r>
               <a:rPr lang="en-US" sz="3200" dirty="0" smtClean="0">
                 <a:latin typeface="Book Antiqua" pitchFamily="18" charset="0"/>
               </a:rPr>
-              <a:t>?</a:t>
-            </a:r>
+              <a:t>] -&gt; </a:t>
+            </a:r>
+            <a:r>
+              <a:rPr lang="en-US" sz="3200" dirty="0" err="1" smtClean="0">
+                <a:latin typeface="Book Antiqua" pitchFamily="18" charset="0"/>
+              </a:rPr>
+              <a:t>Int</a:t>
+            </a:r>
+            <a:r>
+              <a:rPr lang="en-US" sz="3200" dirty="0" smtClean="0">
+                <a:latin typeface="Book Antiqua" pitchFamily="18" charset="0"/>
+              </a:rPr>
+              <a:t>;</a:t>
+            </a:r>
+          </a:p>
+          <a:p>
+            <a:pPr marL="609600" indent="-609600"/>
+            <a:r>
+              <a:rPr lang="en-US" sz="3200" dirty="0" smtClean="0">
+                <a:latin typeface="Book Antiqua" pitchFamily="18" charset="0"/>
+              </a:rPr>
+              <a:t>length [] = 0</a:t>
+            </a:r>
+          </a:p>
+          <a:p>
+            <a:pPr marL="609600" indent="-609600"/>
+            <a:r>
+              <a:rPr lang="en-US" sz="3200" dirty="0" smtClean="0">
+                <a:latin typeface="Book Antiqua" pitchFamily="18" charset="0"/>
+              </a:rPr>
+              <a:t>length (a:as) = 1 + length as</a:t>
+            </a:r>
+          </a:p>
+        </p:txBody>
+      </p:sp>
+      <p:sp>
+        <p:nvSpPr>
+          <p:cNvPr id="7" name="Rectangular Callout 6"/>
+          <p:cNvSpPr/>
+          <p:nvPr/>
+        </p:nvSpPr>
+        <p:spPr>
+          <a:xfrm>
+            <a:off x="3643306" y="1645026"/>
+            <a:ext cx="4214842" cy="2288030"/>
+          </a:xfrm>
+          <a:prstGeom prst="wedgeRectCallout">
+            <a:avLst>
+              <a:gd name="adj1" fmla="val -63587"/>
+              <a:gd name="adj2" fmla="val 61661"/>
+            </a:avLst>
+          </a:prstGeom>
+        </p:spPr>
+        <p:style>
+          <a:lnRef idx="2">
+            <a:schemeClr val="dk1"/>
+          </a:lnRef>
+          <a:fillRef idx="1">
+            <a:schemeClr val="lt1"/>
+          </a:fillRef>
+          <a:effectRef idx="0">
+            <a:schemeClr val="dk1"/>
+          </a:effectRef>
+          <a:fontRef idx="minor">
+            <a:schemeClr val="dk1"/>
+          </a:fontRef>
+        </p:style>
+        <p:txBody>
+          <a:bodyPr rtlCol="0" anchor="ctr"/>
+          <a:lstStyle/>
+          <a:p>
+            <a:pPr algn="ctr"/>
             <a:r>
               <a:rPr lang="pt-BR" sz="3200" dirty="0" smtClean="0">
-                <a:latin typeface="Book Antiqua" pitchFamily="18" charset="0"/>
-              </a:rPr>
-              <a:t>&gt; li = new </a:t>
-            </a:r>
-            <a:r>
-              <a:rPr lang="pt-BR" sz="3200" dirty="0" err="1" smtClean="0">
-                <a:latin typeface="Book Antiqua" pitchFamily="18" charset="0"/>
-              </a:rPr>
-              <a:t>ArrayList</a:t>
-            </a:r>
-            <a:r>
-              <a:rPr lang="pt-BR" sz="3200" dirty="0" smtClean="0">
-                <a:latin typeface="Book Antiqua" pitchFamily="18" charset="0"/>
-              </a:rPr>
-              <a:t>&lt;</a:t>
-            </a:r>
-            <a:r>
-              <a:rPr lang="pt-BR" sz="3200" dirty="0" err="1" smtClean="0">
-                <a:latin typeface="Book Antiqua" pitchFamily="18" charset="0"/>
-              </a:rPr>
-              <a:t>Integer</a:t>
-            </a:r>
-            <a:r>
-              <a:rPr lang="pt-BR" sz="3200" dirty="0" smtClean="0">
-                <a:latin typeface="Book Antiqua" pitchFamily="18" charset="0"/>
-              </a:rPr>
-              <a:t>&gt;();</a:t>
-            </a:r>
-          </a:p>
-          <a:p>
-            <a:pPr marL="609600" indent="-609600"/>
-            <a:r>
-              <a:rPr lang="pt-BR" sz="3200" dirty="0">
-                <a:latin typeface="Book Antiqua" pitchFamily="18" charset="0"/>
-              </a:rPr>
-              <a:t> </a:t>
-            </a:r>
-            <a:r>
-              <a:rPr lang="pt-BR" sz="3200" dirty="0" smtClean="0">
-                <a:latin typeface="Book Antiqua" pitchFamily="18" charset="0"/>
-              </a:rPr>
-              <a:t> </a:t>
-            </a:r>
-            <a:r>
-              <a:rPr lang="pt-BR" sz="3200" dirty="0" err="1" smtClean="0">
-                <a:latin typeface="Book Antiqua" pitchFamily="18" charset="0"/>
-              </a:rPr>
-              <a:t>System.out.println</a:t>
-            </a:r>
-            <a:r>
-              <a:rPr lang="pt-BR" sz="3200" dirty="0" smtClean="0">
-                <a:latin typeface="Book Antiqua" pitchFamily="18" charset="0"/>
-              </a:rPr>
-              <a:t>(</a:t>
-            </a:r>
-            <a:r>
-              <a:rPr lang="pt-BR" sz="3200" dirty="0" err="1" smtClean="0">
-                <a:latin typeface="Book Antiqua" pitchFamily="18" charset="0"/>
-              </a:rPr>
-              <a:t>li.size</a:t>
-            </a:r>
-            <a:r>
-              <a:rPr lang="pt-BR" sz="3200" dirty="0" smtClean="0">
-                <a:latin typeface="Book Antiqua" pitchFamily="18" charset="0"/>
-              </a:rPr>
-              <a:t>());</a:t>
-            </a:r>
-          </a:p>
-          <a:p>
-            <a:pPr marL="609600" indent="-609600"/>
-            <a:r>
-              <a:rPr lang="pt-BR" sz="3200" dirty="0" smtClean="0">
-                <a:latin typeface="Book Antiqua" pitchFamily="18" charset="0"/>
-              </a:rPr>
-              <a:t>}</a:t>
-            </a:r>
-            <a:endParaRPr lang="en-US" sz="3200" dirty="0" smtClean="0">
-              <a:latin typeface="Book Antiqua" pitchFamily="18" charset="0"/>
-            </a:endParaRPr>
+                <a:solidFill>
+                  <a:schemeClr val="tx1"/>
+                </a:solidFill>
+              </a:rPr>
+              <a:t>t</a:t>
+            </a:r>
+            <a:r>
+              <a:rPr lang="pt-BR" sz="3200" dirty="0" smtClean="0"/>
+              <a:t> é uma variável de tipo.  Neste caso, qualquer lista é aceita como parâmetro.</a:t>
+            </a:r>
+            <a:endParaRPr lang="pt-BR" sz="3200" dirty="0"/>
           </a:p>
         </p:txBody>
       </p:sp>
     </p:spTree>
     <p:extLst>
       <p:ext uri="{BB962C8B-B14F-4D97-AF65-F5344CB8AC3E}">
-        <p14:creationId xmlns:p14="http://schemas.microsoft.com/office/powerpoint/2010/main" val="4268668703"/>
+        <p14:creationId xmlns:p14="http://schemas.microsoft.com/office/powerpoint/2010/main" val="2269836963"/>
       </p:ext>
     </p:extLst>
   </p:cSld>
@@ -12652,6 +12460,289 @@
       </p:grpSpPr>
       <p:sp>
         <p:nvSpPr>
+          <p:cNvPr id="22530" name="Rectangle 2"/>
+          <p:cNvSpPr>
+            <a:spLocks noGrp="1" noChangeArrowheads="1"/>
+          </p:cNvSpPr>
+          <p:nvPr>
+            <p:ph type="title"/>
+          </p:nvPr>
+        </p:nvSpPr>
+        <p:spPr/>
+        <p:txBody>
+          <a:bodyPr/>
+          <a:lstStyle/>
+          <a:p>
+            <a:r>
+              <a:rPr lang="pt-BR" dirty="0" smtClean="0"/>
+              <a:t>Exemplo positivo em</a:t>
+            </a:r>
+            <a:r>
+              <a:rPr lang="en-US" dirty="0" smtClean="0"/>
+              <a:t> Java</a:t>
+            </a:r>
+            <a:endParaRPr lang="pt-BR" dirty="0" smtClean="0"/>
+          </a:p>
+        </p:txBody>
+      </p:sp>
+      <p:sp>
+        <p:nvSpPr>
+          <p:cNvPr id="5" name="Rectangle 4"/>
+          <p:cNvSpPr/>
+          <p:nvPr/>
+        </p:nvSpPr>
+        <p:spPr>
+          <a:xfrm>
+            <a:off x="467544" y="2420888"/>
+            <a:ext cx="8208912" cy="3046988"/>
+          </a:xfrm>
+          <a:prstGeom prst="rect">
+            <a:avLst/>
+          </a:prstGeom>
+        </p:spPr>
+        <p:style>
+          <a:lnRef idx="2">
+            <a:schemeClr val="dk1"/>
+          </a:lnRef>
+          <a:fillRef idx="1">
+            <a:schemeClr val="lt1"/>
+          </a:fillRef>
+          <a:effectRef idx="0">
+            <a:schemeClr val="dk1"/>
+          </a:effectRef>
+          <a:fontRef idx="minor">
+            <a:schemeClr val="dk1"/>
+          </a:fontRef>
+        </p:style>
+        <p:txBody>
+          <a:bodyPr wrap="square">
+            <a:spAutoFit/>
+          </a:bodyPr>
+          <a:lstStyle/>
+          <a:p>
+            <a:pPr marL="609600" indent="-609600"/>
+            <a:r>
+              <a:rPr lang="en-US" sz="3200" dirty="0" smtClean="0">
+                <a:latin typeface="Book Antiqua" pitchFamily="18" charset="0"/>
+              </a:rPr>
+              <a:t>interface List&lt;T&gt; {</a:t>
+            </a:r>
+            <a:r>
+              <a:rPr lang="pt-BR" sz="3200" dirty="0" smtClean="0">
+                <a:latin typeface="Book Antiqua" pitchFamily="18" charset="0"/>
+              </a:rPr>
+              <a:t> </a:t>
+            </a:r>
+            <a:r>
+              <a:rPr lang="pt-BR" sz="3200" dirty="0" err="1" smtClean="0">
+                <a:latin typeface="Book Antiqua" pitchFamily="18" charset="0"/>
+              </a:rPr>
+              <a:t>int</a:t>
+            </a:r>
+            <a:r>
+              <a:rPr lang="pt-BR" sz="3200" dirty="0" smtClean="0">
+                <a:latin typeface="Book Antiqua" pitchFamily="18" charset="0"/>
+              </a:rPr>
+              <a:t> </a:t>
+            </a:r>
+            <a:r>
+              <a:rPr lang="pt-BR" sz="3200" dirty="0" err="1" smtClean="0">
+                <a:latin typeface="Book Antiqua" pitchFamily="18" charset="0"/>
+              </a:rPr>
+              <a:t>size</a:t>
+            </a:r>
+            <a:r>
+              <a:rPr lang="pt-BR" sz="3200" dirty="0" smtClean="0">
+                <a:latin typeface="Book Antiqua" pitchFamily="18" charset="0"/>
+              </a:rPr>
+              <a:t>(); ...}</a:t>
+            </a:r>
+          </a:p>
+          <a:p>
+            <a:pPr marL="609600" indent="-609600"/>
+            <a:r>
+              <a:rPr lang="pt-BR" sz="3200" dirty="0" smtClean="0">
+                <a:latin typeface="Book Antiqua" pitchFamily="18" charset="0"/>
+              </a:rPr>
+              <a:t>...</a:t>
+            </a:r>
+          </a:p>
+          <a:p>
+            <a:pPr marL="609600" indent="-609600"/>
+            <a:r>
+              <a:rPr lang="pt-BR" sz="3200" dirty="0" err="1" smtClean="0">
+                <a:latin typeface="Book Antiqua" pitchFamily="18" charset="0"/>
+              </a:rPr>
+              <a:t>void</a:t>
+            </a:r>
+            <a:r>
+              <a:rPr lang="pt-BR" sz="3200" dirty="0" smtClean="0">
+                <a:latin typeface="Book Antiqua" pitchFamily="18" charset="0"/>
+              </a:rPr>
+              <a:t> </a:t>
+            </a:r>
+            <a:r>
+              <a:rPr lang="pt-BR" sz="3200" dirty="0" err="1" smtClean="0">
+                <a:latin typeface="Book Antiqua" pitchFamily="18" charset="0"/>
+              </a:rPr>
+              <a:t>main</a:t>
+            </a:r>
+            <a:r>
+              <a:rPr lang="pt-BR" sz="3200" dirty="0" smtClean="0">
+                <a:latin typeface="Book Antiqua" pitchFamily="18" charset="0"/>
+              </a:rPr>
+              <a:t>() {</a:t>
+            </a:r>
+          </a:p>
+          <a:p>
+            <a:pPr marL="609600" indent="-609600"/>
+            <a:r>
+              <a:rPr lang="pt-BR" sz="3200" dirty="0" smtClean="0">
+                <a:latin typeface="Book Antiqua" pitchFamily="18" charset="0"/>
+              </a:rPr>
+              <a:t>  </a:t>
+            </a:r>
+            <a:r>
+              <a:rPr lang="pt-BR" sz="3200" dirty="0" err="1" smtClean="0">
+                <a:latin typeface="Book Antiqua" pitchFamily="18" charset="0"/>
+              </a:rPr>
+              <a:t>List</a:t>
+            </a:r>
+            <a:r>
+              <a:rPr lang="pt-BR" sz="3200" dirty="0" smtClean="0">
+                <a:latin typeface="Book Antiqua" pitchFamily="18" charset="0"/>
+              </a:rPr>
+              <a:t>&lt;</a:t>
+            </a:r>
+            <a:r>
+              <a:rPr lang="en-US" sz="3200" dirty="0" smtClean="0">
+                <a:latin typeface="Book Antiqua" pitchFamily="18" charset="0"/>
+              </a:rPr>
+              <a:t>?</a:t>
+            </a:r>
+            <a:r>
+              <a:rPr lang="pt-BR" sz="3200" dirty="0" smtClean="0">
+                <a:latin typeface="Book Antiqua" pitchFamily="18" charset="0"/>
+              </a:rPr>
+              <a:t>&gt; li = new </a:t>
+            </a:r>
+            <a:r>
+              <a:rPr lang="pt-BR" sz="3200" dirty="0" err="1" smtClean="0">
+                <a:latin typeface="Book Antiqua" pitchFamily="18" charset="0"/>
+              </a:rPr>
+              <a:t>ArrayList</a:t>
+            </a:r>
+            <a:r>
+              <a:rPr lang="pt-BR" sz="3200" dirty="0" smtClean="0">
+                <a:latin typeface="Book Antiqua" pitchFamily="18" charset="0"/>
+              </a:rPr>
+              <a:t>&lt;</a:t>
+            </a:r>
+            <a:r>
+              <a:rPr lang="pt-BR" sz="3200" dirty="0" err="1" smtClean="0">
+                <a:latin typeface="Book Antiqua" pitchFamily="18" charset="0"/>
+              </a:rPr>
+              <a:t>Integer</a:t>
+            </a:r>
+            <a:r>
+              <a:rPr lang="pt-BR" sz="3200" dirty="0" smtClean="0">
+                <a:latin typeface="Book Antiqua" pitchFamily="18" charset="0"/>
+              </a:rPr>
+              <a:t>&gt;();</a:t>
+            </a:r>
+          </a:p>
+          <a:p>
+            <a:pPr marL="609600" indent="-609600"/>
+            <a:r>
+              <a:rPr lang="pt-BR" sz="3200" dirty="0">
+                <a:latin typeface="Book Antiqua" pitchFamily="18" charset="0"/>
+              </a:rPr>
+              <a:t> </a:t>
+            </a:r>
+            <a:r>
+              <a:rPr lang="pt-BR" sz="3200" dirty="0" smtClean="0">
+                <a:latin typeface="Book Antiqua" pitchFamily="18" charset="0"/>
+              </a:rPr>
+              <a:t> </a:t>
+            </a:r>
+            <a:r>
+              <a:rPr lang="pt-BR" sz="3200" dirty="0" err="1" smtClean="0">
+                <a:latin typeface="Book Antiqua" pitchFamily="18" charset="0"/>
+              </a:rPr>
+              <a:t>System.out.println</a:t>
+            </a:r>
+            <a:r>
+              <a:rPr lang="pt-BR" sz="3200" dirty="0" smtClean="0">
+                <a:latin typeface="Book Antiqua" pitchFamily="18" charset="0"/>
+              </a:rPr>
+              <a:t>(</a:t>
+            </a:r>
+            <a:r>
+              <a:rPr lang="pt-BR" sz="3200" dirty="0" err="1" smtClean="0">
+                <a:latin typeface="Book Antiqua" pitchFamily="18" charset="0"/>
+              </a:rPr>
+              <a:t>li.size</a:t>
+            </a:r>
+            <a:r>
+              <a:rPr lang="pt-BR" sz="3200" dirty="0" smtClean="0">
+                <a:latin typeface="Book Antiqua" pitchFamily="18" charset="0"/>
+              </a:rPr>
+              <a:t>());</a:t>
+            </a:r>
+          </a:p>
+          <a:p>
+            <a:pPr marL="609600" indent="-609600"/>
+            <a:r>
+              <a:rPr lang="pt-BR" sz="3200" dirty="0" smtClean="0">
+                <a:latin typeface="Book Antiqua" pitchFamily="18" charset="0"/>
+              </a:rPr>
+              <a:t>}</a:t>
+            </a:r>
+            <a:endParaRPr lang="en-US" sz="3200" dirty="0" smtClean="0">
+              <a:latin typeface="Book Antiqua" pitchFamily="18" charset="0"/>
+            </a:endParaRPr>
+          </a:p>
+        </p:txBody>
+      </p:sp>
+    </p:spTree>
+    <p:extLst>
+      <p:ext uri="{BB962C8B-B14F-4D97-AF65-F5344CB8AC3E}">
+        <p14:creationId xmlns:p14="http://schemas.microsoft.com/office/powerpoint/2010/main" val="4268668703"/>
+      </p:ext>
+    </p:extLst>
+  </p:cSld>
+  <p:clrMapOvr>
+    <a:masterClrMapping/>
+  </p:clrMapOvr>
+  <p:timing>
+    <p:tnLst>
+      <p:par>
+        <p:cTn id="1" dur="indefinite" restart="never" nodeType="tmRoot"/>
+      </p:par>
+    </p:tnLst>
+  </p:timing>
+</p:sld>
+</file>
+
+<file path=ppt/slides/slide35.xml><?xml version="1.0" encoding="utf-8"?>
+<p:sld xmlns:a="http://schemas.openxmlformats.org/drawingml/2006/main" xmlns:r="http://schemas.openxmlformats.org/officeDocument/2006/relationships" xmlns:p="http://schemas.openxmlformats.org/presentationml/2006/main">
+  <p:cSld>
+    <p:spTree>
+      <p:nvGrpSpPr>
+        <p:cNvPr id="1" name=""/>
+        <p:cNvGrpSpPr/>
+        <p:nvPr/>
+      </p:nvGrpSpPr>
+      <p:grpSpPr>
+        <a:xfrm>
+          <a:off x="0" y="0"/>
+          <a:ext cx="0" cy="0"/>
+          <a:chOff x="0" y="0"/>
+          <a:chExt cx="0" cy="0"/>
+        </a:xfrm>
+      </p:grpSpPr>
+      <p:sp>
+        <p:nvSpPr>
           <p:cNvPr id="2" name="Título 1"/>
           <p:cNvSpPr>
             <a:spLocks noGrp="1"/>
@@ -12667,7 +12758,11 @@
           <a:p>
             <a:r>
               <a:rPr lang="pt-BR" dirty="0" smtClean="0"/>
-              <a:t>Tipos é um conceito adaptável</a:t>
+              <a:t>Tipos </a:t>
+            </a:r>
+            <a:r>
+              <a:rPr lang="pt-BR" dirty="0" smtClean="0"/>
+              <a:t>Plugáveis</a:t>
             </a:r>
             <a:endParaRPr lang="en-US" dirty="0"/>
           </a:p>
@@ -12690,18 +12785,15 @@
           <a:p>
             <a:r>
               <a:rPr lang="pt-BR" dirty="0" smtClean="0"/>
-              <a:t>Sistema de tipos plugáveis</a:t>
+              <a:t>Checker </a:t>
+            </a:r>
+            <a:r>
+              <a:rPr lang="pt-BR" dirty="0" smtClean="0"/>
+              <a:t>Framework</a:t>
             </a:r>
           </a:p>
           <a:p>
             <a:pPr lvl="1"/>
-            <a:r>
-              <a:rPr lang="pt-BR" dirty="0" smtClean="0"/>
-              <a:t>Checker Framework</a:t>
-            </a:r>
-          </a:p>
-          <a:p>
-            <a:pPr lvl="2"/>
             <a:r>
               <a:rPr lang="pt-BR" dirty="0" smtClean="0"/>
               <a:t>Usa anotação para declaração de tipos</a:t>
@@ -12734,7 +12826,7 @@
         </p:nvSpPr>
         <p:spPr>
           <a:xfrm>
-            <a:off x="896398" y="4005064"/>
+            <a:off x="896398" y="3501008"/>
             <a:ext cx="6552728" cy="424732"/>
           </a:xfrm>
           <a:prstGeom prst="rect">
@@ -12807,7 +12899,7 @@
         </p:nvSpPr>
         <p:spPr>
           <a:xfrm>
-            <a:off x="1112422" y="5171002"/>
+            <a:off x="1112422" y="4666946"/>
             <a:ext cx="6336704" cy="1563120"/>
           </a:xfrm>
           <a:prstGeom prst="wedgeRectCallout">
@@ -12933,8 +13025,8 @@
         </p:nvCxnSpPr>
         <p:spPr>
           <a:xfrm flipV="1">
-            <a:off x="4280774" y="1638092"/>
-            <a:ext cx="2055422" cy="854804"/>
+            <a:off x="4262336" y="1638092"/>
+            <a:ext cx="2073860" cy="242736"/>
           </a:xfrm>
           <a:prstGeom prst="bentConnector2">
             <a:avLst/>

--- a/slides-aulas/analise-semantica.pptx
+++ b/slides-aulas/analise-semantica.pptx
@@ -11,7 +11,7 @@
     <p:handoutMasterId r:id="rId38"/>
   </p:handoutMasterIdLst>
   <p:sldIdLst>
-    <p:sldId id="342" r:id="rId2"/>
+    <p:sldId id="345" r:id="rId2"/>
     <p:sldId id="278" r:id="rId3"/>
     <p:sldId id="281" r:id="rId4"/>
     <p:sldId id="279" r:id="rId5"/>
@@ -229,7 +229,7 @@
           <a:p>
             <a:fld id="{4524B1C1-5B40-400B-A2EB-A68B8AE74649}" type="datetimeFigureOut">
               <a:rPr lang="en-US" smtClean="0"/>
-              <a:t>4/2/2018</a:t>
+              <a:t>3/20/2019</a:t>
             </a:fld>
             <a:endParaRPr lang="en-US"/>
           </a:p>
@@ -395,7 +395,7 @@
             <a:fld id="{F42525A5-B25A-49AC-8F63-94028D46B0E3}" type="datetimeFigureOut">
               <a:rPr lang="pt-BR" smtClean="0"/>
               <a:pPr/>
-              <a:t>02/04/2018</a:t>
+              <a:t>20/03/2019</a:t>
             </a:fld>
             <a:endParaRPr lang="pt-BR"/>
           </a:p>
@@ -848,7 +848,7 @@
             <a:fld id="{2E700DB3-DBF0-4086-B675-117E7A9610B8}" type="datetimeFigureOut">
               <a:rPr lang="pt-BR" smtClean="0"/>
               <a:pPr/>
-              <a:t>02/04/2018</a:t>
+              <a:t>20/03/2019</a:t>
             </a:fld>
             <a:endParaRPr lang="pt-BR"/>
           </a:p>
@@ -1015,7 +1015,7 @@
             <a:fld id="{2E700DB3-DBF0-4086-B675-117E7A9610B8}" type="datetimeFigureOut">
               <a:rPr lang="pt-BR" smtClean="0"/>
               <a:pPr/>
-              <a:t>02/04/2018</a:t>
+              <a:t>20/03/2019</a:t>
             </a:fld>
             <a:endParaRPr lang="pt-BR"/>
           </a:p>
@@ -1192,7 +1192,7 @@
             <a:fld id="{2E700DB3-DBF0-4086-B675-117E7A9610B8}" type="datetimeFigureOut">
               <a:rPr lang="pt-BR" smtClean="0"/>
               <a:pPr/>
-              <a:t>02/04/2018</a:t>
+              <a:t>20/03/2019</a:t>
             </a:fld>
             <a:endParaRPr lang="pt-BR"/>
           </a:p>
@@ -1359,7 +1359,7 @@
             <a:fld id="{2E700DB3-DBF0-4086-B675-117E7A9610B8}" type="datetimeFigureOut">
               <a:rPr lang="pt-BR" smtClean="0"/>
               <a:pPr/>
-              <a:t>02/04/2018</a:t>
+              <a:t>20/03/2019</a:t>
             </a:fld>
             <a:endParaRPr lang="pt-BR"/>
           </a:p>
@@ -1602,7 +1602,7 @@
             <a:fld id="{2E700DB3-DBF0-4086-B675-117E7A9610B8}" type="datetimeFigureOut">
               <a:rPr lang="pt-BR" smtClean="0"/>
               <a:pPr/>
-              <a:t>02/04/2018</a:t>
+              <a:t>20/03/2019</a:t>
             </a:fld>
             <a:endParaRPr lang="pt-BR"/>
           </a:p>
@@ -1887,7 +1887,7 @@
             <a:fld id="{2E700DB3-DBF0-4086-B675-117E7A9610B8}" type="datetimeFigureOut">
               <a:rPr lang="pt-BR" smtClean="0"/>
               <a:pPr/>
-              <a:t>02/04/2018</a:t>
+              <a:t>20/03/2019</a:t>
             </a:fld>
             <a:endParaRPr lang="pt-BR"/>
           </a:p>
@@ -2306,7 +2306,7 @@
             <a:fld id="{2E700DB3-DBF0-4086-B675-117E7A9610B8}" type="datetimeFigureOut">
               <a:rPr lang="pt-BR" smtClean="0"/>
               <a:pPr/>
-              <a:t>02/04/2018</a:t>
+              <a:t>20/03/2019</a:t>
             </a:fld>
             <a:endParaRPr lang="pt-BR"/>
           </a:p>
@@ -2421,7 +2421,7 @@
             <a:fld id="{2E700DB3-DBF0-4086-B675-117E7A9610B8}" type="datetimeFigureOut">
               <a:rPr lang="pt-BR" smtClean="0"/>
               <a:pPr/>
-              <a:t>02/04/2018</a:t>
+              <a:t>20/03/2019</a:t>
             </a:fld>
             <a:endParaRPr lang="pt-BR"/>
           </a:p>
@@ -2513,7 +2513,7 @@
             <a:fld id="{2E700DB3-DBF0-4086-B675-117E7A9610B8}" type="datetimeFigureOut">
               <a:rPr lang="pt-BR" smtClean="0"/>
               <a:pPr/>
-              <a:t>02/04/2018</a:t>
+              <a:t>20/03/2019</a:t>
             </a:fld>
             <a:endParaRPr lang="pt-BR"/>
           </a:p>
@@ -2787,7 +2787,7 @@
             <a:fld id="{2E700DB3-DBF0-4086-B675-117E7A9610B8}" type="datetimeFigureOut">
               <a:rPr lang="pt-BR" smtClean="0"/>
               <a:pPr/>
-              <a:t>02/04/2018</a:t>
+              <a:t>20/03/2019</a:t>
             </a:fld>
             <a:endParaRPr lang="pt-BR"/>
           </a:p>
@@ -3037,7 +3037,7 @@
             <a:fld id="{2E700DB3-DBF0-4086-B675-117E7A9610B8}" type="datetimeFigureOut">
               <a:rPr lang="pt-BR" smtClean="0"/>
               <a:pPr/>
-              <a:t>02/04/2018</a:t>
+              <a:t>20/03/2019</a:t>
             </a:fld>
             <a:endParaRPr lang="pt-BR"/>
           </a:p>
@@ -3247,7 +3247,7 @@
             <a:fld id="{2E700DB3-DBF0-4086-B675-117E7A9610B8}" type="datetimeFigureOut">
               <a:rPr lang="pt-BR" smtClean="0"/>
               <a:pPr/>
-              <a:t>02/04/2018</a:t>
+              <a:t>20/03/2019</a:t>
             </a:fld>
             <a:endParaRPr lang="pt-BR"/>
           </a:p>
@@ -3620,50 +3620,283 @@
       </p:grpSpPr>
       <p:sp>
         <p:nvSpPr>
-          <p:cNvPr id="2" name="Título 1"/>
-          <p:cNvSpPr>
-            <a:spLocks noGrp="1"/>
-          </p:cNvSpPr>
-          <p:nvPr>
-            <p:ph type="title"/>
-          </p:nvPr>
-        </p:nvSpPr>
-        <p:spPr/>
-        <p:txBody>
-          <a:bodyPr/>
-          <a:lstStyle/>
-          <a:p>
-            <a:r>
-              <a:rPr lang="pt-BR" dirty="0" smtClean="0"/>
-              <a:t>Análise semântica</a:t>
-            </a:r>
-            <a:endParaRPr lang="en-US" dirty="0"/>
-          </a:p>
-        </p:txBody>
-      </p:sp>
-      <p:sp>
-        <p:nvSpPr>
-          <p:cNvPr id="3" name="Espaço Reservado para Texto 2"/>
-          <p:cNvSpPr>
-            <a:spLocks noGrp="1"/>
-          </p:cNvSpPr>
-          <p:nvPr>
-            <p:ph type="body" idx="1"/>
-          </p:nvPr>
-        </p:nvSpPr>
-        <p:spPr/>
-        <p:txBody>
-          <a:bodyPr/>
-          <a:lstStyle/>
-          <a:p>
-            <a:endParaRPr lang="en-US"/>
+          <p:cNvPr id="87" name="TextShape 1"/>
+          <p:cNvSpPr txBox="1"/>
+          <p:nvPr/>
+        </p:nvSpPr>
+        <p:spPr>
+          <a:xfrm>
+            <a:off x="722160" y="4406760"/>
+            <a:ext cx="7772040" cy="1361880"/>
+          </a:xfrm>
+          <a:prstGeom prst="rect">
+            <a:avLst/>
+          </a:prstGeom>
+          <a:noFill/>
+          <a:ln>
+            <a:noFill/>
+          </a:ln>
+        </p:spPr>
+        <p:txBody>
+          <a:bodyPr>
+            <a:normAutofit fontScale="85000" lnSpcReduction="10000"/>
+          </a:bodyPr>
+          <a:lstStyle/>
+          <a:p>
+            <a:pPr>
+              <a:lnSpc>
+                <a:spcPct val="100000"/>
+              </a:lnSpc>
+            </a:pPr>
+            <a:r>
+              <a:rPr lang="en-US" sz="4000" b="1" strike="noStrike" cap="all" spc="-1" dirty="0" err="1">
+                <a:solidFill>
+                  <a:srgbClr val="000000"/>
+                </a:solidFill>
+                <a:latin typeface="Calibri"/>
+              </a:rPr>
+              <a:t>Compiladores</a:t>
+            </a:r>
+            <a:r>
+              <a:rPr lang="en-US" sz="4000" b="1" strike="noStrike" cap="all" spc="-1" dirty="0">
+                <a:solidFill>
+                  <a:srgbClr val="000000"/>
+                </a:solidFill>
+                <a:latin typeface="Calibri"/>
+              </a:rPr>
+              <a:t> </a:t>
+            </a:r>
+            <a:r>
+              <a:rPr lang="en-US" sz="4000" b="1" strike="noStrike" cap="all" spc="-1" dirty="0" smtClean="0">
+                <a:solidFill>
+                  <a:srgbClr val="000000"/>
+                </a:solidFill>
+                <a:latin typeface="Calibri"/>
+              </a:rPr>
+              <a:t>– </a:t>
+            </a:r>
+            <a:r>
+              <a:rPr lang="en-US" sz="4000" b="1" strike="noStrike" cap="all" spc="-1" dirty="0" err="1" smtClean="0">
+                <a:solidFill>
+                  <a:srgbClr val="000000"/>
+                </a:solidFill>
+                <a:latin typeface="Calibri"/>
+              </a:rPr>
+              <a:t>análise</a:t>
+            </a:r>
+            <a:r>
+              <a:rPr lang="en-US" sz="4000" b="1" strike="noStrike" cap="all" spc="-1" dirty="0" smtClean="0">
+                <a:solidFill>
+                  <a:srgbClr val="000000"/>
+                </a:solidFill>
+                <a:latin typeface="Calibri"/>
+              </a:rPr>
+              <a:t> </a:t>
+            </a:r>
+            <a:r>
+              <a:rPr lang="en-US" sz="4000" b="1" strike="noStrike" cap="all" spc="-1" dirty="0" err="1" smtClean="0">
+                <a:solidFill>
+                  <a:srgbClr val="000000"/>
+                </a:solidFill>
+                <a:latin typeface="Calibri"/>
+              </a:rPr>
+              <a:t>semântica</a:t>
+            </a:r>
+            <a:r>
+              <a:rPr dirty="0"/>
+              <a:t/>
+            </a:r>
+            <a:br>
+              <a:rPr dirty="0"/>
+            </a:br>
+            <a:endParaRPr lang="en-US" sz="4000" b="0" strike="noStrike" spc="-1" dirty="0">
+              <a:solidFill>
+                <a:srgbClr val="000000"/>
+              </a:solidFill>
+              <a:latin typeface="Calibri"/>
+            </a:endParaRPr>
+          </a:p>
+        </p:txBody>
+      </p:sp>
+      <p:sp>
+        <p:nvSpPr>
+          <p:cNvPr id="88" name="TextShape 2"/>
+          <p:cNvSpPr txBox="1"/>
+          <p:nvPr/>
+        </p:nvSpPr>
+        <p:spPr>
+          <a:xfrm>
+            <a:off x="722160" y="2906640"/>
+            <a:ext cx="7772040" cy="1499760"/>
+          </a:xfrm>
+          <a:prstGeom prst="rect">
+            <a:avLst/>
+          </a:prstGeom>
+          <a:noFill/>
+          <a:ln>
+            <a:noFill/>
+          </a:ln>
+        </p:spPr>
+        <p:txBody>
+          <a:bodyPr anchor="b"/>
+          <a:lstStyle/>
+          <a:p>
+            <a:pPr>
+              <a:lnSpc>
+                <a:spcPct val="100000"/>
+              </a:lnSpc>
+              <a:spcBef>
+                <a:spcPts val="400"/>
+              </a:spcBef>
+            </a:pPr>
+            <a:r>
+              <a:rPr lang="en-US" sz="2000" b="0" strike="noStrike" spc="-1" dirty="0">
+                <a:latin typeface="Calibri"/>
+              </a:rPr>
+              <a:t>IF688 – </a:t>
+            </a:r>
+            <a:r>
+              <a:rPr lang="en-US" sz="2000" b="0" strike="noStrike" spc="-1" dirty="0" err="1">
+                <a:latin typeface="Calibri"/>
+              </a:rPr>
+              <a:t>Teoria</a:t>
+            </a:r>
+            <a:r>
+              <a:rPr lang="en-US" sz="2000" b="0" strike="noStrike" spc="-1" dirty="0">
+                <a:latin typeface="Calibri"/>
+              </a:rPr>
+              <a:t> e </a:t>
+            </a:r>
+            <a:r>
+              <a:rPr lang="en-US" sz="2000" b="0" strike="noStrike" spc="-1" dirty="0" err="1">
+                <a:latin typeface="Calibri"/>
+              </a:rPr>
+              <a:t>Implementação</a:t>
+            </a:r>
+            <a:r>
+              <a:rPr lang="en-US" sz="2000" b="0" strike="noStrike" spc="-1" dirty="0">
+                <a:latin typeface="Calibri"/>
+              </a:rPr>
+              <a:t> de </a:t>
+            </a:r>
+            <a:r>
+              <a:rPr lang="en-US" sz="2000" b="0" strike="noStrike" spc="-1" dirty="0" err="1">
+                <a:latin typeface="Calibri"/>
+              </a:rPr>
+              <a:t>Linguagens</a:t>
+            </a:r>
+            <a:r>
+              <a:rPr lang="en-US" sz="2000" b="0" strike="noStrike" spc="-1" dirty="0">
+                <a:latin typeface="Calibri"/>
+              </a:rPr>
+              <a:t> </a:t>
+            </a:r>
+            <a:r>
+              <a:rPr lang="en-US" sz="2000" b="0" strike="noStrike" spc="-1" dirty="0" err="1" smtClean="0">
+                <a:latin typeface="Calibri"/>
+              </a:rPr>
+              <a:t>Computacionais</a:t>
+            </a:r>
+            <a:endParaRPr lang="en-US" sz="2000" b="0" strike="noStrike" spc="-1" dirty="0" smtClean="0">
+              <a:latin typeface="Calibri"/>
+            </a:endParaRPr>
+          </a:p>
+        </p:txBody>
+      </p:sp>
+      <p:sp>
+        <p:nvSpPr>
+          <p:cNvPr id="89" name="CustomShape 3"/>
+          <p:cNvSpPr/>
+          <p:nvPr/>
+        </p:nvSpPr>
+        <p:spPr>
+          <a:xfrm>
+            <a:off x="1357200" y="5286240"/>
+            <a:ext cx="6400440" cy="785520"/>
+          </a:xfrm>
+          <a:prstGeom prst="rect">
+            <a:avLst/>
+          </a:prstGeom>
+          <a:noFill/>
+          <a:ln>
+            <a:noFill/>
+          </a:ln>
+        </p:spPr>
+        <p:style>
+          <a:lnRef idx="0">
+            <a:scrgbClr r="0" g="0" b="0"/>
+          </a:lnRef>
+          <a:fillRef idx="0">
+            <a:scrgbClr r="0" g="0" b="0"/>
+          </a:fillRef>
+          <a:effectRef idx="0">
+            <a:scrgbClr r="0" g="0" b="0"/>
+          </a:effectRef>
+          <a:fontRef idx="minor"/>
+        </p:style>
+      </p:sp>
+      <p:sp>
+        <p:nvSpPr>
+          <p:cNvPr id="5" name="TextShape 2"/>
+          <p:cNvSpPr txBox="1"/>
+          <p:nvPr/>
+        </p:nvSpPr>
+        <p:spPr>
+          <a:xfrm>
+            <a:off x="760400" y="5013176"/>
+            <a:ext cx="7772040" cy="1499760"/>
+          </a:xfrm>
+          <a:prstGeom prst="rect">
+            <a:avLst/>
+          </a:prstGeom>
+          <a:noFill/>
+          <a:ln>
+            <a:noFill/>
+          </a:ln>
+        </p:spPr>
+        <p:txBody>
+          <a:bodyPr anchor="b"/>
+          <a:lstStyle/>
+          <a:p>
+            <a:pPr>
+              <a:lnSpc>
+                <a:spcPct val="100000"/>
+              </a:lnSpc>
+              <a:spcBef>
+                <a:spcPts val="400"/>
+              </a:spcBef>
+            </a:pPr>
+            <a:r>
+              <a:rPr lang="en-US" sz="2000" spc="-1" dirty="0" smtClean="0">
+                <a:solidFill>
+                  <a:srgbClr val="000000"/>
+                </a:solidFill>
+                <a:latin typeface="Calibri"/>
+              </a:rPr>
+              <a:t>Marcelo </a:t>
+            </a:r>
+            <a:r>
+              <a:rPr lang="en-US" sz="2000" spc="-1" dirty="0" err="1" smtClean="0">
+                <a:solidFill>
+                  <a:srgbClr val="000000"/>
+                </a:solidFill>
+                <a:latin typeface="Calibri"/>
+              </a:rPr>
+              <a:t>d’Amorim</a:t>
+            </a:r>
+            <a:endParaRPr lang="en-US" sz="2000" spc="-1" dirty="0" smtClean="0">
+              <a:solidFill>
+                <a:srgbClr val="8B8B8B"/>
+              </a:solidFill>
+              <a:latin typeface="Calibri"/>
+            </a:endParaRPr>
           </a:p>
         </p:txBody>
       </p:sp>
     </p:spTree>
     <p:extLst>
       <p:ext uri="{BB962C8B-B14F-4D97-AF65-F5344CB8AC3E}">
-        <p14:creationId xmlns:p14="http://schemas.microsoft.com/office/powerpoint/2010/main" val="961112884"/>
+        <p14:creationId xmlns:p14="http://schemas.microsoft.com/office/powerpoint/2010/main" val="3087253087"/>
       </p:ext>
     </p:extLst>
   </p:cSld>
@@ -3673,7 +3906,27 @@
   <p:timing>
     <p:tnLst>
       <p:par>
-        <p:cTn id="1" dur="indefinite" restart="never" nodeType="tmRoot"/>
+        <p:cTn id="1" dur="indefinite" restart="never" nodeType="tmRoot">
+          <p:childTnLst>
+            <p:seq>
+              <p:cTn id="2" nodeType="mainSeq"/>
+              <p:prevCondLst>
+                <p:cond evt="onPrev" delay="0">
+                  <p:tgtEl>
+                    <p:sldTgt/>
+                  </p:tgtEl>
+                </p:cond>
+              </p:prevCondLst>
+              <p:nextCondLst>
+                <p:cond evt="onNext" delay="0">
+                  <p:tgtEl>
+                    <p:sldTgt/>
+                  </p:tgtEl>
+                </p:cond>
+              </p:nextCondLst>
+            </p:seq>
+          </p:childTnLst>
+        </p:cTn>
       </p:par>
     </p:tnLst>
   </p:timing>
@@ -3747,21 +4000,8 @@
             </a:pPr>
             <a:r>
               <a:rPr lang="pt-BR" dirty="0" smtClean="0"/>
-              <a:t>Um tipo é uma categoria de </a:t>
-            </a:r>
-            <a:r>
-              <a:rPr lang="pt-BR" dirty="0" smtClean="0"/>
-              <a:t>valores de variáveis. </a:t>
-            </a:r>
-            <a:r>
-              <a:rPr lang="pt-BR" dirty="0" smtClean="0"/>
-              <a:t>Objeto </a:t>
-            </a:r>
-            <a:r>
-              <a:rPr lang="pt-BR" dirty="0" smtClean="0"/>
-              <a:t>é disciplinar uso de variáveis.</a:t>
-            </a:r>
-            <a:endParaRPr lang="pt-BR" dirty="0" smtClean="0"/>
+              <a:t>Um tipo é uma categoria de valores de variáveis. Objeto é disciplinar uso de variáveis.</a:t>
+            </a:r>
           </a:p>
         </p:txBody>
       </p:sp>
@@ -4106,15 +4346,7 @@
             </a:pPr>
             <a:r>
               <a:rPr lang="pt-BR" dirty="0" smtClean="0"/>
-              <a:t>Coleção de regras que que limitam como programas </a:t>
-            </a:r>
-            <a:r>
-              <a:rPr lang="pt-BR" dirty="0" smtClean="0"/>
-              <a:t>devem ser </a:t>
-            </a:r>
-            <a:r>
-              <a:rPr lang="pt-BR" dirty="0" smtClean="0"/>
-              <a:t>escritos</a:t>
+              <a:t>Coleção de regras que que limitam como programas devem ser escritos</a:t>
             </a:r>
             <a:endParaRPr lang="pt-BR" dirty="0"/>
           </a:p>
@@ -4311,19 +4543,7 @@
           <a:p>
             <a:r>
               <a:rPr lang="pt-BR" dirty="0" smtClean="0"/>
-              <a:t>Tipos </a:t>
-            </a:r>
-            <a:r>
-              <a:rPr lang="pt-BR" dirty="0" smtClean="0"/>
-              <a:t>Escalares </a:t>
-            </a:r>
-            <a:r>
-              <a:rPr lang="pt-BR" dirty="0" smtClean="0"/>
-              <a:t>e </a:t>
-            </a:r>
-            <a:r>
-              <a:rPr lang="pt-BR" dirty="0" smtClean="0"/>
-              <a:t>Derivados</a:t>
+              <a:t>Tipos Escalares e Derivados</a:t>
             </a:r>
             <a:endParaRPr lang="pt-BR" dirty="0"/>
           </a:p>
@@ -4353,15 +4573,7 @@
           <a:p>
             <a:r>
               <a:rPr lang="pt-BR" dirty="0" smtClean="0"/>
-              <a:t>Os valores associados a um tipo escalar admite apenas </a:t>
-            </a:r>
-            <a:r>
-              <a:rPr lang="pt-BR" dirty="0" smtClean="0"/>
-              <a:t>um elemento (</a:t>
-            </a:r>
-            <a:r>
-              <a:rPr lang="pt-BR" dirty="0" smtClean="0"/>
-              <a:t>ex., </a:t>
+              <a:t>Os valores associados a um tipo escalar admite apenas um elemento (ex., </a:t>
             </a:r>
             <a:r>
               <a:rPr lang="pt-BR" dirty="0" err="1" smtClean="0"/>
@@ -4371,7 +4583,6 @@
               <a:rPr lang="pt-BR" dirty="0" smtClean="0"/>
               <a:t>)</a:t>
             </a:r>
-            <a:endParaRPr lang="pt-BR" dirty="0" smtClean="0"/>
           </a:p>
           <a:p>
             <a:r>
@@ -5070,19 +5281,7 @@
           <a:p>
             <a:r>
               <a:rPr lang="pt-BR" dirty="0" smtClean="0"/>
-              <a:t>Exemplos de </a:t>
-            </a:r>
-            <a:r>
-              <a:rPr lang="pt-BR" dirty="0" smtClean="0"/>
-              <a:t>Regras </a:t>
-            </a:r>
-            <a:r>
-              <a:rPr lang="pt-BR" dirty="0" smtClean="0"/>
-              <a:t>de </a:t>
-            </a:r>
-            <a:r>
-              <a:rPr lang="pt-BR" dirty="0" smtClean="0"/>
-              <a:t>Tipo</a:t>
+              <a:t>Exemplos de Regras de Tipo</a:t>
             </a:r>
             <a:endParaRPr lang="pt-BR" dirty="0"/>
           </a:p>
@@ -5340,11 +5539,7 @@
             </a:r>
             <a:r>
               <a:rPr lang="en-US" dirty="0" smtClean="0"/>
-              <a:t> </a:t>
-            </a:r>
-            <a:r>
-              <a:rPr lang="en-US" dirty="0" smtClean="0"/>
-              <a:t>de </a:t>
+              <a:t> de </a:t>
             </a:r>
             <a:r>
               <a:rPr lang="en-US" dirty="0" err="1" smtClean="0"/>
@@ -7070,15 +7265,7 @@
             </a:pPr>
             <a:r>
               <a:rPr lang="pt-BR" dirty="0" smtClean="0"/>
-              <a:t>Adicione regras </a:t>
-            </a:r>
-            <a:r>
-              <a:rPr lang="pt-BR" dirty="0" smtClean="0"/>
-              <a:t>de tipo para </a:t>
-            </a:r>
-            <a:r>
-              <a:rPr lang="pt-BR" dirty="0" smtClean="0"/>
-              <a:t>comandos</a:t>
+              <a:t>Adicione regras de tipo para comandos</a:t>
             </a:r>
           </a:p>
           <a:p>
@@ -7746,9 +7933,6 @@
               </a:rPr>
               <a:t>}</a:t>
             </a:r>
-            <a:endParaRPr lang="en-US" dirty="0" smtClean="0">
-              <a:sym typeface="Wingdings" pitchFamily="2" charset="2"/>
-            </a:endParaRPr>
           </a:p>
           <a:p>
             <a:pPr marL="609600" indent="-609600">
@@ -8646,11 +8830,7 @@
             </a:pPr>
             <a:r>
               <a:rPr lang="pt-BR" dirty="0" smtClean="0"/>
-              <a:t>Elabore regras </a:t>
-            </a:r>
-            <a:r>
-              <a:rPr lang="pt-BR" dirty="0" smtClean="0"/>
-              <a:t>de tipo para funções</a:t>
+              <a:t>Elabore regras de tipo para funções</a:t>
             </a:r>
             <a:endParaRPr lang="pt-BR" dirty="0"/>
           </a:p>
@@ -9615,11 +9795,7 @@
           <a:p>
             <a:r>
               <a:rPr lang="pt-BR" dirty="0" smtClean="0"/>
-              <a:t>Conversão de </a:t>
-            </a:r>
-            <a:r>
-              <a:rPr lang="pt-BR" dirty="0" smtClean="0"/>
-              <a:t>Tipos</a:t>
+              <a:t>Conversão de Tipos</a:t>
             </a:r>
             <a:endParaRPr lang="pt-BR" dirty="0"/>
           </a:p>
@@ -9647,11 +9823,7 @@
           <a:p>
             <a:r>
               <a:rPr lang="pt-BR" b="1" dirty="0" smtClean="0"/>
-              <a:t>Conversão</a:t>
-            </a:r>
-            <a:r>
-              <a:rPr lang="pt-BR" b="1" dirty="0" smtClean="0"/>
-              <a:t>: Implícita e Explícita</a:t>
+              <a:t>Conversão: Implícita e Explícita</a:t>
             </a:r>
           </a:p>
           <a:p>
@@ -9661,35 +9833,14 @@
             </a:r>
             <a:r>
               <a:rPr lang="pt-BR" dirty="0" smtClean="0"/>
-              <a:t>: O compilador adiciona </a:t>
-            </a:r>
+              <a:t>: O compilador adiciona automaticamente função de conversão</a:t>
+            </a:r>
+          </a:p>
+          <a:p>
+            <a:pPr lvl="1"/>
             <a:r>
               <a:rPr lang="pt-BR" dirty="0" smtClean="0"/>
-              <a:t>automaticamente função </a:t>
-            </a:r>
-            <a:r>
-              <a:rPr lang="pt-BR" dirty="0" smtClean="0"/>
-              <a:t>de </a:t>
-            </a:r>
-            <a:r>
-              <a:rPr lang="pt-BR" dirty="0" smtClean="0"/>
-              <a:t>conversão</a:t>
-            </a:r>
-            <a:endParaRPr lang="pt-BR" dirty="0" smtClean="0"/>
-          </a:p>
-          <a:p>
-            <a:pPr lvl="1"/>
-            <a:r>
-              <a:rPr lang="pt-BR" dirty="0" smtClean="0"/>
-              <a:t>Não </a:t>
-            </a:r>
-            <a:r>
-              <a:rPr lang="pt-BR" dirty="0" smtClean="0"/>
-              <a:t>há perda de informação.  </a:t>
-            </a:r>
-            <a:r>
-              <a:rPr lang="pt-BR" dirty="0" smtClean="0"/>
-              <a:t>Ex., </a:t>
+              <a:t>Não há perda de informação.  Ex., </a:t>
             </a:r>
             <a:r>
               <a:rPr lang="pt-BR" dirty="0" err="1" smtClean="0">
@@ -9699,11 +9850,7 @@
             </a:r>
             <a:r>
               <a:rPr lang="pt-BR" dirty="0" smtClean="0"/>
-              <a:t> </a:t>
-            </a:r>
-            <a:r>
-              <a:rPr lang="pt-BR" dirty="0" smtClean="0"/>
-              <a:t>para </a:t>
+              <a:t> para </a:t>
             </a:r>
             <a:r>
               <a:rPr lang="pt-BR" dirty="0" err="1" smtClean="0">
@@ -9722,11 +9869,7 @@
             </a:r>
             <a:r>
               <a:rPr lang="pt-BR" dirty="0" smtClean="0"/>
-              <a:t>: O programador precisa </a:t>
-            </a:r>
-            <a:r>
-              <a:rPr lang="pt-BR" dirty="0" smtClean="0"/>
-              <a:t>adicionar código de conversão</a:t>
+              <a:t>: O programador precisa adicionar código de conversão</a:t>
             </a:r>
             <a:endParaRPr lang="pt-BR" dirty="0"/>
           </a:p>
@@ -10017,11 +10160,7 @@
           <a:p>
             <a:r>
               <a:rPr lang="pt-BR" dirty="0" smtClean="0"/>
-              <a:t>Tempo </a:t>
-            </a:r>
-            <a:r>
-              <a:rPr lang="pt-BR" dirty="0" smtClean="0"/>
-              <a:t>de Checagem</a:t>
+              <a:t>Tempo de Checagem</a:t>
             </a:r>
             <a:endParaRPr lang="pt-BR" dirty="0"/>
           </a:p>
@@ -10061,7 +10200,6 @@
               <a:rPr lang="pt-BR" dirty="0" smtClean="0"/>
               <a:t> (ex., Java, C)</a:t>
             </a:r>
-            <a:endParaRPr lang="pt-BR" dirty="0" smtClean="0"/>
           </a:p>
           <a:p>
             <a:pPr lvl="1"/>
@@ -10071,11 +10209,7 @@
             </a:r>
             <a:r>
               <a:rPr lang="pt-BR" dirty="0" smtClean="0"/>
-              <a:t>hecagem </a:t>
-            </a:r>
-            <a:r>
-              <a:rPr lang="pt-BR" dirty="0" smtClean="0"/>
-              <a:t>durante compilação</a:t>
+              <a:t>hecagem durante compilação</a:t>
             </a:r>
           </a:p>
           <a:p>
@@ -10089,15 +10223,7 @@
             </a:r>
             <a:r>
               <a:rPr lang="pt-BR" dirty="0" smtClean="0"/>
-              <a:t> (ex</a:t>
-            </a:r>
-            <a:r>
-              <a:rPr lang="pt-BR" dirty="0" smtClean="0"/>
-              <a:t>.,</a:t>
-            </a:r>
-            <a:r>
-              <a:rPr lang="pt-BR" dirty="0" smtClean="0"/>
-              <a:t> Python, </a:t>
+              <a:t> (ex., Python, </a:t>
             </a:r>
             <a:r>
               <a:rPr lang="pt-BR" dirty="0" err="1" smtClean="0"/>
@@ -10107,7 +10233,6 @@
               <a:rPr lang="pt-BR" dirty="0" smtClean="0"/>
               <a:t>)</a:t>
             </a:r>
-            <a:endParaRPr lang="pt-BR" dirty="0" smtClean="0"/>
           </a:p>
           <a:p>
             <a:pPr lvl="1"/>
@@ -10165,19 +10290,7 @@
             </a:r>
             <a:r>
               <a:rPr lang="pt-BR" sz="3200" dirty="0" smtClean="0"/>
-              <a:t>” mais flexível, porém </a:t>
-            </a:r>
-            <a:r>
-              <a:rPr lang="pt-BR" sz="3200" dirty="0" smtClean="0"/>
-              <a:t>checagem </a:t>
-            </a:r>
-            <a:r>
-              <a:rPr lang="pt-BR" sz="3200" dirty="0" smtClean="0"/>
-              <a:t>de tipos pode ser custosa</a:t>
-            </a:r>
-            <a:r>
-              <a:rPr lang="pt-BR" sz="3200" dirty="0" smtClean="0"/>
-              <a:t>. “</a:t>
+              <a:t>” mais flexível, porém checagem de tipos pode ser custosa. “</a:t>
             </a:r>
             <a:r>
               <a:rPr lang="pt-BR" sz="3200" dirty="0" err="1" smtClean="0"/>
@@ -10187,7 +10300,6 @@
               <a:rPr lang="pt-BR" sz="3200" dirty="0" smtClean="0"/>
               <a:t>” captura erros em tempo de compilação, porém é mais inflexível (isto é, proíbe programas válidos).</a:t>
             </a:r>
-            <a:endParaRPr lang="pt-BR" sz="3200" dirty="0" smtClean="0"/>
           </a:p>
         </p:txBody>
       </p:sp>
@@ -10245,11 +10357,7 @@
           <a:p>
             <a:r>
               <a:rPr lang="en-US" dirty="0" smtClean="0"/>
-              <a:t>Rigor </a:t>
-            </a:r>
-            <a:r>
-              <a:rPr lang="en-US" dirty="0" smtClean="0"/>
-              <a:t>do </a:t>
+              <a:t>Rigor do </a:t>
             </a:r>
             <a:r>
               <a:rPr lang="en-US" dirty="0" err="1" smtClean="0"/>
@@ -10689,11 +10797,7 @@
           <a:p>
             <a:r>
               <a:rPr lang="pt-BR" dirty="0" smtClean="0"/>
-              <a:t>Polimorfismo de </a:t>
-            </a:r>
-            <a:r>
-              <a:rPr lang="pt-BR" dirty="0" smtClean="0"/>
-              <a:t>Subtipo</a:t>
+              <a:t>Polimorfismo de Subtipo</a:t>
             </a:r>
             <a:endParaRPr lang="pt-BR" dirty="0"/>
           </a:p>
@@ -11518,11 +11622,7 @@
           <a:p>
             <a:r>
               <a:rPr lang="pt-BR" dirty="0" smtClean="0"/>
-              <a:t>Polimorfismo </a:t>
-            </a:r>
-            <a:r>
-              <a:rPr lang="pt-BR" dirty="0" smtClean="0"/>
-              <a:t>Paramétrico</a:t>
+              <a:t>Polimorfismo Paramétrico</a:t>
             </a:r>
             <a:endParaRPr lang="pt-BR" dirty="0"/>
           </a:p>
@@ -12758,11 +12858,7 @@
           <a:p>
             <a:r>
               <a:rPr lang="pt-BR" dirty="0" smtClean="0"/>
-              <a:t>Tipos </a:t>
-            </a:r>
-            <a:r>
-              <a:rPr lang="pt-BR" dirty="0" smtClean="0"/>
-              <a:t>Plugáveis</a:t>
+              <a:t>Tipos Plugáveis</a:t>
             </a:r>
             <a:endParaRPr lang="en-US" dirty="0"/>
           </a:p>
@@ -12785,11 +12881,7 @@
           <a:p>
             <a:r>
               <a:rPr lang="pt-BR" dirty="0" smtClean="0"/>
-              <a:t>Checker </a:t>
-            </a:r>
-            <a:r>
-              <a:rPr lang="pt-BR" dirty="0" smtClean="0"/>
-              <a:t>Framework</a:t>
+              <a:t>Checker Framework</a:t>
             </a:r>
           </a:p>
           <a:p>

--- a/slides-aulas/analise-semantica.pptx
+++ b/slides-aulas/analise-semantica.pptx
@@ -229,7 +229,7 @@
           <a:p>
             <a:fld id="{4524B1C1-5B40-400B-A2EB-A68B8AE74649}" type="datetimeFigureOut">
               <a:rPr lang="en-US" smtClean="0"/>
-              <a:t>3/20/2019</a:t>
+              <a:t>9/17/2019</a:t>
             </a:fld>
             <a:endParaRPr lang="en-US"/>
           </a:p>
@@ -395,7 +395,7 @@
             <a:fld id="{F42525A5-B25A-49AC-8F63-94028D46B0E3}" type="datetimeFigureOut">
               <a:rPr lang="pt-BR" smtClean="0"/>
               <a:pPr/>
-              <a:t>20/03/2019</a:t>
+              <a:t>17/09/2019</a:t>
             </a:fld>
             <a:endParaRPr lang="pt-BR"/>
           </a:p>
@@ -848,7 +848,7 @@
             <a:fld id="{2E700DB3-DBF0-4086-B675-117E7A9610B8}" type="datetimeFigureOut">
               <a:rPr lang="pt-BR" smtClean="0"/>
               <a:pPr/>
-              <a:t>20/03/2019</a:t>
+              <a:t>17/09/2019</a:t>
             </a:fld>
             <a:endParaRPr lang="pt-BR"/>
           </a:p>
@@ -1015,7 +1015,7 @@
             <a:fld id="{2E700DB3-DBF0-4086-B675-117E7A9610B8}" type="datetimeFigureOut">
               <a:rPr lang="pt-BR" smtClean="0"/>
               <a:pPr/>
-              <a:t>20/03/2019</a:t>
+              <a:t>17/09/2019</a:t>
             </a:fld>
             <a:endParaRPr lang="pt-BR"/>
           </a:p>
@@ -1192,7 +1192,7 @@
             <a:fld id="{2E700DB3-DBF0-4086-B675-117E7A9610B8}" type="datetimeFigureOut">
               <a:rPr lang="pt-BR" smtClean="0"/>
               <a:pPr/>
-              <a:t>20/03/2019</a:t>
+              <a:t>17/09/2019</a:t>
             </a:fld>
             <a:endParaRPr lang="pt-BR"/>
           </a:p>
@@ -1359,7 +1359,7 @@
             <a:fld id="{2E700DB3-DBF0-4086-B675-117E7A9610B8}" type="datetimeFigureOut">
               <a:rPr lang="pt-BR" smtClean="0"/>
               <a:pPr/>
-              <a:t>20/03/2019</a:t>
+              <a:t>17/09/2019</a:t>
             </a:fld>
             <a:endParaRPr lang="pt-BR"/>
           </a:p>
@@ -1602,7 +1602,7 @@
             <a:fld id="{2E700DB3-DBF0-4086-B675-117E7A9610B8}" type="datetimeFigureOut">
               <a:rPr lang="pt-BR" smtClean="0"/>
               <a:pPr/>
-              <a:t>20/03/2019</a:t>
+              <a:t>17/09/2019</a:t>
             </a:fld>
             <a:endParaRPr lang="pt-BR"/>
           </a:p>
@@ -1887,7 +1887,7 @@
             <a:fld id="{2E700DB3-DBF0-4086-B675-117E7A9610B8}" type="datetimeFigureOut">
               <a:rPr lang="pt-BR" smtClean="0"/>
               <a:pPr/>
-              <a:t>20/03/2019</a:t>
+              <a:t>17/09/2019</a:t>
             </a:fld>
             <a:endParaRPr lang="pt-BR"/>
           </a:p>
@@ -2306,7 +2306,7 @@
             <a:fld id="{2E700DB3-DBF0-4086-B675-117E7A9610B8}" type="datetimeFigureOut">
               <a:rPr lang="pt-BR" smtClean="0"/>
               <a:pPr/>
-              <a:t>20/03/2019</a:t>
+              <a:t>17/09/2019</a:t>
             </a:fld>
             <a:endParaRPr lang="pt-BR"/>
           </a:p>
@@ -2421,7 +2421,7 @@
             <a:fld id="{2E700DB3-DBF0-4086-B675-117E7A9610B8}" type="datetimeFigureOut">
               <a:rPr lang="pt-BR" smtClean="0"/>
               <a:pPr/>
-              <a:t>20/03/2019</a:t>
+              <a:t>17/09/2019</a:t>
             </a:fld>
             <a:endParaRPr lang="pt-BR"/>
           </a:p>
@@ -2513,7 +2513,7 @@
             <a:fld id="{2E700DB3-DBF0-4086-B675-117E7A9610B8}" type="datetimeFigureOut">
               <a:rPr lang="pt-BR" smtClean="0"/>
               <a:pPr/>
-              <a:t>20/03/2019</a:t>
+              <a:t>17/09/2019</a:t>
             </a:fld>
             <a:endParaRPr lang="pt-BR"/>
           </a:p>
@@ -2787,7 +2787,7 @@
             <a:fld id="{2E700DB3-DBF0-4086-B675-117E7A9610B8}" type="datetimeFigureOut">
               <a:rPr lang="pt-BR" smtClean="0"/>
               <a:pPr/>
-              <a:t>20/03/2019</a:t>
+              <a:t>17/09/2019</a:t>
             </a:fld>
             <a:endParaRPr lang="pt-BR"/>
           </a:p>
@@ -3037,7 +3037,7 @@
             <a:fld id="{2E700DB3-DBF0-4086-B675-117E7A9610B8}" type="datetimeFigureOut">
               <a:rPr lang="pt-BR" smtClean="0"/>
               <a:pPr/>
-              <a:t>20/03/2019</a:t>
+              <a:t>17/09/2019</a:t>
             </a:fld>
             <a:endParaRPr lang="pt-BR"/>
           </a:p>
@@ -3247,7 +3247,7 @@
             <a:fld id="{2E700DB3-DBF0-4086-B675-117E7A9610B8}" type="datetimeFigureOut">
               <a:rPr lang="pt-BR" smtClean="0"/>
               <a:pPr/>
-              <a:t>20/03/2019</a:t>
+              <a:t>17/09/2019</a:t>
             </a:fld>
             <a:endParaRPr lang="pt-BR"/>
           </a:p>
@@ -7004,10 +7004,10 @@
               <a:rPr lang="en-US" dirty="0" smtClean="0">
                 <a:sym typeface="Wingdings" pitchFamily="2" charset="2"/>
               </a:rPr>
-              <a:t>)) = </a:t>
-            </a:r>
-            <a:r>
-              <a:rPr lang="en-US" dirty="0">
+              <a:t>)) </a:t>
+            </a:r>
+            <a:r>
+              <a:rPr lang="en-US" dirty="0" smtClean="0">
                 <a:sym typeface="Wingdings" pitchFamily="2" charset="2"/>
               </a:rPr>
               <a:t>t </a:t>
@@ -8913,22 +8913,13 @@
               <a:t> </a:t>
             </a:r>
             <a:r>
-              <a:rPr kumimoji="0" lang="en-US" sz="3200" b="1" i="0" u="none" strike="noStrike" kern="1200" cap="none" spc="0" normalizeH="0" baseline="0" noProof="0" dirty="0" smtClean="0">
-                <a:ln>
-                  <a:noFill/>
-                </a:ln>
+              <a:rPr lang="en-US" sz="3200" b="1" dirty="0" smtClean="0">
                 <a:solidFill>
                   <a:srgbClr val="FF0000"/>
                 </a:solidFill>
-                <a:effectLst/>
-                <a:uLnTx/>
-                <a:uFillTx/>
-                <a:latin typeface="+mn-lt"/>
-                <a:ea typeface="+mn-ea"/>
-                <a:cs typeface="+mn-cs"/>
                 <a:sym typeface="Symbol" pitchFamily="18" charset="2"/>
               </a:rPr>
-              <a:t></a:t>
+              <a:t>=&gt;</a:t>
             </a:r>
             <a:r>
               <a:rPr kumimoji="0" lang="en-US" sz="3200" b="1" i="0" u="none" strike="noStrike" kern="1200" cap="none" spc="0" normalizeH="0" baseline="0" noProof="0" dirty="0" smtClean="0">
